--- a/P4_03_rapport_optimisation.pptx
+++ b/P4_03_rapport_optimisation.pptx
@@ -12,6 +12,18 @@
     <p:sldId id="257" r:id="rId9"/>
     <p:sldId id="258" r:id="rId10"/>
     <p:sldId id="259" r:id="rId11"/>
+    <p:sldId id="260" r:id="rId12"/>
+    <p:sldId id="261" r:id="rId13"/>
+    <p:sldId id="262" r:id="rId14"/>
+    <p:sldId id="263" r:id="rId15"/>
+    <p:sldId id="264" r:id="rId16"/>
+    <p:sldId id="265" r:id="rId17"/>
+    <p:sldId id="266" r:id="rId18"/>
+    <p:sldId id="267" r:id="rId19"/>
+    <p:sldId id="268" r:id="rId20"/>
+    <p:sldId id="269" r:id="rId21"/>
+    <p:sldId id="270" r:id="rId22"/>
+    <p:sldId id="271" r:id="rId23"/>
   </p:sldIdLst>
   <p:sldSz cx="24384000" cy="13716000"/>
   <p:notesSz cx="6858000" cy="9144000"/>
@@ -62,14 +74,14 @@
           <a:noFill/>
         </a:ln>
         <a:solidFill>
-          <a:srgbClr val="838787"/>
+          <a:srgbClr val="222222"/>
         </a:solidFill>
         <a:effectLst/>
         <a:uFillTx/>
-        <a:latin typeface="Avenir Next Medium"/>
-        <a:ea typeface="Avenir Next Medium"/>
-        <a:cs typeface="Avenir Next Medium"/>
-        <a:sym typeface="Avenir Next Medium"/>
+        <a:latin typeface="DIN Condensed Bold"/>
+        <a:ea typeface="DIN Condensed Bold"/>
+        <a:cs typeface="DIN Condensed Bold"/>
+        <a:sym typeface="DIN Condensed Bold"/>
       </a:defRPr>
     </a:lvl1pPr>
     <a:lvl2pPr marL="0" marR="0" indent="0" algn="l" defTabSz="825500" rtl="0" fontAlgn="auto" latinLnBrk="0" hangingPunct="0">
@@ -92,14 +104,14 @@
           <a:noFill/>
         </a:ln>
         <a:solidFill>
-          <a:srgbClr val="838787"/>
+          <a:srgbClr val="222222"/>
         </a:solidFill>
         <a:effectLst/>
         <a:uFillTx/>
-        <a:latin typeface="Avenir Next Medium"/>
-        <a:ea typeface="Avenir Next Medium"/>
-        <a:cs typeface="Avenir Next Medium"/>
-        <a:sym typeface="Avenir Next Medium"/>
+        <a:latin typeface="DIN Condensed Bold"/>
+        <a:ea typeface="DIN Condensed Bold"/>
+        <a:cs typeface="DIN Condensed Bold"/>
+        <a:sym typeface="DIN Condensed Bold"/>
       </a:defRPr>
     </a:lvl2pPr>
     <a:lvl3pPr marL="0" marR="0" indent="0" algn="l" defTabSz="825500" rtl="0" fontAlgn="auto" latinLnBrk="0" hangingPunct="0">
@@ -122,14 +134,14 @@
           <a:noFill/>
         </a:ln>
         <a:solidFill>
-          <a:srgbClr val="838787"/>
+          <a:srgbClr val="222222"/>
         </a:solidFill>
         <a:effectLst/>
         <a:uFillTx/>
-        <a:latin typeface="Avenir Next Medium"/>
-        <a:ea typeface="Avenir Next Medium"/>
-        <a:cs typeface="Avenir Next Medium"/>
-        <a:sym typeface="Avenir Next Medium"/>
+        <a:latin typeface="DIN Condensed Bold"/>
+        <a:ea typeface="DIN Condensed Bold"/>
+        <a:cs typeface="DIN Condensed Bold"/>
+        <a:sym typeface="DIN Condensed Bold"/>
       </a:defRPr>
     </a:lvl3pPr>
     <a:lvl4pPr marL="0" marR="0" indent="0" algn="l" defTabSz="825500" rtl="0" fontAlgn="auto" latinLnBrk="0" hangingPunct="0">
@@ -152,14 +164,14 @@
           <a:noFill/>
         </a:ln>
         <a:solidFill>
-          <a:srgbClr val="838787"/>
+          <a:srgbClr val="222222"/>
         </a:solidFill>
         <a:effectLst/>
         <a:uFillTx/>
-        <a:latin typeface="Avenir Next Medium"/>
-        <a:ea typeface="Avenir Next Medium"/>
-        <a:cs typeface="Avenir Next Medium"/>
-        <a:sym typeface="Avenir Next Medium"/>
+        <a:latin typeface="DIN Condensed Bold"/>
+        <a:ea typeface="DIN Condensed Bold"/>
+        <a:cs typeface="DIN Condensed Bold"/>
+        <a:sym typeface="DIN Condensed Bold"/>
       </a:defRPr>
     </a:lvl4pPr>
     <a:lvl5pPr marL="0" marR="0" indent="0" algn="l" defTabSz="825500" rtl="0" fontAlgn="auto" latinLnBrk="0" hangingPunct="0">
@@ -182,14 +194,14 @@
           <a:noFill/>
         </a:ln>
         <a:solidFill>
-          <a:srgbClr val="838787"/>
+          <a:srgbClr val="222222"/>
         </a:solidFill>
         <a:effectLst/>
         <a:uFillTx/>
-        <a:latin typeface="Avenir Next Medium"/>
-        <a:ea typeface="Avenir Next Medium"/>
-        <a:cs typeface="Avenir Next Medium"/>
-        <a:sym typeface="Avenir Next Medium"/>
+        <a:latin typeface="DIN Condensed Bold"/>
+        <a:ea typeface="DIN Condensed Bold"/>
+        <a:cs typeface="DIN Condensed Bold"/>
+        <a:sym typeface="DIN Condensed Bold"/>
       </a:defRPr>
     </a:lvl5pPr>
     <a:lvl6pPr marL="0" marR="0" indent="0" algn="l" defTabSz="825500" rtl="0" fontAlgn="auto" latinLnBrk="0" hangingPunct="0">
@@ -212,14 +224,14 @@
           <a:noFill/>
         </a:ln>
         <a:solidFill>
-          <a:srgbClr val="838787"/>
+          <a:srgbClr val="222222"/>
         </a:solidFill>
         <a:effectLst/>
         <a:uFillTx/>
-        <a:latin typeface="Avenir Next Medium"/>
-        <a:ea typeface="Avenir Next Medium"/>
-        <a:cs typeface="Avenir Next Medium"/>
-        <a:sym typeface="Avenir Next Medium"/>
+        <a:latin typeface="DIN Condensed Bold"/>
+        <a:ea typeface="DIN Condensed Bold"/>
+        <a:cs typeface="DIN Condensed Bold"/>
+        <a:sym typeface="DIN Condensed Bold"/>
       </a:defRPr>
     </a:lvl6pPr>
     <a:lvl7pPr marL="0" marR="0" indent="0" algn="l" defTabSz="825500" rtl="0" fontAlgn="auto" latinLnBrk="0" hangingPunct="0">
@@ -242,14 +254,14 @@
           <a:noFill/>
         </a:ln>
         <a:solidFill>
-          <a:srgbClr val="838787"/>
+          <a:srgbClr val="222222"/>
         </a:solidFill>
         <a:effectLst/>
         <a:uFillTx/>
-        <a:latin typeface="Avenir Next Medium"/>
-        <a:ea typeface="Avenir Next Medium"/>
-        <a:cs typeface="Avenir Next Medium"/>
-        <a:sym typeface="Avenir Next Medium"/>
+        <a:latin typeface="DIN Condensed Bold"/>
+        <a:ea typeface="DIN Condensed Bold"/>
+        <a:cs typeface="DIN Condensed Bold"/>
+        <a:sym typeface="DIN Condensed Bold"/>
       </a:defRPr>
     </a:lvl7pPr>
     <a:lvl8pPr marL="0" marR="0" indent="0" algn="l" defTabSz="825500" rtl="0" fontAlgn="auto" latinLnBrk="0" hangingPunct="0">
@@ -272,14 +284,14 @@
           <a:noFill/>
         </a:ln>
         <a:solidFill>
-          <a:srgbClr val="838787"/>
+          <a:srgbClr val="222222"/>
         </a:solidFill>
         <a:effectLst/>
         <a:uFillTx/>
-        <a:latin typeface="Avenir Next Medium"/>
-        <a:ea typeface="Avenir Next Medium"/>
-        <a:cs typeface="Avenir Next Medium"/>
-        <a:sym typeface="Avenir Next Medium"/>
+        <a:latin typeface="DIN Condensed Bold"/>
+        <a:ea typeface="DIN Condensed Bold"/>
+        <a:cs typeface="DIN Condensed Bold"/>
+        <a:sym typeface="DIN Condensed Bold"/>
       </a:defRPr>
     </a:lvl8pPr>
     <a:lvl9pPr marL="0" marR="0" indent="0" algn="l" defTabSz="825500" rtl="0" fontAlgn="auto" latinLnBrk="0" hangingPunct="0">
@@ -302,14 +314,14 @@
           <a:noFill/>
         </a:ln>
         <a:solidFill>
-          <a:srgbClr val="838787"/>
+          <a:srgbClr val="222222"/>
         </a:solidFill>
         <a:effectLst/>
         <a:uFillTx/>
-        <a:latin typeface="Avenir Next Medium"/>
-        <a:ea typeface="Avenir Next Medium"/>
-        <a:cs typeface="Avenir Next Medium"/>
-        <a:sym typeface="Avenir Next Medium"/>
+        <a:latin typeface="DIN Condensed Bold"/>
+        <a:ea typeface="DIN Condensed Bold"/>
+        <a:cs typeface="DIN Condensed Bold"/>
+        <a:sym typeface="DIN Condensed Bold"/>
       </a:defRPr>
     </a:lvl9pPr>
   </p:defaultTextStyle>
@@ -339,7 +351,7 @@
       </p:grpSpPr>
       <p:sp>
         <p:nvSpPr>
-          <p:cNvPr id="163" name="Shape 163"/>
+          <p:cNvPr id="166" name="Shape 166"/>
           <p:cNvSpPr/>
           <p:nvPr>
             <p:ph type="sldImg"/>
@@ -364,7 +376,7 @@
       </p:sp>
       <p:sp>
         <p:nvSpPr>
-          <p:cNvPr id="164" name="Shape 164"/>
+          <p:cNvPr id="167" name="Shape 167"/>
           <p:cNvSpPr/>
           <p:nvPr>
             <p:ph type="body" sz="quarter" idx="1"/>
@@ -396,9 +408,9 @@
         <a:spcPct val="117999"/>
       </a:lnSpc>
       <a:defRPr sz="2200">
-        <a:latin typeface="Helvetica Neue"/>
-        <a:ea typeface="Helvetica Neue"/>
-        <a:cs typeface="Helvetica Neue"/>
+        <a:latin typeface="+mn-lt"/>
+        <a:ea typeface="+mn-ea"/>
+        <a:cs typeface="+mn-cs"/>
         <a:sym typeface="Helvetica Neue"/>
       </a:defRPr>
     </a:lvl1pPr>
@@ -407,9 +419,9 @@
         <a:spcPct val="117999"/>
       </a:lnSpc>
       <a:defRPr sz="2200">
-        <a:latin typeface="Helvetica Neue"/>
-        <a:ea typeface="Helvetica Neue"/>
-        <a:cs typeface="Helvetica Neue"/>
+        <a:latin typeface="+mn-lt"/>
+        <a:ea typeface="+mn-ea"/>
+        <a:cs typeface="+mn-cs"/>
         <a:sym typeface="Helvetica Neue"/>
       </a:defRPr>
     </a:lvl2pPr>
@@ -418,9 +430,9 @@
         <a:spcPct val="117999"/>
       </a:lnSpc>
       <a:defRPr sz="2200">
-        <a:latin typeface="Helvetica Neue"/>
-        <a:ea typeface="Helvetica Neue"/>
-        <a:cs typeface="Helvetica Neue"/>
+        <a:latin typeface="+mn-lt"/>
+        <a:ea typeface="+mn-ea"/>
+        <a:cs typeface="+mn-cs"/>
         <a:sym typeface="Helvetica Neue"/>
       </a:defRPr>
     </a:lvl3pPr>
@@ -429,9 +441,9 @@
         <a:spcPct val="117999"/>
       </a:lnSpc>
       <a:defRPr sz="2200">
-        <a:latin typeface="Helvetica Neue"/>
-        <a:ea typeface="Helvetica Neue"/>
-        <a:cs typeface="Helvetica Neue"/>
+        <a:latin typeface="+mn-lt"/>
+        <a:ea typeface="+mn-ea"/>
+        <a:cs typeface="+mn-cs"/>
         <a:sym typeface="Helvetica Neue"/>
       </a:defRPr>
     </a:lvl4pPr>
@@ -440,9 +452,9 @@
         <a:spcPct val="117999"/>
       </a:lnSpc>
       <a:defRPr sz="2200">
-        <a:latin typeface="Helvetica Neue"/>
-        <a:ea typeface="Helvetica Neue"/>
-        <a:cs typeface="Helvetica Neue"/>
+        <a:latin typeface="+mn-lt"/>
+        <a:ea typeface="+mn-ea"/>
+        <a:cs typeface="+mn-cs"/>
         <a:sym typeface="Helvetica Neue"/>
       </a:defRPr>
     </a:lvl5pPr>
@@ -451,9 +463,9 @@
         <a:spcPct val="117999"/>
       </a:lnSpc>
       <a:defRPr sz="2200">
-        <a:latin typeface="Helvetica Neue"/>
-        <a:ea typeface="Helvetica Neue"/>
-        <a:cs typeface="Helvetica Neue"/>
+        <a:latin typeface="+mn-lt"/>
+        <a:ea typeface="+mn-ea"/>
+        <a:cs typeface="+mn-cs"/>
         <a:sym typeface="Helvetica Neue"/>
       </a:defRPr>
     </a:lvl6pPr>
@@ -462,9 +474,9 @@
         <a:spcPct val="117999"/>
       </a:lnSpc>
       <a:defRPr sz="2200">
-        <a:latin typeface="Helvetica Neue"/>
-        <a:ea typeface="Helvetica Neue"/>
-        <a:cs typeface="Helvetica Neue"/>
+        <a:latin typeface="+mn-lt"/>
+        <a:ea typeface="+mn-ea"/>
+        <a:cs typeface="+mn-cs"/>
         <a:sym typeface="Helvetica Neue"/>
       </a:defRPr>
     </a:lvl7pPr>
@@ -473,9 +485,9 @@
         <a:spcPct val="117999"/>
       </a:lnSpc>
       <a:defRPr sz="2200">
-        <a:latin typeface="Helvetica Neue"/>
-        <a:ea typeface="Helvetica Neue"/>
-        <a:cs typeface="Helvetica Neue"/>
+        <a:latin typeface="+mn-lt"/>
+        <a:ea typeface="+mn-ea"/>
+        <a:cs typeface="+mn-cs"/>
         <a:sym typeface="Helvetica Neue"/>
       </a:defRPr>
     </a:lvl8pPr>
@@ -484,9 +496,9 @@
         <a:spcPct val="117999"/>
       </a:lnSpc>
       <a:defRPr sz="2200">
-        <a:latin typeface="Helvetica Neue"/>
-        <a:ea typeface="Helvetica Neue"/>
-        <a:cs typeface="Helvetica Neue"/>
+        <a:latin typeface="+mn-lt"/>
+        <a:ea typeface="+mn-ea"/>
+        <a:cs typeface="+mn-cs"/>
         <a:sym typeface="Helvetica Neue"/>
       </a:defRPr>
     </a:lvl9pPr>
@@ -495,15 +507,8 @@
 </file>
 
 <file path=ppt/slideLayouts/slideLayout1.xml><?xml version="1.0" encoding="utf-8"?>
-<p:sldLayout xmlns:a="http://schemas.openxmlformats.org/drawingml/2006/main" xmlns:r="http://schemas.openxmlformats.org/officeDocument/2006/relationships" xmlns:p="http://schemas.openxmlformats.org/presentationml/2006/main" xmlns:m="http://schemas.openxmlformats.org/officeDocument/2006/math" xmlns:a14="http://schemas.microsoft.com/office/drawing/2010/main" type="title" showMasterSp="0" showMasterPhAnim="1">
+<p:sldLayout xmlns:a="http://schemas.openxmlformats.org/drawingml/2006/main" xmlns:r="http://schemas.openxmlformats.org/officeDocument/2006/relationships" xmlns:p="http://schemas.openxmlformats.org/presentationml/2006/main" xmlns:m="http://schemas.openxmlformats.org/officeDocument/2006/math" xmlns:a14="http://schemas.microsoft.com/office/drawing/2010/main" type="title" showMasterSp="1" showMasterPhAnim="1">
   <p:cSld name="Titre et sous-titre">
-    <p:bg>
-      <p:bgPr>
-        <a:solidFill>
-          <a:srgbClr val="222222"/>
-        </a:solidFill>
-      </p:bgPr>
-    </p:bg>
     <p:spTree>
       <p:nvGrpSpPr>
         <p:cNvPr id="1" name=""/>
@@ -520,73 +525,20 @@
       </p:grpSpPr>
       <p:sp>
         <p:nvSpPr>
-          <p:cNvPr id="12" name="Ligne"/>
-          <p:cNvSpPr/>
-          <p:nvPr/>
-        </p:nvSpPr>
-        <p:spPr>
-          <a:xfrm flipV="1">
-            <a:off x="762000" y="8635632"/>
-            <a:ext cx="22859999" cy="369"/>
-          </a:xfrm>
-          <a:prstGeom prst="line">
-            <a:avLst/>
-          </a:prstGeom>
-          <a:ln w="50800">
-            <a:solidFill>
-              <a:srgbClr val="A6AAA9"/>
-            </a:solidFill>
-            <a:miter lim="400000"/>
-          </a:ln>
-        </p:spPr>
-        <p:txBody>
-          <a:bodyPr lIns="50800" tIns="50800" rIns="50800" bIns="50800" anchor="ctr"/>
-          <a:lstStyle/>
-          <a:p>
-            <a:pPr defTabSz="457200">
-              <a:spcBef>
-                <a:spcPts val="0"/>
-              </a:spcBef>
-              <a:defRPr sz="1200">
-                <a:solidFill>
-                  <a:srgbClr val="000000"/>
-                </a:solidFill>
-                <a:latin typeface="Helvetica"/>
-                <a:ea typeface="Helvetica"/>
-                <a:cs typeface="Helvetica"/>
-                <a:sym typeface="Helvetica"/>
-              </a:defRPr>
-            </a:pPr>
-          </a:p>
-        </p:txBody>
-      </p:sp>
-      <p:sp>
-        <p:nvSpPr>
-          <p:cNvPr id="13" name="Texte du titre"/>
+          <p:cNvPr id="12" name="Texte du titre"/>
           <p:cNvSpPr txBox="1"/>
           <p:nvPr>
             <p:ph type="title"/>
           </p:nvPr>
         </p:nvSpPr>
         <p:spPr>
-          <a:xfrm>
-            <a:off x="762000" y="9042400"/>
-            <a:ext cx="22860000" cy="3810000"/>
-          </a:xfrm>
           <a:prstGeom prst="rect">
             <a:avLst/>
           </a:prstGeom>
         </p:spPr>
         <p:txBody>
           <a:bodyPr/>
-          <a:lstStyle>
-            <a:lvl1pPr>
-              <a:spcBef>
-                <a:spcPts val="0"/>
-              </a:spcBef>
-              <a:defRPr sz="30300"/>
-            </a:lvl1pPr>
-          </a:lstStyle>
+          <a:lstStyle/>
           <a:p>
             <a:pPr/>
             <a:r>
@@ -597,130 +549,20 @@
       </p:sp>
       <p:sp>
         <p:nvSpPr>
-          <p:cNvPr id="14" name="Texte niveau 1…"/>
+          <p:cNvPr id="13" name="Texte niveau 1…"/>
           <p:cNvSpPr txBox="1"/>
           <p:nvPr>
             <p:ph type="body" sz="quarter" idx="1"/>
           </p:nvPr>
         </p:nvSpPr>
         <p:spPr>
-          <a:xfrm>
-            <a:off x="762000" y="5994400"/>
-            <a:ext cx="22860000" cy="2540000"/>
-          </a:xfrm>
-          <a:prstGeom prst="rect">
-            <a:avLst/>
-          </a:prstGeom>
-        </p:spPr>
-        <p:txBody>
-          <a:bodyPr anchor="b"/>
-          <a:lstStyle>
-            <a:lvl1pPr marL="0" indent="0">
-              <a:lnSpc>
-                <a:spcPct val="80000"/>
-              </a:lnSpc>
-              <a:spcBef>
-                <a:spcPts val="3200"/>
-              </a:spcBef>
-              <a:buClrTx/>
-              <a:buSzTx/>
-              <a:buFontTx/>
-              <a:buNone/>
-              <a:defRPr cap="all" sz="7700">
-                <a:solidFill>
-                  <a:srgbClr val="A6AAA9"/>
-                </a:solidFill>
-                <a:latin typeface="DIN Alternate Bold"/>
-                <a:ea typeface="DIN Alternate Bold"/>
-                <a:cs typeface="DIN Alternate Bold"/>
-                <a:sym typeface="DIN Alternate Bold"/>
-              </a:defRPr>
-            </a:lvl1pPr>
-            <a:lvl2pPr marL="0" indent="0">
-              <a:lnSpc>
-                <a:spcPct val="80000"/>
-              </a:lnSpc>
-              <a:spcBef>
-                <a:spcPts val="3200"/>
-              </a:spcBef>
-              <a:buClrTx/>
-              <a:buSzTx/>
-              <a:buFontTx/>
-              <a:buNone/>
-              <a:defRPr cap="all" sz="7700">
-                <a:solidFill>
-                  <a:srgbClr val="A6AAA9"/>
-                </a:solidFill>
-                <a:latin typeface="DIN Alternate Bold"/>
-                <a:ea typeface="DIN Alternate Bold"/>
-                <a:cs typeface="DIN Alternate Bold"/>
-                <a:sym typeface="DIN Alternate Bold"/>
-              </a:defRPr>
-            </a:lvl2pPr>
-            <a:lvl3pPr marL="0" indent="0">
-              <a:lnSpc>
-                <a:spcPct val="80000"/>
-              </a:lnSpc>
-              <a:spcBef>
-                <a:spcPts val="3200"/>
-              </a:spcBef>
-              <a:buClrTx/>
-              <a:buSzTx/>
-              <a:buFontTx/>
-              <a:buNone/>
-              <a:defRPr cap="all" sz="7700">
-                <a:solidFill>
-                  <a:srgbClr val="A6AAA9"/>
-                </a:solidFill>
-                <a:latin typeface="DIN Alternate Bold"/>
-                <a:ea typeface="DIN Alternate Bold"/>
-                <a:cs typeface="DIN Alternate Bold"/>
-                <a:sym typeface="DIN Alternate Bold"/>
-              </a:defRPr>
-            </a:lvl3pPr>
-            <a:lvl4pPr marL="0" indent="0">
-              <a:lnSpc>
-                <a:spcPct val="80000"/>
-              </a:lnSpc>
-              <a:spcBef>
-                <a:spcPts val="3200"/>
-              </a:spcBef>
-              <a:buClrTx/>
-              <a:buSzTx/>
-              <a:buFontTx/>
-              <a:buNone/>
-              <a:defRPr cap="all" sz="7700">
-                <a:solidFill>
-                  <a:srgbClr val="A6AAA9"/>
-                </a:solidFill>
-                <a:latin typeface="DIN Alternate Bold"/>
-                <a:ea typeface="DIN Alternate Bold"/>
-                <a:cs typeface="DIN Alternate Bold"/>
-                <a:sym typeface="DIN Alternate Bold"/>
-              </a:defRPr>
-            </a:lvl4pPr>
-            <a:lvl5pPr marL="0" indent="0">
-              <a:lnSpc>
-                <a:spcPct val="80000"/>
-              </a:lnSpc>
-              <a:spcBef>
-                <a:spcPts val="3200"/>
-              </a:spcBef>
-              <a:buClrTx/>
-              <a:buSzTx/>
-              <a:buFontTx/>
-              <a:buNone/>
-              <a:defRPr cap="all" sz="7700">
-                <a:solidFill>
-                  <a:srgbClr val="A6AAA9"/>
-                </a:solidFill>
-                <a:latin typeface="DIN Alternate Bold"/>
-                <a:ea typeface="DIN Alternate Bold"/>
-                <a:cs typeface="DIN Alternate Bold"/>
-                <a:sym typeface="DIN Alternate Bold"/>
-              </a:defRPr>
-            </a:lvl5pPr>
-          </a:lstStyle>
+          <a:prstGeom prst="rect">
+            <a:avLst/>
+          </a:prstGeom>
+        </p:spPr>
+        <p:txBody>
+          <a:bodyPr/>
+          <a:lstStyle/>
           <a:p>
             <a:pPr/>
             <a:r>
@@ -755,17 +597,13 @@
       </p:sp>
       <p:sp>
         <p:nvSpPr>
-          <p:cNvPr id="15" name="Numéro de diapositive"/>
+          <p:cNvPr id="14" name="Numéro de diapositive"/>
           <p:cNvSpPr txBox="1"/>
           <p:nvPr>
             <p:ph type="sldNum" sz="quarter" idx="2"/>
           </p:nvPr>
         </p:nvSpPr>
         <p:spPr>
-          <a:xfrm>
-            <a:off x="23063200" y="609600"/>
-            <a:ext cx="553195" cy="635000"/>
-          </a:xfrm>
           <a:prstGeom prst="rect">
             <a:avLst/>
           </a:prstGeom>
@@ -789,15 +627,8 @@
 </file>
 
 <file path=ppt/slideLayouts/slideLayout10.xml><?xml version="1.0" encoding="utf-8"?>
-<p:sldLayout xmlns:a="http://schemas.openxmlformats.org/drawingml/2006/main" xmlns:r="http://schemas.openxmlformats.org/officeDocument/2006/relationships" xmlns:p="http://schemas.openxmlformats.org/presentationml/2006/main" xmlns:m="http://schemas.openxmlformats.org/officeDocument/2006/math" xmlns:a14="http://schemas.microsoft.com/office/drawing/2010/main" type="tx" showMasterSp="1" showMasterPhAnim="1">
+<p:sldLayout xmlns:a="http://schemas.openxmlformats.org/drawingml/2006/main" xmlns:r="http://schemas.openxmlformats.org/officeDocument/2006/relationships" xmlns:p="http://schemas.openxmlformats.org/presentationml/2006/main" xmlns:m="http://schemas.openxmlformats.org/officeDocument/2006/math" xmlns:a14="http://schemas.microsoft.com/office/drawing/2010/main" type="tx" showMasterSp="0" showMasterPhAnim="1">
   <p:cSld name="Puces">
-    <p:bg>
-      <p:bgPr>
-        <a:solidFill>
-          <a:srgbClr val="222222"/>
-        </a:solidFill>
-      </p:bgPr>
-    </p:bg>
     <p:spTree>
       <p:nvGrpSpPr>
         <p:cNvPr id="1" name=""/>
@@ -814,10 +645,45 @@
       </p:grpSpPr>
       <p:sp>
         <p:nvSpPr>
-          <p:cNvPr id="102" name="Texte"/>
+          <p:cNvPr id="103" name="Ligne"/>
+          <p:cNvSpPr/>
+          <p:nvPr/>
+        </p:nvSpPr>
+        <p:spPr>
+          <a:xfrm flipV="1">
+            <a:off x="761999" y="1396631"/>
+            <a:ext cx="22860000" cy="370"/>
+          </a:xfrm>
+          <a:prstGeom prst="line">
+            <a:avLst/>
+          </a:prstGeom>
+          <a:ln w="25400">
+            <a:solidFill>
+              <a:srgbClr val="A6AAA9"/>
+            </a:solidFill>
+            <a:miter lim="400000"/>
+          </a:ln>
+        </p:spPr>
+        <p:txBody>
+          <a:bodyPr lIns="45718" tIns="45718" rIns="45718" bIns="45718"/>
+          <a:lstStyle/>
+          <a:p>
+            <a:pPr>
+              <a:defRPr>
+                <a:solidFill>
+                  <a:srgbClr val="838787"/>
+                </a:solidFill>
+              </a:defRPr>
+            </a:pPr>
+          </a:p>
+        </p:txBody>
+      </p:sp>
+      <p:sp>
+        <p:nvSpPr>
+          <p:cNvPr id="104" name="Texte niveau 1…"/>
           <p:cNvSpPr txBox="1"/>
           <p:nvPr>
-            <p:ph type="body" sz="quarter" idx="21"/>
+            <p:ph type="body" sz="quarter" idx="1"/>
           </p:nvPr>
         </p:nvSpPr>
         <p:spPr>
@@ -830,130 +696,159 @@
           </a:prstGeom>
         </p:spPr>
         <p:txBody>
-          <a:bodyPr anchor="b">
-            <a:spAutoFit/>
-          </a:bodyPr>
+          <a:bodyPr/>
           <a:lstStyle>
-            <a:lvl1pPr marL="0" indent="0" defTabSz="647700">
-              <a:lnSpc>
-                <a:spcPct val="80000"/>
-              </a:lnSpc>
+            <a:lvl1pPr defTabSz="647700">
               <a:spcBef>
                 <a:spcPts val="0"/>
               </a:spcBef>
-              <a:buClrTx/>
-              <a:buSzTx/>
-              <a:buFontTx/>
-              <a:buNone/>
-              <a:defRPr cap="all" spc="180" sz="3600">
-                <a:latin typeface="DIN Alternate Bold"/>
-                <a:ea typeface="DIN Alternate Bold"/>
-                <a:cs typeface="DIN Alternate Bold"/>
-                <a:sym typeface="DIN Alternate Bold"/>
+              <a:defRPr spc="180" sz="3600">
+                <a:solidFill>
+                  <a:srgbClr val="838787"/>
+                </a:solidFill>
               </a:defRPr>
             </a:lvl1pPr>
+            <a:lvl2pPr marL="1111250" indent="-476250" defTabSz="647700">
+              <a:spcBef>
+                <a:spcPts val="0"/>
+              </a:spcBef>
+              <a:buSzPct val="104999"/>
+              <a:buChar char="‣"/>
+              <a:defRPr spc="180" sz="3600">
+                <a:solidFill>
+                  <a:srgbClr val="838787"/>
+                </a:solidFill>
+              </a:defRPr>
+            </a:lvl2pPr>
+            <a:lvl3pPr marL="1746250" indent="-476250" defTabSz="647700">
+              <a:spcBef>
+                <a:spcPts val="0"/>
+              </a:spcBef>
+              <a:buSzPct val="104999"/>
+              <a:buChar char="‣"/>
+              <a:defRPr spc="180" sz="3600">
+                <a:solidFill>
+                  <a:srgbClr val="838787"/>
+                </a:solidFill>
+              </a:defRPr>
+            </a:lvl3pPr>
+            <a:lvl4pPr marL="2381250" indent="-476250" defTabSz="647700">
+              <a:spcBef>
+                <a:spcPts val="0"/>
+              </a:spcBef>
+              <a:buSzPct val="104999"/>
+              <a:buChar char="‣"/>
+              <a:defRPr spc="180" sz="3600">
+                <a:solidFill>
+                  <a:srgbClr val="838787"/>
+                </a:solidFill>
+              </a:defRPr>
+            </a:lvl4pPr>
+            <a:lvl5pPr marL="3016250" indent="-476250" defTabSz="647700">
+              <a:spcBef>
+                <a:spcPts val="0"/>
+              </a:spcBef>
+              <a:buSzPct val="104999"/>
+              <a:buChar char="‣"/>
+              <a:defRPr spc="180" sz="3600">
+                <a:solidFill>
+                  <a:srgbClr val="838787"/>
+                </a:solidFill>
+              </a:defRPr>
+            </a:lvl5pPr>
           </a:lstStyle>
           <a:p>
             <a:pPr/>
             <a:r>
-              <a:t>Texte</a:t>
-            </a:r>
-          </a:p>
-        </p:txBody>
-      </p:sp>
-      <p:sp>
-        <p:nvSpPr>
-          <p:cNvPr id="103" name="Texte niveau 1…"/>
+              <a:t>Texte niveau 1</a:t>
+            </a:r>
+          </a:p>
+          <a:p>
+            <a:pPr lvl="1"/>
+            <a:r>
+              <a:t>Texte niveau 2</a:t>
+            </a:r>
+          </a:p>
+          <a:p>
+            <a:pPr lvl="2"/>
+            <a:r>
+              <a:t>Texte niveau 3</a:t>
+            </a:r>
+          </a:p>
+          <a:p>
+            <a:pPr lvl="3"/>
+            <a:r>
+              <a:t>Texte niveau 4</a:t>
+            </a:r>
+          </a:p>
+          <a:p>
+            <a:pPr lvl="4"/>
+            <a:r>
+              <a:t>Texte niveau 5</a:t>
+            </a:r>
+          </a:p>
+        </p:txBody>
+      </p:sp>
+      <p:sp>
+        <p:nvSpPr>
+          <p:cNvPr id="105" name="Texte niveau 1…"/>
           <p:cNvSpPr txBox="1"/>
           <p:nvPr>
-            <p:ph type="body" idx="1"/>
+            <p:ph type="body" idx="21"/>
           </p:nvPr>
         </p:nvSpPr>
         <p:spPr>
-          <a:prstGeom prst="rect">
-            <a:avLst/>
-          </a:prstGeom>
-        </p:spPr>
-        <p:txBody>
-          <a:bodyPr/>
-          <a:lstStyle>
-            <a:lvl1pPr>
+          <a:xfrm>
+            <a:off x="762000" y="3860800"/>
+            <a:ext cx="22860000" cy="8585200"/>
+          </a:xfrm>
+          <a:prstGeom prst="rect">
+            <a:avLst/>
+          </a:prstGeom>
+        </p:spPr>
+        <p:txBody>
+          <a:bodyPr anchor="t"/>
+          <a:lstStyle/>
+          <a:p>
+            <a:pPr marL="635000" indent="-635000">
+              <a:lnSpc>
+                <a:spcPct val="100000"/>
+              </a:lnSpc>
+              <a:spcBef>
+                <a:spcPts val="3900"/>
+              </a:spcBef>
               <a:buClr>
                 <a:schemeClr val="accent1"/>
               </a:buClr>
               <a:buSzPct val="125000"/>
+              <a:buFont typeface="Avenir Next Regular"/>
               <a:buChar char="▸"/>
-            </a:lvl1pPr>
-            <a:lvl2pPr>
-              <a:buClr>
-                <a:schemeClr val="accent1"/>
-              </a:buClr>
-              <a:buSzPct val="125000"/>
-              <a:buChar char="▸"/>
-            </a:lvl2pPr>
-            <a:lvl3pPr>
-              <a:buClr>
-                <a:schemeClr val="accent1"/>
-              </a:buClr>
-              <a:buSzPct val="125000"/>
-              <a:buChar char="▸"/>
-            </a:lvl3pPr>
-            <a:lvl4pPr>
-              <a:buClr>
-                <a:schemeClr val="accent1"/>
-              </a:buClr>
-              <a:buSzPct val="125000"/>
-              <a:buChar char="▸"/>
-            </a:lvl4pPr>
-            <a:lvl5pPr>
-              <a:buClr>
-                <a:schemeClr val="accent1"/>
-              </a:buClr>
-              <a:buSzPct val="125000"/>
-              <a:buChar char="▸"/>
-            </a:lvl5pPr>
-          </a:lstStyle>
-          <a:p>
-            <a:pPr/>
-            <a:r>
-              <a:t>Texte niveau 1</a:t>
-            </a:r>
-          </a:p>
-          <a:p>
-            <a:pPr lvl="1"/>
-            <a:r>
-              <a:t>Texte niveau 2</a:t>
-            </a:r>
-          </a:p>
-          <a:p>
-            <a:pPr lvl="2"/>
-            <a:r>
-              <a:t>Texte niveau 3</a:t>
-            </a:r>
-          </a:p>
-          <a:p>
-            <a:pPr lvl="3"/>
-            <a:r>
-              <a:t>Texte niveau 4</a:t>
-            </a:r>
-          </a:p>
-          <a:p>
-            <a:pPr lvl="4"/>
-            <a:r>
-              <a:t>Texte niveau 5</a:t>
-            </a:r>
-          </a:p>
-        </p:txBody>
-      </p:sp>
-      <p:sp>
-        <p:nvSpPr>
-          <p:cNvPr id="104" name="Numéro de diapositive"/>
+              <a:defRPr cap="none" sz="4800">
+                <a:solidFill>
+                  <a:srgbClr val="838787"/>
+                </a:solidFill>
+                <a:latin typeface="Avenir Next Medium"/>
+                <a:ea typeface="Avenir Next Medium"/>
+                <a:cs typeface="Avenir Next Medium"/>
+                <a:sym typeface="Avenir Next Medium"/>
+              </a:defRPr>
+            </a:pPr>
+          </a:p>
+        </p:txBody>
+      </p:sp>
+      <p:sp>
+        <p:nvSpPr>
+          <p:cNvPr id="106" name="Numéro de diapositive"/>
           <p:cNvSpPr txBox="1"/>
           <p:nvPr>
             <p:ph type="sldNum" sz="quarter" idx="2"/>
           </p:nvPr>
         </p:nvSpPr>
         <p:spPr>
+          <a:xfrm>
+            <a:off x="23059652" y="609600"/>
+            <a:ext cx="553196" cy="635000"/>
+          </a:xfrm>
           <a:prstGeom prst="rect">
             <a:avLst/>
           </a:prstGeom>
@@ -979,13 +874,6 @@
 <file path=ppt/slideLayouts/slideLayout11.xml><?xml version="1.0" encoding="utf-8"?>
 <p:sldLayout xmlns:a="http://schemas.openxmlformats.org/drawingml/2006/main" xmlns:r="http://schemas.openxmlformats.org/officeDocument/2006/relationships" xmlns:p="http://schemas.openxmlformats.org/presentationml/2006/main" xmlns:m="http://schemas.openxmlformats.org/officeDocument/2006/math" xmlns:a14="http://schemas.microsoft.com/office/drawing/2010/main" type="tx" showMasterSp="0" showMasterPhAnim="1">
   <p:cSld name="3 photos">
-    <p:bg>
-      <p:bgPr>
-        <a:solidFill>
-          <a:srgbClr val="222222"/>
-        </a:solidFill>
-      </p:bgPr>
-    </p:bg>
     <p:spTree>
       <p:nvGrpSpPr>
         <p:cNvPr id="1" name=""/>
@@ -1002,7 +890,7 @@
       </p:grpSpPr>
       <p:sp>
         <p:nvSpPr>
-          <p:cNvPr id="111" name="Photo en noir et blanc d’un panneau solaire"/>
+          <p:cNvPr id="113" name="Photo en noir et blanc d’un panneau solaire"/>
           <p:cNvSpPr/>
           <p:nvPr>
             <p:ph type="pic" sz="half" idx="21"/>
@@ -1018,7 +906,7 @@
           </a:prstGeom>
         </p:spPr>
         <p:txBody>
-          <a:bodyPr lIns="91439" tIns="45719" rIns="91439" bIns="45719">
+          <a:bodyPr lIns="91439" tIns="45719" rIns="91439" bIns="45719" anchor="t">
             <a:noAutofit/>
           </a:bodyPr>
           <a:lstStyle/>
@@ -1029,7 +917,7 @@
       </p:sp>
       <p:sp>
         <p:nvSpPr>
-          <p:cNvPr id="112" name="Photo en noir et blanc d’eau qui coule entre les vannes de déversoir d’un barrage"/>
+          <p:cNvPr id="114" name="Photo en noir et blanc d’eau qui coule entre les vannes de déversoir d’un barrage"/>
           <p:cNvSpPr/>
           <p:nvPr>
             <p:ph type="pic" sz="half" idx="22"/>
@@ -1045,7 +933,7 @@
           </a:prstGeom>
         </p:spPr>
         <p:txBody>
-          <a:bodyPr lIns="91439" tIns="45719" rIns="91439" bIns="45719">
+          <a:bodyPr lIns="91439" tIns="45719" rIns="91439" bIns="45719" anchor="t">
             <a:noAutofit/>
           </a:bodyPr>
           <a:lstStyle/>
@@ -1056,7 +944,7 @@
       </p:sp>
       <p:sp>
         <p:nvSpPr>
-          <p:cNvPr id="113" name="Photo en noir et blanc de moulins sous un ciel nuageux"/>
+          <p:cNvPr id="115" name="Photo en noir et blanc de moulins sous un ciel nuageux"/>
           <p:cNvSpPr/>
           <p:nvPr>
             <p:ph type="pic" idx="23"/>
@@ -1072,7 +960,7 @@
           </a:prstGeom>
         </p:spPr>
         <p:txBody>
-          <a:bodyPr lIns="91439" tIns="45719" rIns="91439" bIns="45719">
+          <a:bodyPr lIns="91439" tIns="45719" rIns="91439" bIns="45719" anchor="t">
             <a:noAutofit/>
           </a:bodyPr>
           <a:lstStyle/>
@@ -1083,13 +971,17 @@
       </p:sp>
       <p:sp>
         <p:nvSpPr>
-          <p:cNvPr id="114" name="Numéro de diapositive"/>
+          <p:cNvPr id="116" name="Numéro de diapositive"/>
           <p:cNvSpPr txBox="1"/>
           <p:nvPr>
             <p:ph type="sldNum" sz="quarter" idx="2"/>
           </p:nvPr>
         </p:nvSpPr>
         <p:spPr>
+          <a:xfrm>
+            <a:off x="23059652" y="609600"/>
+            <a:ext cx="553196" cy="635000"/>
+          </a:xfrm>
           <a:prstGeom prst="rect">
             <a:avLst/>
           </a:prstGeom>
@@ -1113,15 +1005,8 @@
 </file>
 
 <file path=ppt/slideLayouts/slideLayout12.xml><?xml version="1.0" encoding="utf-8"?>
-<p:sldLayout xmlns:a="http://schemas.openxmlformats.org/drawingml/2006/main" xmlns:r="http://schemas.openxmlformats.org/officeDocument/2006/relationships" xmlns:p="http://schemas.openxmlformats.org/presentationml/2006/main" xmlns:m="http://schemas.openxmlformats.org/officeDocument/2006/math" xmlns:a14="http://schemas.microsoft.com/office/drawing/2010/main" type="tx" showMasterSp="1" showMasterPhAnim="1">
+<p:sldLayout xmlns:a="http://schemas.openxmlformats.org/drawingml/2006/main" xmlns:r="http://schemas.openxmlformats.org/officeDocument/2006/relationships" xmlns:p="http://schemas.openxmlformats.org/presentationml/2006/main" xmlns:m="http://schemas.openxmlformats.org/officeDocument/2006/math" xmlns:a14="http://schemas.microsoft.com/office/drawing/2010/main" type="tx" showMasterSp="0" showMasterPhAnim="1">
   <p:cSld name="Citation">
-    <p:bg>
-      <p:bgPr>
-        <a:solidFill>
-          <a:srgbClr val="222222"/>
-        </a:solidFill>
-      </p:bgPr>
-    </p:bg>
     <p:spTree>
       <p:nvGrpSpPr>
         <p:cNvPr id="1" name=""/>
@@ -1138,14 +1023,49 @@
       </p:grpSpPr>
       <p:sp>
         <p:nvSpPr>
-          <p:cNvPr id="121" name="Légende"/>
+          <p:cNvPr id="123" name="Ligne"/>
           <p:cNvSpPr/>
           <p:nvPr/>
         </p:nvSpPr>
         <p:spPr>
+          <a:xfrm flipV="1">
+            <a:off x="761999" y="1396631"/>
+            <a:ext cx="22860000" cy="370"/>
+          </a:xfrm>
+          <a:prstGeom prst="line">
+            <a:avLst/>
+          </a:prstGeom>
+          <a:ln w="25400">
+            <a:solidFill>
+              <a:srgbClr val="A6AAA9"/>
+            </a:solidFill>
+            <a:miter lim="400000"/>
+          </a:ln>
+        </p:spPr>
+        <p:txBody>
+          <a:bodyPr lIns="45718" tIns="45718" rIns="45718" bIns="45718"/>
+          <a:lstStyle/>
+          <a:p>
+            <a:pPr>
+              <a:defRPr>
+                <a:solidFill>
+                  <a:srgbClr val="838787"/>
+                </a:solidFill>
+              </a:defRPr>
+            </a:pPr>
+          </a:p>
+        </p:txBody>
+      </p:sp>
+      <p:sp>
+        <p:nvSpPr>
+          <p:cNvPr id="124" name="Légende"/>
+          <p:cNvSpPr/>
+          <p:nvPr/>
+        </p:nvSpPr>
+        <p:spPr>
           <a:xfrm>
             <a:off x="876300" y="3314700"/>
-            <a:ext cx="22631400" cy="7317185"/>
+            <a:ext cx="22631400" cy="7317186"/>
           </a:xfrm>
           <a:custGeom>
             <a:avLst/>
@@ -1238,18 +1158,145 @@
                 <a:solidFill>
                   <a:srgbClr val="FFFFFF"/>
                 </a:solidFill>
-                <a:latin typeface="+mn-lt"/>
-                <a:ea typeface="+mn-ea"/>
-                <a:cs typeface="+mn-cs"/>
+              </a:defRPr>
+            </a:pPr>
+          </a:p>
+        </p:txBody>
+      </p:sp>
+      <p:sp>
+        <p:nvSpPr>
+          <p:cNvPr id="125" name="Texte niveau 1…"/>
+          <p:cNvSpPr txBox="1"/>
+          <p:nvPr>
+            <p:ph type="body" sz="quarter" idx="1"/>
+          </p:nvPr>
+        </p:nvSpPr>
+        <p:spPr>
+          <a:xfrm>
+            <a:off x="1676400" y="4089400"/>
+            <a:ext cx="21056600" cy="1805946"/>
+          </a:xfrm>
+          <a:prstGeom prst="rect">
+            <a:avLst/>
+          </a:prstGeom>
+        </p:spPr>
+        <p:txBody>
+          <a:bodyPr anchor="t"/>
+          <a:lstStyle>
+            <a:lvl1pPr>
+              <a:spcBef>
+                <a:spcPts val="0"/>
+              </a:spcBef>
+              <a:defRPr sz="13400">
+                <a:solidFill>
+                  <a:srgbClr val="FFFFFF"/>
+                </a:solidFill>
+                <a:latin typeface="DIN Condensed Bold"/>
+                <a:ea typeface="DIN Condensed Bold"/>
+                <a:cs typeface="DIN Condensed Bold"/>
                 <a:sym typeface="DIN Condensed Bold"/>
               </a:defRPr>
-            </a:pPr>
-          </a:p>
-        </p:txBody>
-      </p:sp>
-      <p:sp>
-        <p:nvSpPr>
-          <p:cNvPr id="122" name="Saisissez une citation ici."/>
+            </a:lvl1pPr>
+            <a:lvl2pPr marL="2407708" indent="-1772708">
+              <a:spcBef>
+                <a:spcPts val="0"/>
+              </a:spcBef>
+              <a:buSzPct val="104999"/>
+              <a:buChar char="‣"/>
+              <a:defRPr sz="13400">
+                <a:solidFill>
+                  <a:srgbClr val="FFFFFF"/>
+                </a:solidFill>
+                <a:latin typeface="DIN Condensed Bold"/>
+                <a:ea typeface="DIN Condensed Bold"/>
+                <a:cs typeface="DIN Condensed Bold"/>
+                <a:sym typeface="DIN Condensed Bold"/>
+              </a:defRPr>
+            </a:lvl2pPr>
+            <a:lvl3pPr marL="3042708" indent="-1772708">
+              <a:spcBef>
+                <a:spcPts val="0"/>
+              </a:spcBef>
+              <a:buSzPct val="104999"/>
+              <a:buChar char="‣"/>
+              <a:defRPr sz="13400">
+                <a:solidFill>
+                  <a:srgbClr val="FFFFFF"/>
+                </a:solidFill>
+                <a:latin typeface="DIN Condensed Bold"/>
+                <a:ea typeface="DIN Condensed Bold"/>
+                <a:cs typeface="DIN Condensed Bold"/>
+                <a:sym typeface="DIN Condensed Bold"/>
+              </a:defRPr>
+            </a:lvl3pPr>
+            <a:lvl4pPr marL="3677708" indent="-1772708">
+              <a:spcBef>
+                <a:spcPts val="0"/>
+              </a:spcBef>
+              <a:buSzPct val="104999"/>
+              <a:buChar char="‣"/>
+              <a:defRPr sz="13400">
+                <a:solidFill>
+                  <a:srgbClr val="FFFFFF"/>
+                </a:solidFill>
+                <a:latin typeface="DIN Condensed Bold"/>
+                <a:ea typeface="DIN Condensed Bold"/>
+                <a:cs typeface="DIN Condensed Bold"/>
+                <a:sym typeface="DIN Condensed Bold"/>
+              </a:defRPr>
+            </a:lvl4pPr>
+            <a:lvl5pPr marL="4312708" indent="-1772708">
+              <a:spcBef>
+                <a:spcPts val="0"/>
+              </a:spcBef>
+              <a:buSzPct val="104999"/>
+              <a:buChar char="‣"/>
+              <a:defRPr sz="13400">
+                <a:solidFill>
+                  <a:srgbClr val="FFFFFF"/>
+                </a:solidFill>
+                <a:latin typeface="DIN Condensed Bold"/>
+                <a:ea typeface="DIN Condensed Bold"/>
+                <a:cs typeface="DIN Condensed Bold"/>
+                <a:sym typeface="DIN Condensed Bold"/>
+              </a:defRPr>
+            </a:lvl5pPr>
+          </a:lstStyle>
+          <a:p>
+            <a:pPr/>
+            <a:r>
+              <a:t>Texte niveau 1</a:t>
+            </a:r>
+          </a:p>
+          <a:p>
+            <a:pPr lvl="1"/>
+            <a:r>
+              <a:t>Texte niveau 2</a:t>
+            </a:r>
+          </a:p>
+          <a:p>
+            <a:pPr lvl="2"/>
+            <a:r>
+              <a:t>Texte niveau 3</a:t>
+            </a:r>
+          </a:p>
+          <a:p>
+            <a:pPr lvl="3"/>
+            <a:r>
+              <a:t>Texte niveau 4</a:t>
+            </a:r>
+          </a:p>
+          <a:p>
+            <a:pPr lvl="4"/>
+            <a:r>
+              <a:t>Texte niveau 5</a:t>
+            </a:r>
+          </a:p>
+        </p:txBody>
+      </p:sp>
+      <p:sp>
+        <p:nvSpPr>
+          <p:cNvPr id="126" name="Gilles Allain"/>
           <p:cNvSpPr txBox="1"/>
           <p:nvPr>
             <p:ph type="body" sz="quarter" idx="21"/>
@@ -1257,51 +1304,37 @@
         </p:nvSpPr>
         <p:spPr>
           <a:xfrm>
-            <a:off x="1676400" y="4089400"/>
-            <a:ext cx="21056600" cy="1805946"/>
-          </a:xfrm>
-          <a:prstGeom prst="rect">
-            <a:avLst/>
-          </a:prstGeom>
-        </p:spPr>
-        <p:txBody>
-          <a:bodyPr>
-            <a:spAutoFit/>
-          </a:bodyPr>
-          <a:lstStyle>
-            <a:lvl1pPr marL="0" indent="0">
-              <a:lnSpc>
-                <a:spcPct val="80000"/>
-              </a:lnSpc>
+            <a:off x="762000" y="10953750"/>
+            <a:ext cx="22860000" cy="1206500"/>
+          </a:xfrm>
+          <a:prstGeom prst="rect">
+            <a:avLst/>
+          </a:prstGeom>
+        </p:spPr>
+        <p:txBody>
+          <a:bodyPr anchor="ctr"/>
+          <a:lstStyle/>
+          <a:p>
+            <a:pPr algn="r">
               <a:spcBef>
                 <a:spcPts val="0"/>
               </a:spcBef>
-              <a:buClrTx/>
-              <a:buSzTx/>
-              <a:buFontTx/>
-              <a:buNone/>
-              <a:defRPr cap="all" sz="13400">
+              <a:defRPr cap="none" sz="8700">
                 <a:solidFill>
-                  <a:srgbClr val="FFFFFF"/>
+                  <a:srgbClr val="838787"/>
                 </a:solidFill>
-                <a:latin typeface="+mn-lt"/>
-                <a:ea typeface="+mn-ea"/>
-                <a:cs typeface="+mn-cs"/>
+                <a:latin typeface="DIN Condensed Bold"/>
+                <a:ea typeface="DIN Condensed Bold"/>
+                <a:cs typeface="DIN Condensed Bold"/>
                 <a:sym typeface="DIN Condensed Bold"/>
               </a:defRPr>
-            </a:lvl1pPr>
-          </a:lstStyle>
-          <a:p>
-            <a:pPr/>
-            <a:r>
-              <a:t>Saisissez une citation ici.</a:t>
-            </a:r>
-          </a:p>
-        </p:txBody>
-      </p:sp>
-      <p:sp>
-        <p:nvSpPr>
-          <p:cNvPr id="123" name="Gilles Allain"/>
+            </a:pPr>
+          </a:p>
+        </p:txBody>
+      </p:sp>
+      <p:sp>
+        <p:nvSpPr>
+          <p:cNvPr id="127" name="Texte"/>
           <p:cNvSpPr txBox="1"/>
           <p:nvPr>
             <p:ph type="body" sz="quarter" idx="22"/>
@@ -1309,103 +1342,43 @@
         </p:nvSpPr>
         <p:spPr>
           <a:xfrm>
-            <a:off x="762000" y="10953750"/>
-            <a:ext cx="22860000" cy="1206500"/>
-          </a:xfrm>
-          <a:prstGeom prst="rect">
-            <a:avLst/>
-          </a:prstGeom>
-        </p:spPr>
-        <p:txBody>
-          <a:bodyPr anchor="ctr">
-            <a:spAutoFit/>
-          </a:bodyPr>
-          <a:lstStyle>
-            <a:lvl1pPr marL="0" indent="0" algn="r">
-              <a:lnSpc>
-                <a:spcPct val="80000"/>
-              </a:lnSpc>
+            <a:off x="762000" y="635000"/>
+            <a:ext cx="20955000" cy="635000"/>
+          </a:xfrm>
+          <a:prstGeom prst="rect">
+            <a:avLst/>
+          </a:prstGeom>
+        </p:spPr>
+        <p:txBody>
+          <a:bodyPr/>
+          <a:lstStyle/>
+          <a:p>
+            <a:pPr defTabSz="647700">
               <a:spcBef>
                 <a:spcPts val="0"/>
               </a:spcBef>
-              <a:buClrTx/>
-              <a:buSzTx/>
-              <a:buFontTx/>
-              <a:buNone/>
-              <a:defRPr sz="8700">
-                <a:latin typeface="+mn-lt"/>
-                <a:ea typeface="+mn-ea"/>
-                <a:cs typeface="+mn-cs"/>
-                <a:sym typeface="DIN Condensed Bold"/>
+              <a:defRPr spc="100" sz="3600">
+                <a:solidFill>
+                  <a:srgbClr val="838787"/>
+                </a:solidFill>
               </a:defRPr>
-            </a:lvl1pPr>
-          </a:lstStyle>
-          <a:p>
-            <a:pPr/>
-            <a:r>
-              <a:t>Gilles Allain</a:t>
-            </a:r>
-          </a:p>
-        </p:txBody>
-      </p:sp>
-      <p:sp>
-        <p:nvSpPr>
-          <p:cNvPr id="124" name="Texte"/>
-          <p:cNvSpPr txBox="1"/>
-          <p:nvPr>
-            <p:ph type="body" sz="quarter" idx="23"/>
-          </p:nvPr>
-        </p:nvSpPr>
-        <p:spPr>
-          <a:xfrm>
-            <a:off x="762000" y="635000"/>
-            <a:ext cx="20955000" cy="635000"/>
-          </a:xfrm>
-          <a:prstGeom prst="rect">
-            <a:avLst/>
-          </a:prstGeom>
-        </p:spPr>
-        <p:txBody>
-          <a:bodyPr anchor="b">
-            <a:spAutoFit/>
-          </a:bodyPr>
-          <a:lstStyle>
-            <a:lvl1pPr marL="0" indent="0" defTabSz="647700">
-              <a:lnSpc>
-                <a:spcPct val="80000"/>
-              </a:lnSpc>
-              <a:spcBef>
-                <a:spcPts val="0"/>
-              </a:spcBef>
-              <a:buClrTx/>
-              <a:buSzTx/>
-              <a:buFontTx/>
-              <a:buNone/>
-              <a:defRPr cap="all" spc="180" sz="3600">
-                <a:latin typeface="DIN Alternate Bold"/>
-                <a:ea typeface="DIN Alternate Bold"/>
-                <a:cs typeface="DIN Alternate Bold"/>
-                <a:sym typeface="DIN Alternate Bold"/>
-              </a:defRPr>
-            </a:lvl1pPr>
-          </a:lstStyle>
-          <a:p>
-            <a:pPr/>
-            <a:r>
-              <a:t>Texte</a:t>
-            </a:r>
-          </a:p>
-        </p:txBody>
-      </p:sp>
-      <p:sp>
-        <p:nvSpPr>
-          <p:cNvPr id="125" name="Numéro de diapositive"/>
+            </a:pPr>
+          </a:p>
+        </p:txBody>
+      </p:sp>
+      <p:sp>
+        <p:nvSpPr>
+          <p:cNvPr id="128" name="Numéro de diapositive"/>
           <p:cNvSpPr txBox="1"/>
           <p:nvPr>
             <p:ph type="sldNum" sz="quarter" idx="2"/>
           </p:nvPr>
         </p:nvSpPr>
         <p:spPr>
+          <a:xfrm>
+            <a:off x="23059652" y="609600"/>
+            <a:ext cx="553196" cy="635000"/>
+          </a:xfrm>
           <a:prstGeom prst="rect">
             <a:avLst/>
           </a:prstGeom>
@@ -1454,10 +1427,10 @@
       </p:grpSpPr>
       <p:sp>
         <p:nvSpPr>
-          <p:cNvPr id="132" name="Saisissez une citation ici."/>
+          <p:cNvPr id="135" name="Texte niveau 1…"/>
           <p:cNvSpPr txBox="1"/>
           <p:nvPr>
-            <p:ph type="body" sz="quarter" idx="21"/>
+            <p:ph type="body" sz="quarter" idx="1"/>
           </p:nvPr>
         </p:nvSpPr>
         <p:spPr>
@@ -1470,125 +1443,200 @@
           </a:prstGeom>
         </p:spPr>
         <p:txBody>
-          <a:bodyPr>
-            <a:spAutoFit/>
+          <a:bodyPr anchor="t"/>
+          <a:lstStyle>
+            <a:lvl1pPr>
+              <a:spcBef>
+                <a:spcPts val="0"/>
+              </a:spcBef>
+              <a:defRPr sz="13400">
+                <a:solidFill>
+                  <a:srgbClr val="FFFFFF"/>
+                </a:solidFill>
+                <a:latin typeface="DIN Condensed Bold"/>
+                <a:ea typeface="DIN Condensed Bold"/>
+                <a:cs typeface="DIN Condensed Bold"/>
+                <a:sym typeface="DIN Condensed Bold"/>
+              </a:defRPr>
+            </a:lvl1pPr>
+            <a:lvl2pPr marL="2407708" indent="-1772708">
+              <a:spcBef>
+                <a:spcPts val="0"/>
+              </a:spcBef>
+              <a:buSzPct val="104999"/>
+              <a:buChar char="‣"/>
+              <a:defRPr sz="13400">
+                <a:solidFill>
+                  <a:srgbClr val="FFFFFF"/>
+                </a:solidFill>
+                <a:latin typeface="DIN Condensed Bold"/>
+                <a:ea typeface="DIN Condensed Bold"/>
+                <a:cs typeface="DIN Condensed Bold"/>
+                <a:sym typeface="DIN Condensed Bold"/>
+              </a:defRPr>
+            </a:lvl2pPr>
+            <a:lvl3pPr marL="3042708" indent="-1772708">
+              <a:spcBef>
+                <a:spcPts val="0"/>
+              </a:spcBef>
+              <a:buSzPct val="104999"/>
+              <a:buChar char="‣"/>
+              <a:defRPr sz="13400">
+                <a:solidFill>
+                  <a:srgbClr val="FFFFFF"/>
+                </a:solidFill>
+                <a:latin typeface="DIN Condensed Bold"/>
+                <a:ea typeface="DIN Condensed Bold"/>
+                <a:cs typeface="DIN Condensed Bold"/>
+                <a:sym typeface="DIN Condensed Bold"/>
+              </a:defRPr>
+            </a:lvl3pPr>
+            <a:lvl4pPr marL="3677708" indent="-1772708">
+              <a:spcBef>
+                <a:spcPts val="0"/>
+              </a:spcBef>
+              <a:buSzPct val="104999"/>
+              <a:buChar char="‣"/>
+              <a:defRPr sz="13400">
+                <a:solidFill>
+                  <a:srgbClr val="FFFFFF"/>
+                </a:solidFill>
+                <a:latin typeface="DIN Condensed Bold"/>
+                <a:ea typeface="DIN Condensed Bold"/>
+                <a:cs typeface="DIN Condensed Bold"/>
+                <a:sym typeface="DIN Condensed Bold"/>
+              </a:defRPr>
+            </a:lvl4pPr>
+            <a:lvl5pPr marL="4312708" indent="-1772708">
+              <a:spcBef>
+                <a:spcPts val="0"/>
+              </a:spcBef>
+              <a:buSzPct val="104999"/>
+              <a:buChar char="‣"/>
+              <a:defRPr sz="13400">
+                <a:solidFill>
+                  <a:srgbClr val="FFFFFF"/>
+                </a:solidFill>
+                <a:latin typeface="DIN Condensed Bold"/>
+                <a:ea typeface="DIN Condensed Bold"/>
+                <a:cs typeface="DIN Condensed Bold"/>
+                <a:sym typeface="DIN Condensed Bold"/>
+              </a:defRPr>
+            </a:lvl5pPr>
+          </a:lstStyle>
+          <a:p>
+            <a:pPr/>
+            <a:r>
+              <a:t>Texte niveau 1</a:t>
+            </a:r>
+          </a:p>
+          <a:p>
+            <a:pPr lvl="1"/>
+            <a:r>
+              <a:t>Texte niveau 2</a:t>
+            </a:r>
+          </a:p>
+          <a:p>
+            <a:pPr lvl="2"/>
+            <a:r>
+              <a:t>Texte niveau 3</a:t>
+            </a:r>
+          </a:p>
+          <a:p>
+            <a:pPr lvl="3"/>
+            <a:r>
+              <a:t>Texte niveau 4</a:t>
+            </a:r>
+          </a:p>
+          <a:p>
+            <a:pPr lvl="4"/>
+            <a:r>
+              <a:t>Texte niveau 5</a:t>
+            </a:r>
+          </a:p>
+        </p:txBody>
+      </p:sp>
+      <p:sp>
+        <p:nvSpPr>
+          <p:cNvPr id="136" name="Photo en noir et blanc de moulins sous un ciel nuageux"/>
+          <p:cNvSpPr/>
+          <p:nvPr>
+            <p:ph type="pic" idx="21"/>
+          </p:nvPr>
+        </p:nvSpPr>
+        <p:spPr>
+          <a:xfrm>
+            <a:off x="-190500" y="0"/>
+            <a:ext cx="12428272" cy="13716000"/>
+          </a:xfrm>
+          <a:prstGeom prst="rect">
+            <a:avLst/>
+          </a:prstGeom>
+        </p:spPr>
+        <p:txBody>
+          <a:bodyPr lIns="91439" tIns="45719" rIns="91439" bIns="45719" anchor="t">
+            <a:noAutofit/>
           </a:bodyPr>
-          <a:lstStyle>
-            <a:lvl1pPr marL="0" indent="0">
+          <a:lstStyle/>
+          <a:p>
+            <a:pPr/>
+          </a:p>
+        </p:txBody>
+      </p:sp>
+      <p:sp>
+        <p:nvSpPr>
+          <p:cNvPr id="137" name="Gilles Allain"/>
+          <p:cNvSpPr txBox="1"/>
+          <p:nvPr>
+            <p:ph type="body" sz="quarter" idx="22"/>
+          </p:nvPr>
+        </p:nvSpPr>
+        <p:spPr>
+          <a:xfrm>
+            <a:off x="11049000" y="10953750"/>
+            <a:ext cx="12573000" cy="1206500"/>
+          </a:xfrm>
+          <a:prstGeom prst="rect">
+            <a:avLst/>
+          </a:prstGeom>
+        </p:spPr>
+        <p:txBody>
+          <a:bodyPr anchor="ctr"/>
+          <a:lstStyle/>
+          <a:p>
+            <a:pPr defTabSz="647700">
               <a:lnSpc>
-                <a:spcPct val="80000"/>
+                <a:spcPct val="100000"/>
               </a:lnSpc>
               <a:spcBef>
                 <a:spcPts val="0"/>
               </a:spcBef>
-              <a:buClrTx/>
-              <a:buSzTx/>
-              <a:buFontTx/>
-              <a:buNone/>
-              <a:defRPr cap="all" sz="13400">
-                <a:solidFill>
-                  <a:srgbClr val="FFFFFF"/>
-                </a:solidFill>
-                <a:latin typeface="+mn-lt"/>
-                <a:ea typeface="+mn-ea"/>
-                <a:cs typeface="+mn-cs"/>
-                <a:sym typeface="DIN Condensed Bold"/>
-              </a:defRPr>
-            </a:lvl1pPr>
-          </a:lstStyle>
-          <a:p>
-            <a:pPr/>
-            <a:r>
-              <a:t>Saisissez une citation ici.</a:t>
-            </a:r>
-          </a:p>
-        </p:txBody>
-      </p:sp>
-      <p:sp>
-        <p:nvSpPr>
-          <p:cNvPr id="133" name="Photo en noir et blanc de moulins sous un ciel nuageux"/>
-          <p:cNvSpPr/>
-          <p:nvPr>
-            <p:ph type="pic" idx="22"/>
-          </p:nvPr>
-        </p:nvSpPr>
-        <p:spPr>
-          <a:xfrm>
-            <a:off x="-190500" y="0"/>
-            <a:ext cx="12428272" cy="13716000"/>
-          </a:xfrm>
-          <a:prstGeom prst="rect">
-            <a:avLst/>
-          </a:prstGeom>
-        </p:spPr>
-        <p:txBody>
-          <a:bodyPr lIns="91439" tIns="45719" rIns="91439" bIns="45719">
-            <a:noAutofit/>
-          </a:bodyPr>
-          <a:lstStyle/>
-          <a:p>
-            <a:pPr/>
-          </a:p>
-        </p:txBody>
-      </p:sp>
-      <p:sp>
-        <p:nvSpPr>
-          <p:cNvPr id="134" name="Gilles Allain"/>
-          <p:cNvSpPr txBox="1"/>
-          <p:nvPr>
-            <p:ph type="body" sz="quarter" idx="23"/>
-          </p:nvPr>
-        </p:nvSpPr>
-        <p:spPr>
-          <a:xfrm>
-            <a:off x="11049000" y="10953750"/>
-            <a:ext cx="12573000" cy="1206500"/>
-          </a:xfrm>
-          <a:prstGeom prst="rect">
-            <a:avLst/>
-          </a:prstGeom>
-        </p:spPr>
-        <p:txBody>
-          <a:bodyPr anchor="ctr">
-            <a:spAutoFit/>
-          </a:bodyPr>
-          <a:lstStyle>
-            <a:lvl1pPr marL="0" indent="0" defTabSz="647700">
-              <a:spcBef>
-                <a:spcPts val="0"/>
-              </a:spcBef>
-              <a:buClrTx/>
-              <a:buSzTx/>
-              <a:buFontTx/>
-              <a:buNone/>
-              <a:defRPr sz="8700">
+              <a:defRPr cap="none" sz="8700">
                 <a:solidFill>
                   <a:srgbClr val="232323"/>
                 </a:solidFill>
-                <a:latin typeface="+mn-lt"/>
-                <a:ea typeface="+mn-ea"/>
-                <a:cs typeface="+mn-cs"/>
+                <a:latin typeface="DIN Condensed Bold"/>
+                <a:ea typeface="DIN Condensed Bold"/>
+                <a:cs typeface="DIN Condensed Bold"/>
                 <a:sym typeface="DIN Condensed Bold"/>
               </a:defRPr>
-            </a:lvl1pPr>
-          </a:lstStyle>
-          <a:p>
-            <a:pPr/>
-            <a:r>
-              <a:t>Gilles Allain</a:t>
-            </a:r>
-          </a:p>
-        </p:txBody>
-      </p:sp>
-      <p:sp>
-        <p:nvSpPr>
-          <p:cNvPr id="135" name="Numéro de diapositive"/>
+            </a:pPr>
+          </a:p>
+        </p:txBody>
+      </p:sp>
+      <p:sp>
+        <p:nvSpPr>
+          <p:cNvPr id="138" name="Numéro de diapositive"/>
           <p:cNvSpPr txBox="1"/>
           <p:nvPr>
             <p:ph type="sldNum" sz="quarter" idx="2"/>
           </p:nvPr>
         </p:nvSpPr>
         <p:spPr>
+          <a:xfrm>
+            <a:off x="23059652" y="609600"/>
+            <a:ext cx="553196" cy="635000"/>
+          </a:xfrm>
           <a:prstGeom prst="rect">
             <a:avLst/>
           </a:prstGeom>
@@ -1614,6 +1662,1854 @@
 <file path=ppt/slideLayouts/slideLayout14.xml><?xml version="1.0" encoding="utf-8"?>
 <p:sldLayout xmlns:a="http://schemas.openxmlformats.org/drawingml/2006/main" xmlns:r="http://schemas.openxmlformats.org/officeDocument/2006/relationships" xmlns:p="http://schemas.openxmlformats.org/presentationml/2006/main" xmlns:m="http://schemas.openxmlformats.org/officeDocument/2006/math" xmlns:a14="http://schemas.microsoft.com/office/drawing/2010/main" type="tx" showMasterSp="0" showMasterPhAnim="1">
   <p:cSld name="Photo">
+    <p:spTree>
+      <p:nvGrpSpPr>
+        <p:cNvPr id="1" name=""/>
+        <p:cNvGrpSpPr/>
+        <p:nvPr/>
+      </p:nvGrpSpPr>
+      <p:grpSpPr>
+        <a:xfrm>
+          <a:off x="0" y="0"/>
+          <a:ext cx="0" cy="0"/>
+          <a:chOff x="0" y="0"/>
+          <a:chExt cx="0" cy="0"/>
+        </a:xfrm>
+      </p:grpSpPr>
+      <p:sp>
+        <p:nvSpPr>
+          <p:cNvPr id="145" name="Photo aérienne en noir et blanc d’une personne se tenant en haut d’un barrage"/>
+          <p:cNvSpPr/>
+          <p:nvPr>
+            <p:ph type="pic" idx="21"/>
+          </p:nvPr>
+        </p:nvSpPr>
+        <p:spPr>
+          <a:xfrm>
+            <a:off x="-38100" y="-1219200"/>
+            <a:ext cx="24460200" cy="16145934"/>
+          </a:xfrm>
+          <a:prstGeom prst="rect">
+            <a:avLst/>
+          </a:prstGeom>
+        </p:spPr>
+        <p:txBody>
+          <a:bodyPr lIns="91439" tIns="45719" rIns="91439" bIns="45719" anchor="t">
+            <a:noAutofit/>
+          </a:bodyPr>
+          <a:lstStyle/>
+          <a:p>
+            <a:pPr/>
+          </a:p>
+        </p:txBody>
+      </p:sp>
+      <p:sp>
+        <p:nvSpPr>
+          <p:cNvPr id="146" name="Numéro de diapositive"/>
+          <p:cNvSpPr txBox="1"/>
+          <p:nvPr>
+            <p:ph type="sldNum" sz="quarter" idx="2"/>
+          </p:nvPr>
+        </p:nvSpPr>
+        <p:spPr>
+          <a:xfrm>
+            <a:off x="23059652" y="609600"/>
+            <a:ext cx="553196" cy="635000"/>
+          </a:xfrm>
+          <a:prstGeom prst="rect">
+            <a:avLst/>
+          </a:prstGeom>
+        </p:spPr>
+        <p:txBody>
+          <a:bodyPr/>
+          <a:lstStyle/>
+          <a:p>
+            <a:pPr/>
+            <a:fld id="{86CB4B4D-7CA3-9044-876B-883B54F8677D}" type="slidenum"/>
+          </a:p>
+        </p:txBody>
+      </p:sp>
+    </p:spTree>
+  </p:cSld>
+  <p:clrMapOvr>
+    <a:masterClrMapping/>
+  </p:clrMapOvr>
+  <p:transition xmlns:p14="http://schemas.microsoft.com/office/powerpoint/2010/main" spd="med" advClick="1"/>
+</p:sldLayout>
+</file>
+
+<file path=ppt/slideLayouts/slideLayout15.xml><?xml version="1.0" encoding="utf-8"?>
+<p:sldLayout xmlns:a="http://schemas.openxmlformats.org/drawingml/2006/main" xmlns:r="http://schemas.openxmlformats.org/officeDocument/2006/relationships" xmlns:p="http://schemas.openxmlformats.org/presentationml/2006/main" xmlns:m="http://schemas.openxmlformats.org/officeDocument/2006/math" xmlns:a14="http://schemas.microsoft.com/office/drawing/2010/main" type="tx" showMasterSp="0" showMasterPhAnim="1">
+  <p:cSld name="Vierge">
+    <p:spTree>
+      <p:nvGrpSpPr>
+        <p:cNvPr id="1" name=""/>
+        <p:cNvGrpSpPr/>
+        <p:nvPr/>
+      </p:nvGrpSpPr>
+      <p:grpSpPr>
+        <a:xfrm>
+          <a:off x="0" y="0"/>
+          <a:ext cx="0" cy="0"/>
+          <a:chOff x="0" y="0"/>
+          <a:chExt cx="0" cy="0"/>
+        </a:xfrm>
+      </p:grpSpPr>
+      <p:sp>
+        <p:nvSpPr>
+          <p:cNvPr id="153" name="Numéro de diapositive"/>
+          <p:cNvSpPr txBox="1"/>
+          <p:nvPr>
+            <p:ph type="sldNum" sz="quarter" idx="2"/>
+          </p:nvPr>
+        </p:nvSpPr>
+        <p:spPr>
+          <a:xfrm>
+            <a:off x="23059652" y="609600"/>
+            <a:ext cx="553196" cy="635000"/>
+          </a:xfrm>
+          <a:prstGeom prst="rect">
+            <a:avLst/>
+          </a:prstGeom>
+        </p:spPr>
+        <p:txBody>
+          <a:bodyPr/>
+          <a:lstStyle/>
+          <a:p>
+            <a:pPr/>
+            <a:fld id="{86CB4B4D-7CA3-9044-876B-883B54F8677D}" type="slidenum"/>
+          </a:p>
+        </p:txBody>
+      </p:sp>
+    </p:spTree>
+  </p:cSld>
+  <p:clrMapOvr>
+    <a:masterClrMapping/>
+  </p:clrMapOvr>
+  <p:transition xmlns:p14="http://schemas.microsoft.com/office/powerpoint/2010/main" spd="med" advClick="1"/>
+</p:sldLayout>
+</file>
+
+<file path=ppt/slideLayouts/slideLayout16.xml><?xml version="1.0" encoding="utf-8"?>
+<p:sldLayout xmlns:a="http://schemas.openxmlformats.org/drawingml/2006/main" xmlns:r="http://schemas.openxmlformats.org/officeDocument/2006/relationships" xmlns:p="http://schemas.openxmlformats.org/presentationml/2006/main" xmlns:m="http://schemas.openxmlformats.org/officeDocument/2006/math" xmlns:a14="http://schemas.microsoft.com/office/drawing/2010/main" type="tx" showMasterSp="0" showMasterPhAnim="1">
+  <p:cSld name="Vierge - Autre">
+    <p:bg>
+      <p:bgPr>
+        <a:solidFill>
+          <a:srgbClr val="FFFFFF"/>
+        </a:solidFill>
+      </p:bgPr>
+    </p:bg>
+    <p:spTree>
+      <p:nvGrpSpPr>
+        <p:cNvPr id="1" name=""/>
+        <p:cNvGrpSpPr/>
+        <p:nvPr/>
+      </p:nvGrpSpPr>
+      <p:grpSpPr>
+        <a:xfrm>
+          <a:off x="0" y="0"/>
+          <a:ext cx="0" cy="0"/>
+          <a:chOff x="0" y="0"/>
+          <a:chExt cx="0" cy="0"/>
+        </a:xfrm>
+      </p:grpSpPr>
+      <p:sp>
+        <p:nvSpPr>
+          <p:cNvPr id="160" name="Numéro de diapositive"/>
+          <p:cNvSpPr txBox="1"/>
+          <p:nvPr>
+            <p:ph type="sldNum" sz="quarter" idx="2"/>
+          </p:nvPr>
+        </p:nvSpPr>
+        <p:spPr>
+          <a:xfrm>
+            <a:off x="23059652" y="609600"/>
+            <a:ext cx="553196" cy="635000"/>
+          </a:xfrm>
+          <a:prstGeom prst="rect">
+            <a:avLst/>
+          </a:prstGeom>
+        </p:spPr>
+        <p:txBody>
+          <a:bodyPr/>
+          <a:lstStyle/>
+          <a:p>
+            <a:pPr/>
+            <a:fld id="{86CB4B4D-7CA3-9044-876B-883B54F8677D}" type="slidenum"/>
+          </a:p>
+        </p:txBody>
+      </p:sp>
+    </p:spTree>
+  </p:cSld>
+  <p:clrMapOvr>
+    <a:masterClrMapping/>
+  </p:clrMapOvr>
+  <p:transition xmlns:p14="http://schemas.microsoft.com/office/powerpoint/2010/main" spd="med" advClick="1"/>
+</p:sldLayout>
+</file>
+
+<file path=ppt/slideLayouts/slideLayout2.xml><?xml version="1.0" encoding="utf-8"?>
+<p:sldLayout xmlns:a="http://schemas.openxmlformats.org/drawingml/2006/main" xmlns:r="http://schemas.openxmlformats.org/officeDocument/2006/relationships" xmlns:p="http://schemas.openxmlformats.org/presentationml/2006/main" xmlns:m="http://schemas.openxmlformats.org/officeDocument/2006/math" xmlns:a14="http://schemas.microsoft.com/office/drawing/2010/main" type="tx" showMasterSp="1" showMasterPhAnim="1">
+  <p:cSld name="Photo - Horizontale">
+    <p:spTree>
+      <p:nvGrpSpPr>
+        <p:cNvPr id="1" name=""/>
+        <p:cNvGrpSpPr/>
+        <p:nvPr/>
+      </p:nvGrpSpPr>
+      <p:grpSpPr>
+        <a:xfrm>
+          <a:off x="0" y="0"/>
+          <a:ext cx="0" cy="0"/>
+          <a:chOff x="0" y="0"/>
+          <a:chExt cx="0" cy="0"/>
+        </a:xfrm>
+      </p:grpSpPr>
+      <p:sp>
+        <p:nvSpPr>
+          <p:cNvPr id="21" name="Photo aérienne en noir et blanc d’une personne se tenant en haut d’un barrage"/>
+          <p:cNvSpPr/>
+          <p:nvPr>
+            <p:ph type="pic" idx="21"/>
+          </p:nvPr>
+        </p:nvSpPr>
+        <p:spPr>
+          <a:xfrm>
+            <a:off x="-38100" y="-1219200"/>
+            <a:ext cx="24460200" cy="16145934"/>
+          </a:xfrm>
+          <a:prstGeom prst="rect">
+            <a:avLst/>
+          </a:prstGeom>
+        </p:spPr>
+        <p:txBody>
+          <a:bodyPr lIns="91439" tIns="45719" rIns="91439" bIns="45719" anchor="t">
+            <a:noAutofit/>
+          </a:bodyPr>
+          <a:lstStyle/>
+          <a:p>
+            <a:pPr/>
+          </a:p>
+        </p:txBody>
+      </p:sp>
+      <p:sp>
+        <p:nvSpPr>
+          <p:cNvPr id="22" name="Texte du titre"/>
+          <p:cNvSpPr txBox="1"/>
+          <p:nvPr>
+            <p:ph type="title"/>
+          </p:nvPr>
+        </p:nvSpPr>
+        <p:spPr>
+          <a:prstGeom prst="rect">
+            <a:avLst/>
+          </a:prstGeom>
+        </p:spPr>
+        <p:txBody>
+          <a:bodyPr/>
+          <a:lstStyle/>
+          <a:p>
+            <a:pPr/>
+            <a:r>
+              <a:t>Texte du titre</a:t>
+            </a:r>
+          </a:p>
+        </p:txBody>
+      </p:sp>
+      <p:sp>
+        <p:nvSpPr>
+          <p:cNvPr id="23" name="Texte niveau 1…"/>
+          <p:cNvSpPr txBox="1"/>
+          <p:nvPr>
+            <p:ph type="body" sz="quarter" idx="1"/>
+          </p:nvPr>
+        </p:nvSpPr>
+        <p:spPr>
+          <a:prstGeom prst="rect">
+            <a:avLst/>
+          </a:prstGeom>
+        </p:spPr>
+        <p:txBody>
+          <a:bodyPr/>
+          <a:lstStyle/>
+          <a:p>
+            <a:pPr/>
+            <a:r>
+              <a:t>Texte niveau 1</a:t>
+            </a:r>
+          </a:p>
+          <a:p>
+            <a:pPr lvl="1"/>
+            <a:r>
+              <a:t>Texte niveau 2</a:t>
+            </a:r>
+          </a:p>
+          <a:p>
+            <a:pPr lvl="2"/>
+            <a:r>
+              <a:t>Texte niveau 3</a:t>
+            </a:r>
+          </a:p>
+          <a:p>
+            <a:pPr lvl="3"/>
+            <a:r>
+              <a:t>Texte niveau 4</a:t>
+            </a:r>
+          </a:p>
+          <a:p>
+            <a:pPr lvl="4"/>
+            <a:r>
+              <a:t>Texte niveau 5</a:t>
+            </a:r>
+          </a:p>
+        </p:txBody>
+      </p:sp>
+      <p:sp>
+        <p:nvSpPr>
+          <p:cNvPr id="24" name="Numéro de diapositive"/>
+          <p:cNvSpPr txBox="1"/>
+          <p:nvPr>
+            <p:ph type="sldNum" sz="quarter" idx="2"/>
+          </p:nvPr>
+        </p:nvSpPr>
+        <p:spPr>
+          <a:prstGeom prst="rect">
+            <a:avLst/>
+          </a:prstGeom>
+        </p:spPr>
+        <p:txBody>
+          <a:bodyPr/>
+          <a:lstStyle/>
+          <a:p>
+            <a:pPr/>
+            <a:fld id="{86CB4B4D-7CA3-9044-876B-883B54F8677D}" type="slidenum"/>
+          </a:p>
+        </p:txBody>
+      </p:sp>
+    </p:spTree>
+  </p:cSld>
+  <p:clrMapOvr>
+    <a:masterClrMapping/>
+  </p:clrMapOvr>
+  <p:transition xmlns:p14="http://schemas.microsoft.com/office/powerpoint/2010/main" spd="med" advClick="1"/>
+</p:sldLayout>
+</file>
+
+<file path=ppt/slideLayouts/slideLayout3.xml><?xml version="1.0" encoding="utf-8"?>
+<p:sldLayout xmlns:a="http://schemas.openxmlformats.org/drawingml/2006/main" xmlns:r="http://schemas.openxmlformats.org/officeDocument/2006/relationships" xmlns:p="http://schemas.openxmlformats.org/presentationml/2006/main" xmlns:m="http://schemas.openxmlformats.org/officeDocument/2006/math" xmlns:a14="http://schemas.microsoft.com/office/drawing/2010/main" type="tx" showMasterSp="1" showMasterPhAnim="1">
+  <p:cSld name="Autres titre et sous-titre">
+    <p:bg>
+      <p:bgPr>
+        <a:solidFill>
+          <a:srgbClr val="FFFFFF"/>
+        </a:solidFill>
+      </p:bgPr>
+    </p:bg>
+    <p:spTree>
+      <p:nvGrpSpPr>
+        <p:cNvPr id="1" name=""/>
+        <p:cNvGrpSpPr/>
+        <p:nvPr/>
+      </p:nvGrpSpPr>
+      <p:grpSpPr>
+        <a:xfrm>
+          <a:off x="0" y="0"/>
+          <a:ext cx="0" cy="0"/>
+          <a:chOff x="0" y="0"/>
+          <a:chExt cx="0" cy="0"/>
+        </a:xfrm>
+      </p:grpSpPr>
+      <p:sp>
+        <p:nvSpPr>
+          <p:cNvPr id="31" name="Texte du titre"/>
+          <p:cNvSpPr txBox="1"/>
+          <p:nvPr>
+            <p:ph type="title"/>
+          </p:nvPr>
+        </p:nvSpPr>
+        <p:spPr>
+          <a:prstGeom prst="rect">
+            <a:avLst/>
+          </a:prstGeom>
+        </p:spPr>
+        <p:txBody>
+          <a:bodyPr/>
+          <a:lstStyle/>
+          <a:p>
+            <a:pPr/>
+            <a:r>
+              <a:t>Texte du titre</a:t>
+            </a:r>
+          </a:p>
+        </p:txBody>
+      </p:sp>
+      <p:sp>
+        <p:nvSpPr>
+          <p:cNvPr id="32" name="Texte niveau 1…"/>
+          <p:cNvSpPr txBox="1"/>
+          <p:nvPr>
+            <p:ph type="body" sz="quarter" idx="1"/>
+          </p:nvPr>
+        </p:nvSpPr>
+        <p:spPr>
+          <a:prstGeom prst="rect">
+            <a:avLst/>
+          </a:prstGeom>
+        </p:spPr>
+        <p:txBody>
+          <a:bodyPr/>
+          <a:lstStyle/>
+          <a:p>
+            <a:pPr/>
+            <a:r>
+              <a:t>Texte niveau 1</a:t>
+            </a:r>
+          </a:p>
+          <a:p>
+            <a:pPr lvl="1"/>
+            <a:r>
+              <a:t>Texte niveau 2</a:t>
+            </a:r>
+          </a:p>
+          <a:p>
+            <a:pPr lvl="2"/>
+            <a:r>
+              <a:t>Texte niveau 3</a:t>
+            </a:r>
+          </a:p>
+          <a:p>
+            <a:pPr lvl="3"/>
+            <a:r>
+              <a:t>Texte niveau 4</a:t>
+            </a:r>
+          </a:p>
+          <a:p>
+            <a:pPr lvl="4"/>
+            <a:r>
+              <a:t>Texte niveau 5</a:t>
+            </a:r>
+          </a:p>
+        </p:txBody>
+      </p:sp>
+      <p:sp>
+        <p:nvSpPr>
+          <p:cNvPr id="33" name="Numéro de diapositive"/>
+          <p:cNvSpPr txBox="1"/>
+          <p:nvPr>
+            <p:ph type="sldNum" sz="quarter" idx="2"/>
+          </p:nvPr>
+        </p:nvSpPr>
+        <p:spPr>
+          <a:xfrm>
+            <a:off x="23013223" y="584200"/>
+            <a:ext cx="553195" cy="635000"/>
+          </a:xfrm>
+          <a:prstGeom prst="rect">
+            <a:avLst/>
+          </a:prstGeom>
+        </p:spPr>
+        <p:txBody>
+          <a:bodyPr/>
+          <a:lstStyle/>
+          <a:p>
+            <a:pPr/>
+            <a:fld id="{86CB4B4D-7CA3-9044-876B-883B54F8677D}" type="slidenum"/>
+          </a:p>
+        </p:txBody>
+      </p:sp>
+    </p:spTree>
+  </p:cSld>
+  <p:clrMapOvr>
+    <a:masterClrMapping/>
+  </p:clrMapOvr>
+  <p:transition xmlns:p14="http://schemas.microsoft.com/office/powerpoint/2010/main" spd="med" advClick="1"/>
+</p:sldLayout>
+</file>
+
+<file path=ppt/slideLayouts/slideLayout4.xml><?xml version="1.0" encoding="utf-8"?>
+<p:sldLayout xmlns:a="http://schemas.openxmlformats.org/drawingml/2006/main" xmlns:r="http://schemas.openxmlformats.org/officeDocument/2006/relationships" xmlns:p="http://schemas.openxmlformats.org/presentationml/2006/main" xmlns:m="http://schemas.openxmlformats.org/officeDocument/2006/math" xmlns:a14="http://schemas.microsoft.com/office/drawing/2010/main" type="tx" showMasterSp="0" showMasterPhAnim="1">
+  <p:cSld name="Titre - Centré">
+    <p:spTree>
+      <p:nvGrpSpPr>
+        <p:cNvPr id="1" name=""/>
+        <p:cNvGrpSpPr/>
+        <p:nvPr/>
+      </p:nvGrpSpPr>
+      <p:grpSpPr>
+        <a:xfrm>
+          <a:off x="0" y="0"/>
+          <a:ext cx="0" cy="0"/>
+          <a:chOff x="0" y="0"/>
+          <a:chExt cx="0" cy="0"/>
+        </a:xfrm>
+      </p:grpSpPr>
+      <p:sp>
+        <p:nvSpPr>
+          <p:cNvPr id="40" name="Texte du titre"/>
+          <p:cNvSpPr txBox="1"/>
+          <p:nvPr>
+            <p:ph type="title"/>
+          </p:nvPr>
+        </p:nvSpPr>
+        <p:spPr>
+          <a:xfrm>
+            <a:off x="762000" y="5676900"/>
+            <a:ext cx="22860000" cy="6350000"/>
+          </a:xfrm>
+          <a:prstGeom prst="rect">
+            <a:avLst/>
+          </a:prstGeom>
+        </p:spPr>
+        <p:txBody>
+          <a:bodyPr/>
+          <a:lstStyle/>
+          <a:p>
+            <a:pPr/>
+            <a:r>
+              <a:t>Texte du titre</a:t>
+            </a:r>
+          </a:p>
+        </p:txBody>
+      </p:sp>
+      <p:sp>
+        <p:nvSpPr>
+          <p:cNvPr id="41" name="Numéro de diapositive"/>
+          <p:cNvSpPr txBox="1"/>
+          <p:nvPr>
+            <p:ph type="sldNum" sz="quarter" idx="2"/>
+          </p:nvPr>
+        </p:nvSpPr>
+        <p:spPr>
+          <a:prstGeom prst="rect">
+            <a:avLst/>
+          </a:prstGeom>
+        </p:spPr>
+        <p:txBody>
+          <a:bodyPr/>
+          <a:lstStyle/>
+          <a:p>
+            <a:pPr/>
+            <a:fld id="{86CB4B4D-7CA3-9044-876B-883B54F8677D}" type="slidenum"/>
+          </a:p>
+        </p:txBody>
+      </p:sp>
+    </p:spTree>
+  </p:cSld>
+  <p:clrMapOvr>
+    <a:masterClrMapping/>
+  </p:clrMapOvr>
+  <p:transition xmlns:p14="http://schemas.microsoft.com/office/powerpoint/2010/main" spd="med" advClick="1"/>
+</p:sldLayout>
+</file>
+
+<file path=ppt/slideLayouts/slideLayout5.xml><?xml version="1.0" encoding="utf-8"?>
+<p:sldLayout xmlns:a="http://schemas.openxmlformats.org/drawingml/2006/main" xmlns:r="http://schemas.openxmlformats.org/officeDocument/2006/relationships" xmlns:p="http://schemas.openxmlformats.org/presentationml/2006/main" xmlns:m="http://schemas.openxmlformats.org/officeDocument/2006/math" xmlns:a14="http://schemas.microsoft.com/office/drawing/2010/main" type="tx" showMasterSp="0" showMasterPhAnim="1">
+  <p:cSld name="Photo - Verticale">
+    <p:spTree>
+      <p:nvGrpSpPr>
+        <p:cNvPr id="1" name=""/>
+        <p:cNvGrpSpPr/>
+        <p:nvPr/>
+      </p:nvGrpSpPr>
+      <p:grpSpPr>
+        <a:xfrm>
+          <a:off x="0" y="0"/>
+          <a:ext cx="0" cy="0"/>
+          <a:chOff x="0" y="0"/>
+          <a:chExt cx="0" cy="0"/>
+        </a:xfrm>
+      </p:grpSpPr>
+      <p:sp>
+        <p:nvSpPr>
+          <p:cNvPr id="48" name="Ligne"/>
+          <p:cNvSpPr/>
+          <p:nvPr/>
+        </p:nvSpPr>
+        <p:spPr>
+          <a:xfrm flipV="1">
+            <a:off x="11049000" y="8635797"/>
+            <a:ext cx="12572997" cy="204"/>
+          </a:xfrm>
+          <a:prstGeom prst="line">
+            <a:avLst/>
+          </a:prstGeom>
+          <a:ln w="50800">
+            <a:solidFill>
+              <a:srgbClr val="A6AAA9"/>
+            </a:solidFill>
+            <a:miter lim="400000"/>
+          </a:ln>
+        </p:spPr>
+        <p:txBody>
+          <a:bodyPr lIns="45718" tIns="45718" rIns="45718" bIns="45718"/>
+          <a:lstStyle/>
+          <a:p>
+            <a:pPr>
+              <a:defRPr>
+                <a:solidFill>
+                  <a:srgbClr val="838787"/>
+                </a:solidFill>
+              </a:defRPr>
+            </a:pPr>
+          </a:p>
+        </p:txBody>
+      </p:sp>
+      <p:sp>
+        <p:nvSpPr>
+          <p:cNvPr id="49" name="Photo en noir et blanc de moulins sous un ciel nuageux"/>
+          <p:cNvSpPr/>
+          <p:nvPr>
+            <p:ph type="pic" idx="21"/>
+          </p:nvPr>
+        </p:nvSpPr>
+        <p:spPr>
+          <a:xfrm>
+            <a:off x="-190500" y="0"/>
+            <a:ext cx="12428272" cy="13716000"/>
+          </a:xfrm>
+          <a:prstGeom prst="rect">
+            <a:avLst/>
+          </a:prstGeom>
+        </p:spPr>
+        <p:txBody>
+          <a:bodyPr lIns="91439" tIns="45719" rIns="91439" bIns="45719" anchor="t">
+            <a:noAutofit/>
+          </a:bodyPr>
+          <a:lstStyle/>
+          <a:p>
+            <a:pPr/>
+          </a:p>
+        </p:txBody>
+      </p:sp>
+      <p:sp>
+        <p:nvSpPr>
+          <p:cNvPr id="50" name="Texte du titre"/>
+          <p:cNvSpPr txBox="1"/>
+          <p:nvPr>
+            <p:ph type="title"/>
+          </p:nvPr>
+        </p:nvSpPr>
+        <p:spPr>
+          <a:xfrm>
+            <a:off x="11049000" y="9042400"/>
+            <a:ext cx="12573000" cy="3810000"/>
+          </a:xfrm>
+          <a:prstGeom prst="rect">
+            <a:avLst/>
+          </a:prstGeom>
+        </p:spPr>
+        <p:txBody>
+          <a:bodyPr/>
+          <a:lstStyle/>
+          <a:p>
+            <a:pPr/>
+            <a:r>
+              <a:t>Texte du titre</a:t>
+            </a:r>
+          </a:p>
+        </p:txBody>
+      </p:sp>
+      <p:sp>
+        <p:nvSpPr>
+          <p:cNvPr id="51" name="Texte niveau 1…"/>
+          <p:cNvSpPr txBox="1"/>
+          <p:nvPr>
+            <p:ph type="body" sz="quarter" idx="1"/>
+          </p:nvPr>
+        </p:nvSpPr>
+        <p:spPr>
+          <a:xfrm>
+            <a:off x="11049000" y="5994400"/>
+            <a:ext cx="12573000" cy="2540000"/>
+          </a:xfrm>
+          <a:prstGeom prst="rect">
+            <a:avLst/>
+          </a:prstGeom>
+        </p:spPr>
+        <p:txBody>
+          <a:bodyPr/>
+          <a:lstStyle/>
+          <a:p>
+            <a:pPr/>
+            <a:r>
+              <a:t>Texte niveau 1</a:t>
+            </a:r>
+          </a:p>
+          <a:p>
+            <a:pPr lvl="1"/>
+            <a:r>
+              <a:t>Texte niveau 2</a:t>
+            </a:r>
+          </a:p>
+          <a:p>
+            <a:pPr lvl="2"/>
+            <a:r>
+              <a:t>Texte niveau 3</a:t>
+            </a:r>
+          </a:p>
+          <a:p>
+            <a:pPr lvl="3"/>
+            <a:r>
+              <a:t>Texte niveau 4</a:t>
+            </a:r>
+          </a:p>
+          <a:p>
+            <a:pPr lvl="4"/>
+            <a:r>
+              <a:t>Texte niveau 5</a:t>
+            </a:r>
+          </a:p>
+        </p:txBody>
+      </p:sp>
+      <p:sp>
+        <p:nvSpPr>
+          <p:cNvPr id="52" name="Numéro de diapositive"/>
+          <p:cNvSpPr txBox="1"/>
+          <p:nvPr>
+            <p:ph type="sldNum" sz="quarter" idx="2"/>
+          </p:nvPr>
+        </p:nvSpPr>
+        <p:spPr>
+          <a:prstGeom prst="rect">
+            <a:avLst/>
+          </a:prstGeom>
+        </p:spPr>
+        <p:txBody>
+          <a:bodyPr/>
+          <a:lstStyle/>
+          <a:p>
+            <a:pPr/>
+            <a:fld id="{86CB4B4D-7CA3-9044-876B-883B54F8677D}" type="slidenum"/>
+          </a:p>
+        </p:txBody>
+      </p:sp>
+    </p:spTree>
+  </p:cSld>
+  <p:clrMapOvr>
+    <a:masterClrMapping/>
+  </p:clrMapOvr>
+  <p:transition xmlns:p14="http://schemas.microsoft.com/office/powerpoint/2010/main" spd="med" advClick="1"/>
+</p:sldLayout>
+</file>
+
+<file path=ppt/slideLayouts/slideLayout6.xml><?xml version="1.0" encoding="utf-8"?>
+<p:sldLayout xmlns:a="http://schemas.openxmlformats.org/drawingml/2006/main" xmlns:r="http://schemas.openxmlformats.org/officeDocument/2006/relationships" xmlns:p="http://schemas.openxmlformats.org/presentationml/2006/main" xmlns:m="http://schemas.openxmlformats.org/officeDocument/2006/math" xmlns:a14="http://schemas.microsoft.com/office/drawing/2010/main" type="tx" showMasterSp="0" showMasterPhAnim="1">
+  <p:cSld name="Titre - Haut">
+    <p:bg>
+      <p:bgPr>
+        <a:solidFill>
+          <a:srgbClr val="FFFFFF"/>
+        </a:solidFill>
+      </p:bgPr>
+    </p:bg>
+    <p:spTree>
+      <p:nvGrpSpPr>
+        <p:cNvPr id="1" name=""/>
+        <p:cNvGrpSpPr/>
+        <p:nvPr/>
+      </p:nvGrpSpPr>
+      <p:grpSpPr>
+        <a:xfrm>
+          <a:off x="0" y="0"/>
+          <a:ext cx="0" cy="0"/>
+          <a:chOff x="0" y="0"/>
+          <a:chExt cx="0" cy="0"/>
+        </a:xfrm>
+      </p:grpSpPr>
+      <p:sp>
+        <p:nvSpPr>
+          <p:cNvPr id="59" name="Ligne"/>
+          <p:cNvSpPr/>
+          <p:nvPr/>
+        </p:nvSpPr>
+        <p:spPr>
+          <a:xfrm flipV="1">
+            <a:off x="761999" y="1396631"/>
+            <a:ext cx="22860000" cy="370"/>
+          </a:xfrm>
+          <a:prstGeom prst="line">
+            <a:avLst/>
+          </a:prstGeom>
+          <a:ln w="25400">
+            <a:solidFill>
+              <a:srgbClr val="A6AAA9"/>
+            </a:solidFill>
+            <a:miter lim="400000"/>
+          </a:ln>
+        </p:spPr>
+        <p:txBody>
+          <a:bodyPr lIns="45718" tIns="45718" rIns="45718" bIns="45718"/>
+          <a:lstStyle/>
+          <a:p>
+            <a:pPr>
+              <a:defRPr>
+                <a:solidFill>
+                  <a:srgbClr val="838787"/>
+                </a:solidFill>
+              </a:defRPr>
+            </a:pPr>
+          </a:p>
+        </p:txBody>
+      </p:sp>
+      <p:sp>
+        <p:nvSpPr>
+          <p:cNvPr id="60" name="Texte niveau 1…"/>
+          <p:cNvSpPr txBox="1"/>
+          <p:nvPr>
+            <p:ph type="body" sz="quarter" idx="1"/>
+          </p:nvPr>
+        </p:nvSpPr>
+        <p:spPr>
+          <a:xfrm>
+            <a:off x="762000" y="635000"/>
+            <a:ext cx="20955000" cy="635000"/>
+          </a:xfrm>
+          <a:prstGeom prst="rect">
+            <a:avLst/>
+          </a:prstGeom>
+        </p:spPr>
+        <p:txBody>
+          <a:bodyPr/>
+          <a:lstStyle>
+            <a:lvl1pPr defTabSz="647700">
+              <a:spcBef>
+                <a:spcPts val="0"/>
+              </a:spcBef>
+              <a:defRPr spc="180" sz="3600">
+                <a:solidFill>
+                  <a:srgbClr val="838787"/>
+                </a:solidFill>
+              </a:defRPr>
+            </a:lvl1pPr>
+            <a:lvl2pPr marL="1111250" indent="-476250" defTabSz="647700">
+              <a:spcBef>
+                <a:spcPts val="0"/>
+              </a:spcBef>
+              <a:buSzPct val="104999"/>
+              <a:buChar char="‣"/>
+              <a:defRPr spc="180" sz="3600">
+                <a:solidFill>
+                  <a:srgbClr val="838787"/>
+                </a:solidFill>
+              </a:defRPr>
+            </a:lvl2pPr>
+            <a:lvl3pPr marL="1746250" indent="-476250" defTabSz="647700">
+              <a:spcBef>
+                <a:spcPts val="0"/>
+              </a:spcBef>
+              <a:buSzPct val="104999"/>
+              <a:buChar char="‣"/>
+              <a:defRPr spc="180" sz="3600">
+                <a:solidFill>
+                  <a:srgbClr val="838787"/>
+                </a:solidFill>
+              </a:defRPr>
+            </a:lvl3pPr>
+            <a:lvl4pPr marL="2381250" indent="-476250" defTabSz="647700">
+              <a:spcBef>
+                <a:spcPts val="0"/>
+              </a:spcBef>
+              <a:buSzPct val="104999"/>
+              <a:buChar char="‣"/>
+              <a:defRPr spc="180" sz="3600">
+                <a:solidFill>
+                  <a:srgbClr val="838787"/>
+                </a:solidFill>
+              </a:defRPr>
+            </a:lvl4pPr>
+            <a:lvl5pPr marL="3016250" indent="-476250" defTabSz="647700">
+              <a:spcBef>
+                <a:spcPts val="0"/>
+              </a:spcBef>
+              <a:buSzPct val="104999"/>
+              <a:buChar char="‣"/>
+              <a:defRPr spc="180" sz="3600">
+                <a:solidFill>
+                  <a:srgbClr val="838787"/>
+                </a:solidFill>
+              </a:defRPr>
+            </a:lvl5pPr>
+          </a:lstStyle>
+          <a:p>
+            <a:pPr/>
+            <a:r>
+              <a:t>Texte niveau 1</a:t>
+            </a:r>
+          </a:p>
+          <a:p>
+            <a:pPr lvl="1"/>
+            <a:r>
+              <a:t>Texte niveau 2</a:t>
+            </a:r>
+          </a:p>
+          <a:p>
+            <a:pPr lvl="2"/>
+            <a:r>
+              <a:t>Texte niveau 3</a:t>
+            </a:r>
+          </a:p>
+          <a:p>
+            <a:pPr lvl="3"/>
+            <a:r>
+              <a:t>Texte niveau 4</a:t>
+            </a:r>
+          </a:p>
+          <a:p>
+            <a:pPr lvl="4"/>
+            <a:r>
+              <a:t>Texte niveau 5</a:t>
+            </a:r>
+          </a:p>
+        </p:txBody>
+      </p:sp>
+      <p:sp>
+        <p:nvSpPr>
+          <p:cNvPr id="61" name="Texte du titre"/>
+          <p:cNvSpPr txBox="1"/>
+          <p:nvPr>
+            <p:ph type="title"/>
+          </p:nvPr>
+        </p:nvSpPr>
+        <p:spPr>
+          <a:xfrm>
+            <a:off x="762000" y="2159000"/>
+            <a:ext cx="22860000" cy="1016000"/>
+          </a:xfrm>
+          <a:prstGeom prst="rect">
+            <a:avLst/>
+          </a:prstGeom>
+        </p:spPr>
+        <p:txBody>
+          <a:bodyPr/>
+          <a:lstStyle>
+            <a:lvl1pPr>
+              <a:spcBef>
+                <a:spcPts val="3900"/>
+              </a:spcBef>
+              <a:defRPr sz="8700"/>
+            </a:lvl1pPr>
+          </a:lstStyle>
+          <a:p>
+            <a:pPr/>
+            <a:r>
+              <a:t>Texte du titre</a:t>
+            </a:r>
+          </a:p>
+        </p:txBody>
+      </p:sp>
+      <p:sp>
+        <p:nvSpPr>
+          <p:cNvPr id="62" name="Numéro de diapositive"/>
+          <p:cNvSpPr txBox="1"/>
+          <p:nvPr>
+            <p:ph type="sldNum" sz="quarter" idx="2"/>
+          </p:nvPr>
+        </p:nvSpPr>
+        <p:spPr>
+          <a:xfrm>
+            <a:off x="23059652" y="609600"/>
+            <a:ext cx="553196" cy="635000"/>
+          </a:xfrm>
+          <a:prstGeom prst="rect">
+            <a:avLst/>
+          </a:prstGeom>
+        </p:spPr>
+        <p:txBody>
+          <a:bodyPr/>
+          <a:lstStyle/>
+          <a:p>
+            <a:pPr/>
+            <a:fld id="{86CB4B4D-7CA3-9044-876B-883B54F8677D}" type="slidenum"/>
+          </a:p>
+        </p:txBody>
+      </p:sp>
+    </p:spTree>
+  </p:cSld>
+  <p:clrMapOvr>
+    <a:masterClrMapping/>
+  </p:clrMapOvr>
+  <p:transition xmlns:p14="http://schemas.microsoft.com/office/powerpoint/2010/main" spd="med" advClick="1"/>
+</p:sldLayout>
+</file>
+
+<file path=ppt/slideLayouts/slideLayout7.xml><?xml version="1.0" encoding="utf-8"?>
+<p:sldLayout xmlns:a="http://schemas.openxmlformats.org/drawingml/2006/main" xmlns:r="http://schemas.openxmlformats.org/officeDocument/2006/relationships" xmlns:p="http://schemas.openxmlformats.org/presentationml/2006/main" xmlns:m="http://schemas.openxmlformats.org/officeDocument/2006/math" xmlns:a14="http://schemas.microsoft.com/office/drawing/2010/main" type="tx" showMasterSp="0" showMasterPhAnim="1">
+  <p:cSld name="Titre et puces">
+    <p:spTree>
+      <p:nvGrpSpPr>
+        <p:cNvPr id="1" name=""/>
+        <p:cNvGrpSpPr/>
+        <p:nvPr/>
+      </p:nvGrpSpPr>
+      <p:grpSpPr>
+        <a:xfrm>
+          <a:off x="0" y="0"/>
+          <a:ext cx="0" cy="0"/>
+          <a:chOff x="0" y="0"/>
+          <a:chExt cx="0" cy="0"/>
+        </a:xfrm>
+      </p:grpSpPr>
+      <p:sp>
+        <p:nvSpPr>
+          <p:cNvPr id="69" name="Ligne"/>
+          <p:cNvSpPr/>
+          <p:nvPr/>
+        </p:nvSpPr>
+        <p:spPr>
+          <a:xfrm flipV="1">
+            <a:off x="761999" y="1396631"/>
+            <a:ext cx="22860000" cy="370"/>
+          </a:xfrm>
+          <a:prstGeom prst="line">
+            <a:avLst/>
+          </a:prstGeom>
+          <a:ln w="25400">
+            <a:solidFill>
+              <a:srgbClr val="A6AAA9"/>
+            </a:solidFill>
+            <a:miter lim="400000"/>
+          </a:ln>
+        </p:spPr>
+        <p:txBody>
+          <a:bodyPr lIns="45718" tIns="45718" rIns="45718" bIns="45718"/>
+          <a:lstStyle/>
+          <a:p>
+            <a:pPr>
+              <a:defRPr>
+                <a:solidFill>
+                  <a:srgbClr val="838787"/>
+                </a:solidFill>
+              </a:defRPr>
+            </a:pPr>
+          </a:p>
+        </p:txBody>
+      </p:sp>
+      <p:sp>
+        <p:nvSpPr>
+          <p:cNvPr id="70" name="Texte niveau 1…"/>
+          <p:cNvSpPr txBox="1"/>
+          <p:nvPr>
+            <p:ph type="body" sz="quarter" idx="1"/>
+          </p:nvPr>
+        </p:nvSpPr>
+        <p:spPr>
+          <a:xfrm>
+            <a:off x="762000" y="635000"/>
+            <a:ext cx="20955000" cy="635000"/>
+          </a:xfrm>
+          <a:prstGeom prst="rect">
+            <a:avLst/>
+          </a:prstGeom>
+        </p:spPr>
+        <p:txBody>
+          <a:bodyPr/>
+          <a:lstStyle>
+            <a:lvl1pPr defTabSz="647700">
+              <a:spcBef>
+                <a:spcPts val="0"/>
+              </a:spcBef>
+              <a:defRPr spc="180" sz="3600">
+                <a:solidFill>
+                  <a:srgbClr val="838787"/>
+                </a:solidFill>
+              </a:defRPr>
+            </a:lvl1pPr>
+            <a:lvl2pPr marL="1111250" indent="-476250" defTabSz="647700">
+              <a:spcBef>
+                <a:spcPts val="0"/>
+              </a:spcBef>
+              <a:buSzPct val="104999"/>
+              <a:buChar char="‣"/>
+              <a:defRPr spc="180" sz="3600">
+                <a:solidFill>
+                  <a:srgbClr val="838787"/>
+                </a:solidFill>
+              </a:defRPr>
+            </a:lvl2pPr>
+            <a:lvl3pPr marL="1746250" indent="-476250" defTabSz="647700">
+              <a:spcBef>
+                <a:spcPts val="0"/>
+              </a:spcBef>
+              <a:buSzPct val="104999"/>
+              <a:buChar char="‣"/>
+              <a:defRPr spc="180" sz="3600">
+                <a:solidFill>
+                  <a:srgbClr val="838787"/>
+                </a:solidFill>
+              </a:defRPr>
+            </a:lvl3pPr>
+            <a:lvl4pPr marL="2381250" indent="-476250" defTabSz="647700">
+              <a:spcBef>
+                <a:spcPts val="0"/>
+              </a:spcBef>
+              <a:buSzPct val="104999"/>
+              <a:buChar char="‣"/>
+              <a:defRPr spc="180" sz="3600">
+                <a:solidFill>
+                  <a:srgbClr val="838787"/>
+                </a:solidFill>
+              </a:defRPr>
+            </a:lvl4pPr>
+            <a:lvl5pPr marL="3016250" indent="-476250" defTabSz="647700">
+              <a:spcBef>
+                <a:spcPts val="0"/>
+              </a:spcBef>
+              <a:buSzPct val="104999"/>
+              <a:buChar char="‣"/>
+              <a:defRPr spc="180" sz="3600">
+                <a:solidFill>
+                  <a:srgbClr val="838787"/>
+                </a:solidFill>
+              </a:defRPr>
+            </a:lvl5pPr>
+          </a:lstStyle>
+          <a:p>
+            <a:pPr/>
+            <a:r>
+              <a:t>Texte niveau 1</a:t>
+            </a:r>
+          </a:p>
+          <a:p>
+            <a:pPr lvl="1"/>
+            <a:r>
+              <a:t>Texte niveau 2</a:t>
+            </a:r>
+          </a:p>
+          <a:p>
+            <a:pPr lvl="2"/>
+            <a:r>
+              <a:t>Texte niveau 3</a:t>
+            </a:r>
+          </a:p>
+          <a:p>
+            <a:pPr lvl="3"/>
+            <a:r>
+              <a:t>Texte niveau 4</a:t>
+            </a:r>
+          </a:p>
+          <a:p>
+            <a:pPr lvl="4"/>
+            <a:r>
+              <a:t>Texte niveau 5</a:t>
+            </a:r>
+          </a:p>
+        </p:txBody>
+      </p:sp>
+      <p:sp>
+        <p:nvSpPr>
+          <p:cNvPr id="71" name="Texte du titre"/>
+          <p:cNvSpPr txBox="1"/>
+          <p:nvPr>
+            <p:ph type="title"/>
+          </p:nvPr>
+        </p:nvSpPr>
+        <p:spPr>
+          <a:xfrm>
+            <a:off x="762000" y="2159000"/>
+            <a:ext cx="22860000" cy="1016000"/>
+          </a:xfrm>
+          <a:prstGeom prst="rect">
+            <a:avLst/>
+          </a:prstGeom>
+        </p:spPr>
+        <p:txBody>
+          <a:bodyPr/>
+          <a:lstStyle>
+            <a:lvl1pPr>
+              <a:spcBef>
+                <a:spcPts val="3900"/>
+              </a:spcBef>
+              <a:defRPr sz="8700"/>
+            </a:lvl1pPr>
+          </a:lstStyle>
+          <a:p>
+            <a:pPr/>
+            <a:r>
+              <a:t>Texte du titre</a:t>
+            </a:r>
+          </a:p>
+        </p:txBody>
+      </p:sp>
+      <p:sp>
+        <p:nvSpPr>
+          <p:cNvPr id="72" name="Texte niveau 1…"/>
+          <p:cNvSpPr txBox="1"/>
+          <p:nvPr>
+            <p:ph type="body" idx="21"/>
+          </p:nvPr>
+        </p:nvSpPr>
+        <p:spPr>
+          <a:xfrm>
+            <a:off x="762000" y="3860800"/>
+            <a:ext cx="22860000" cy="8585200"/>
+          </a:xfrm>
+          <a:prstGeom prst="rect">
+            <a:avLst/>
+          </a:prstGeom>
+        </p:spPr>
+        <p:txBody>
+          <a:bodyPr anchor="t"/>
+          <a:lstStyle/>
+          <a:p>
+            <a:pPr marL="635000" indent="-635000">
+              <a:lnSpc>
+                <a:spcPct val="100000"/>
+              </a:lnSpc>
+              <a:spcBef>
+                <a:spcPts val="3900"/>
+              </a:spcBef>
+              <a:buClr>
+                <a:schemeClr val="accent1"/>
+              </a:buClr>
+              <a:buSzPct val="104999"/>
+              <a:buFont typeface="Avenir Next Regular"/>
+              <a:buChar char="▸"/>
+              <a:defRPr cap="none" sz="4800">
+                <a:solidFill>
+                  <a:srgbClr val="838787"/>
+                </a:solidFill>
+                <a:latin typeface="Avenir Next Medium"/>
+                <a:ea typeface="Avenir Next Medium"/>
+                <a:cs typeface="Avenir Next Medium"/>
+                <a:sym typeface="Avenir Next Medium"/>
+              </a:defRPr>
+            </a:pPr>
+          </a:p>
+        </p:txBody>
+      </p:sp>
+      <p:sp>
+        <p:nvSpPr>
+          <p:cNvPr id="73" name="Numéro de diapositive"/>
+          <p:cNvSpPr txBox="1"/>
+          <p:nvPr>
+            <p:ph type="sldNum" sz="quarter" idx="2"/>
+          </p:nvPr>
+        </p:nvSpPr>
+        <p:spPr>
+          <a:xfrm>
+            <a:off x="23059652" y="609600"/>
+            <a:ext cx="553196" cy="635000"/>
+          </a:xfrm>
+          <a:prstGeom prst="rect">
+            <a:avLst/>
+          </a:prstGeom>
+        </p:spPr>
+        <p:txBody>
+          <a:bodyPr/>
+          <a:lstStyle/>
+          <a:p>
+            <a:pPr/>
+            <a:fld id="{86CB4B4D-7CA3-9044-876B-883B54F8677D}" type="slidenum"/>
+          </a:p>
+        </p:txBody>
+      </p:sp>
+    </p:spTree>
+  </p:cSld>
+  <p:clrMapOvr>
+    <a:masterClrMapping/>
+  </p:clrMapOvr>
+  <p:transition xmlns:p14="http://schemas.microsoft.com/office/powerpoint/2010/main" spd="med" advClick="1"/>
+</p:sldLayout>
+</file>
+
+<file path=ppt/slideLayouts/slideLayout8.xml><?xml version="1.0" encoding="utf-8"?>
+<p:sldLayout xmlns:a="http://schemas.openxmlformats.org/drawingml/2006/main" xmlns:r="http://schemas.openxmlformats.org/officeDocument/2006/relationships" xmlns:p="http://schemas.openxmlformats.org/presentationml/2006/main" xmlns:m="http://schemas.openxmlformats.org/officeDocument/2006/math" xmlns:a14="http://schemas.microsoft.com/office/drawing/2010/main" type="tx" showMasterSp="0" showMasterPhAnim="1">
+  <p:cSld name="Titre et puces - Autre">
+    <p:bg>
+      <p:bgPr>
+        <a:solidFill>
+          <a:srgbClr val="FFFFFF"/>
+        </a:solidFill>
+      </p:bgPr>
+    </p:bg>
+    <p:spTree>
+      <p:nvGrpSpPr>
+        <p:cNvPr id="1" name=""/>
+        <p:cNvGrpSpPr/>
+        <p:nvPr/>
+      </p:nvGrpSpPr>
+      <p:grpSpPr>
+        <a:xfrm>
+          <a:off x="0" y="0"/>
+          <a:ext cx="0" cy="0"/>
+          <a:chOff x="0" y="0"/>
+          <a:chExt cx="0" cy="0"/>
+        </a:xfrm>
+      </p:grpSpPr>
+      <p:sp>
+        <p:nvSpPr>
+          <p:cNvPr id="80" name="Ligne"/>
+          <p:cNvSpPr/>
+          <p:nvPr/>
+        </p:nvSpPr>
+        <p:spPr>
+          <a:xfrm flipV="1">
+            <a:off x="761999" y="1396631"/>
+            <a:ext cx="22860000" cy="370"/>
+          </a:xfrm>
+          <a:prstGeom prst="line">
+            <a:avLst/>
+          </a:prstGeom>
+          <a:ln w="25400">
+            <a:solidFill>
+              <a:srgbClr val="A6AAA9"/>
+            </a:solidFill>
+            <a:miter lim="400000"/>
+          </a:ln>
+        </p:spPr>
+        <p:txBody>
+          <a:bodyPr lIns="45718" tIns="45718" rIns="45718" bIns="45718"/>
+          <a:lstStyle/>
+          <a:p>
+            <a:pPr>
+              <a:defRPr>
+                <a:solidFill>
+                  <a:srgbClr val="838787"/>
+                </a:solidFill>
+              </a:defRPr>
+            </a:pPr>
+          </a:p>
+        </p:txBody>
+      </p:sp>
+      <p:sp>
+        <p:nvSpPr>
+          <p:cNvPr id="81" name="Texte niveau 1…"/>
+          <p:cNvSpPr txBox="1"/>
+          <p:nvPr>
+            <p:ph type="body" sz="quarter" idx="1"/>
+          </p:nvPr>
+        </p:nvSpPr>
+        <p:spPr>
+          <a:xfrm>
+            <a:off x="762000" y="635000"/>
+            <a:ext cx="20955000" cy="635000"/>
+          </a:xfrm>
+          <a:prstGeom prst="rect">
+            <a:avLst/>
+          </a:prstGeom>
+        </p:spPr>
+        <p:txBody>
+          <a:bodyPr/>
+          <a:lstStyle>
+            <a:lvl1pPr defTabSz="647700">
+              <a:spcBef>
+                <a:spcPts val="0"/>
+              </a:spcBef>
+              <a:defRPr spc="180" sz="3600">
+                <a:solidFill>
+                  <a:srgbClr val="838787"/>
+                </a:solidFill>
+              </a:defRPr>
+            </a:lvl1pPr>
+            <a:lvl2pPr marL="1111250" indent="-476250" defTabSz="647700">
+              <a:spcBef>
+                <a:spcPts val="0"/>
+              </a:spcBef>
+              <a:buSzPct val="104999"/>
+              <a:buChar char="‣"/>
+              <a:defRPr spc="180" sz="3600">
+                <a:solidFill>
+                  <a:srgbClr val="838787"/>
+                </a:solidFill>
+              </a:defRPr>
+            </a:lvl2pPr>
+            <a:lvl3pPr marL="1746250" indent="-476250" defTabSz="647700">
+              <a:spcBef>
+                <a:spcPts val="0"/>
+              </a:spcBef>
+              <a:buSzPct val="104999"/>
+              <a:buChar char="‣"/>
+              <a:defRPr spc="180" sz="3600">
+                <a:solidFill>
+                  <a:srgbClr val="838787"/>
+                </a:solidFill>
+              </a:defRPr>
+            </a:lvl3pPr>
+            <a:lvl4pPr marL="2381250" indent="-476250" defTabSz="647700">
+              <a:spcBef>
+                <a:spcPts val="0"/>
+              </a:spcBef>
+              <a:buSzPct val="104999"/>
+              <a:buChar char="‣"/>
+              <a:defRPr spc="180" sz="3600">
+                <a:solidFill>
+                  <a:srgbClr val="838787"/>
+                </a:solidFill>
+              </a:defRPr>
+            </a:lvl4pPr>
+            <a:lvl5pPr marL="3016250" indent="-476250" defTabSz="647700">
+              <a:spcBef>
+                <a:spcPts val="0"/>
+              </a:spcBef>
+              <a:buSzPct val="104999"/>
+              <a:buChar char="‣"/>
+              <a:defRPr spc="180" sz="3600">
+                <a:solidFill>
+                  <a:srgbClr val="838787"/>
+                </a:solidFill>
+              </a:defRPr>
+            </a:lvl5pPr>
+          </a:lstStyle>
+          <a:p>
+            <a:pPr/>
+            <a:r>
+              <a:t>Texte niveau 1</a:t>
+            </a:r>
+          </a:p>
+          <a:p>
+            <a:pPr lvl="1"/>
+            <a:r>
+              <a:t>Texte niveau 2</a:t>
+            </a:r>
+          </a:p>
+          <a:p>
+            <a:pPr lvl="2"/>
+            <a:r>
+              <a:t>Texte niveau 3</a:t>
+            </a:r>
+          </a:p>
+          <a:p>
+            <a:pPr lvl="3"/>
+            <a:r>
+              <a:t>Texte niveau 4</a:t>
+            </a:r>
+          </a:p>
+          <a:p>
+            <a:pPr lvl="4"/>
+            <a:r>
+              <a:t>Texte niveau 5</a:t>
+            </a:r>
+          </a:p>
+        </p:txBody>
+      </p:sp>
+      <p:sp>
+        <p:nvSpPr>
+          <p:cNvPr id="82" name="Texte du titre"/>
+          <p:cNvSpPr txBox="1"/>
+          <p:nvPr>
+            <p:ph type="title"/>
+          </p:nvPr>
+        </p:nvSpPr>
+        <p:spPr>
+          <a:xfrm>
+            <a:off x="762000" y="2159000"/>
+            <a:ext cx="22860000" cy="1016000"/>
+          </a:xfrm>
+          <a:prstGeom prst="rect">
+            <a:avLst/>
+          </a:prstGeom>
+        </p:spPr>
+        <p:txBody>
+          <a:bodyPr/>
+          <a:lstStyle>
+            <a:lvl1pPr>
+              <a:spcBef>
+                <a:spcPts val="3900"/>
+              </a:spcBef>
+              <a:defRPr sz="8700"/>
+            </a:lvl1pPr>
+          </a:lstStyle>
+          <a:p>
+            <a:pPr/>
+            <a:r>
+              <a:t>Texte du titre</a:t>
+            </a:r>
+          </a:p>
+        </p:txBody>
+      </p:sp>
+      <p:sp>
+        <p:nvSpPr>
+          <p:cNvPr id="83" name="Texte niveau 1…"/>
+          <p:cNvSpPr txBox="1"/>
+          <p:nvPr>
+            <p:ph type="body" idx="21"/>
+          </p:nvPr>
+        </p:nvSpPr>
+        <p:spPr>
+          <a:xfrm>
+            <a:off x="762000" y="3860800"/>
+            <a:ext cx="22860000" cy="8585200"/>
+          </a:xfrm>
+          <a:prstGeom prst="rect">
+            <a:avLst/>
+          </a:prstGeom>
+        </p:spPr>
+        <p:txBody>
+          <a:bodyPr anchor="t"/>
+          <a:lstStyle/>
+          <a:p>
+            <a:pPr marL="635000" indent="-635000">
+              <a:lnSpc>
+                <a:spcPct val="100000"/>
+              </a:lnSpc>
+              <a:spcBef>
+                <a:spcPts val="3900"/>
+              </a:spcBef>
+              <a:buClr>
+                <a:schemeClr val="accent1"/>
+              </a:buClr>
+              <a:buSzPct val="104999"/>
+              <a:buFont typeface="Avenir Next Regular"/>
+              <a:buChar char="▸"/>
+              <a:defRPr cap="none" sz="4800">
+                <a:solidFill>
+                  <a:srgbClr val="838787"/>
+                </a:solidFill>
+                <a:latin typeface="Avenir Next Medium"/>
+                <a:ea typeface="Avenir Next Medium"/>
+                <a:cs typeface="Avenir Next Medium"/>
+                <a:sym typeface="Avenir Next Medium"/>
+              </a:defRPr>
+            </a:pPr>
+          </a:p>
+        </p:txBody>
+      </p:sp>
+      <p:sp>
+        <p:nvSpPr>
+          <p:cNvPr id="84" name="Numéro de diapositive"/>
+          <p:cNvSpPr txBox="1"/>
+          <p:nvPr>
+            <p:ph type="sldNum" sz="quarter" idx="2"/>
+          </p:nvPr>
+        </p:nvSpPr>
+        <p:spPr>
+          <a:xfrm>
+            <a:off x="23059652" y="609600"/>
+            <a:ext cx="553196" cy="635000"/>
+          </a:xfrm>
+          <a:prstGeom prst="rect">
+            <a:avLst/>
+          </a:prstGeom>
+        </p:spPr>
+        <p:txBody>
+          <a:bodyPr/>
+          <a:lstStyle/>
+          <a:p>
+            <a:pPr/>
+            <a:fld id="{86CB4B4D-7CA3-9044-876B-883B54F8677D}" type="slidenum"/>
+          </a:p>
+        </p:txBody>
+      </p:sp>
+    </p:spTree>
+  </p:cSld>
+  <p:clrMapOvr>
+    <a:masterClrMapping/>
+  </p:clrMapOvr>
+  <p:transition xmlns:p14="http://schemas.microsoft.com/office/powerpoint/2010/main" spd="med" advClick="1"/>
+</p:sldLayout>
+</file>
+
+<file path=ppt/slideLayouts/slideLayout9.xml><?xml version="1.0" encoding="utf-8"?>
+<p:sldLayout xmlns:a="http://schemas.openxmlformats.org/drawingml/2006/main" xmlns:r="http://schemas.openxmlformats.org/officeDocument/2006/relationships" xmlns:p="http://schemas.openxmlformats.org/presentationml/2006/main" xmlns:m="http://schemas.openxmlformats.org/officeDocument/2006/math" xmlns:a14="http://schemas.microsoft.com/office/drawing/2010/main" type="tx" showMasterSp="0" showMasterPhAnim="1">
+  <p:cSld name="Titre, puces et photo">
+    <p:spTree>
+      <p:nvGrpSpPr>
+        <p:cNvPr id="1" name=""/>
+        <p:cNvGrpSpPr/>
+        <p:nvPr/>
+      </p:nvGrpSpPr>
+      <p:grpSpPr>
+        <a:xfrm>
+          <a:off x="0" y="0"/>
+          <a:ext cx="0" cy="0"/>
+          <a:chOff x="0" y="0"/>
+          <a:chExt cx="0" cy="0"/>
+        </a:xfrm>
+      </p:grpSpPr>
+      <p:sp>
+        <p:nvSpPr>
+          <p:cNvPr id="91" name="Ligne"/>
+          <p:cNvSpPr/>
+          <p:nvPr/>
+        </p:nvSpPr>
+        <p:spPr>
+          <a:xfrm flipV="1">
+            <a:off x="761999" y="1396631"/>
+            <a:ext cx="22860000" cy="370"/>
+          </a:xfrm>
+          <a:prstGeom prst="line">
+            <a:avLst/>
+          </a:prstGeom>
+          <a:ln w="25400">
+            <a:solidFill>
+              <a:srgbClr val="A6AAA9"/>
+            </a:solidFill>
+            <a:miter lim="400000"/>
+          </a:ln>
+        </p:spPr>
+        <p:txBody>
+          <a:bodyPr lIns="45718" tIns="45718" rIns="45718" bIns="45718"/>
+          <a:lstStyle/>
+          <a:p>
+            <a:pPr>
+              <a:defRPr>
+                <a:solidFill>
+                  <a:srgbClr val="838787"/>
+                </a:solidFill>
+              </a:defRPr>
+            </a:pPr>
+          </a:p>
+        </p:txBody>
+      </p:sp>
+      <p:sp>
+        <p:nvSpPr>
+          <p:cNvPr id="92" name="Texte niveau 1…"/>
+          <p:cNvSpPr txBox="1"/>
+          <p:nvPr>
+            <p:ph type="body" sz="quarter" idx="1"/>
+          </p:nvPr>
+        </p:nvSpPr>
+        <p:spPr>
+          <a:xfrm>
+            <a:off x="762000" y="635000"/>
+            <a:ext cx="20955000" cy="635000"/>
+          </a:xfrm>
+          <a:prstGeom prst="rect">
+            <a:avLst/>
+          </a:prstGeom>
+        </p:spPr>
+        <p:txBody>
+          <a:bodyPr/>
+          <a:lstStyle>
+            <a:lvl1pPr defTabSz="647700">
+              <a:spcBef>
+                <a:spcPts val="0"/>
+              </a:spcBef>
+              <a:defRPr spc="180" sz="3600">
+                <a:solidFill>
+                  <a:srgbClr val="838787"/>
+                </a:solidFill>
+              </a:defRPr>
+            </a:lvl1pPr>
+            <a:lvl2pPr marL="1111250" indent="-476250" defTabSz="647700">
+              <a:spcBef>
+                <a:spcPts val="0"/>
+              </a:spcBef>
+              <a:buSzPct val="104999"/>
+              <a:buChar char="‣"/>
+              <a:defRPr spc="180" sz="3600">
+                <a:solidFill>
+                  <a:srgbClr val="838787"/>
+                </a:solidFill>
+              </a:defRPr>
+            </a:lvl2pPr>
+            <a:lvl3pPr marL="1746250" indent="-476250" defTabSz="647700">
+              <a:spcBef>
+                <a:spcPts val="0"/>
+              </a:spcBef>
+              <a:buSzPct val="104999"/>
+              <a:buChar char="‣"/>
+              <a:defRPr spc="180" sz="3600">
+                <a:solidFill>
+                  <a:srgbClr val="838787"/>
+                </a:solidFill>
+              </a:defRPr>
+            </a:lvl3pPr>
+            <a:lvl4pPr marL="2381250" indent="-476250" defTabSz="647700">
+              <a:spcBef>
+                <a:spcPts val="0"/>
+              </a:spcBef>
+              <a:buSzPct val="104999"/>
+              <a:buChar char="‣"/>
+              <a:defRPr spc="180" sz="3600">
+                <a:solidFill>
+                  <a:srgbClr val="838787"/>
+                </a:solidFill>
+              </a:defRPr>
+            </a:lvl4pPr>
+            <a:lvl5pPr marL="3016250" indent="-476250" defTabSz="647700">
+              <a:spcBef>
+                <a:spcPts val="0"/>
+              </a:spcBef>
+              <a:buSzPct val="104999"/>
+              <a:buChar char="‣"/>
+              <a:defRPr spc="180" sz="3600">
+                <a:solidFill>
+                  <a:srgbClr val="838787"/>
+                </a:solidFill>
+              </a:defRPr>
+            </a:lvl5pPr>
+          </a:lstStyle>
+          <a:p>
+            <a:pPr/>
+            <a:r>
+              <a:t>Texte niveau 1</a:t>
+            </a:r>
+          </a:p>
+          <a:p>
+            <a:pPr lvl="1"/>
+            <a:r>
+              <a:t>Texte niveau 2</a:t>
+            </a:r>
+          </a:p>
+          <a:p>
+            <a:pPr lvl="2"/>
+            <a:r>
+              <a:t>Texte niveau 3</a:t>
+            </a:r>
+          </a:p>
+          <a:p>
+            <a:pPr lvl="3"/>
+            <a:r>
+              <a:t>Texte niveau 4</a:t>
+            </a:r>
+          </a:p>
+          <a:p>
+            <a:pPr lvl="4"/>
+            <a:r>
+              <a:t>Texte niveau 5</a:t>
+            </a:r>
+          </a:p>
+        </p:txBody>
+      </p:sp>
+      <p:sp>
+        <p:nvSpPr>
+          <p:cNvPr id="93" name="Photo en noir et blanc de moulins sous un ciel nuageux"/>
+          <p:cNvSpPr/>
+          <p:nvPr>
+            <p:ph type="pic" idx="21"/>
+          </p:nvPr>
+        </p:nvSpPr>
+        <p:spPr>
+          <a:xfrm>
+            <a:off x="13258800" y="0"/>
+            <a:ext cx="12428272" cy="13716000"/>
+          </a:xfrm>
+          <a:prstGeom prst="rect">
+            <a:avLst/>
+          </a:prstGeom>
+        </p:spPr>
+        <p:txBody>
+          <a:bodyPr lIns="91439" tIns="45719" rIns="91439" bIns="45719" anchor="t">
+            <a:noAutofit/>
+          </a:bodyPr>
+          <a:lstStyle/>
+          <a:p>
+            <a:pPr/>
+          </a:p>
+        </p:txBody>
+      </p:sp>
+      <p:sp>
+        <p:nvSpPr>
+          <p:cNvPr id="94" name="Texte du titre"/>
+          <p:cNvSpPr txBox="1"/>
+          <p:nvPr>
+            <p:ph type="title"/>
+          </p:nvPr>
+        </p:nvSpPr>
+        <p:spPr>
+          <a:xfrm>
+            <a:off x="762000" y="2159000"/>
+            <a:ext cx="11811000" cy="1016000"/>
+          </a:xfrm>
+          <a:prstGeom prst="rect">
+            <a:avLst/>
+          </a:prstGeom>
+        </p:spPr>
+        <p:txBody>
+          <a:bodyPr/>
+          <a:lstStyle>
+            <a:lvl1pPr>
+              <a:spcBef>
+                <a:spcPts val="3900"/>
+              </a:spcBef>
+              <a:defRPr sz="8700"/>
+            </a:lvl1pPr>
+          </a:lstStyle>
+          <a:p>
+            <a:pPr/>
+            <a:r>
+              <a:t>Texte du titre</a:t>
+            </a:r>
+          </a:p>
+        </p:txBody>
+      </p:sp>
+      <p:sp>
+        <p:nvSpPr>
+          <p:cNvPr id="95" name="Texte niveau 1…"/>
+          <p:cNvSpPr txBox="1"/>
+          <p:nvPr>
+            <p:ph type="body" sz="half" idx="22"/>
+          </p:nvPr>
+        </p:nvSpPr>
+        <p:spPr>
+          <a:xfrm>
+            <a:off x="762000" y="3860800"/>
+            <a:ext cx="11811000" cy="8585200"/>
+          </a:xfrm>
+          <a:prstGeom prst="rect">
+            <a:avLst/>
+          </a:prstGeom>
+        </p:spPr>
+        <p:txBody>
+          <a:bodyPr anchor="t"/>
+          <a:lstStyle/>
+          <a:p>
+            <a:pPr marL="635000" indent="-635000">
+              <a:lnSpc>
+                <a:spcPct val="100000"/>
+              </a:lnSpc>
+              <a:spcBef>
+                <a:spcPts val="3900"/>
+              </a:spcBef>
+              <a:buClr>
+                <a:schemeClr val="accent1"/>
+              </a:buClr>
+              <a:buSzPct val="104999"/>
+              <a:buFont typeface="Avenir Next Regular"/>
+              <a:buChar char="▸"/>
+              <a:defRPr cap="none" sz="4000">
+                <a:solidFill>
+                  <a:srgbClr val="838787"/>
+                </a:solidFill>
+                <a:latin typeface="Avenir Next Medium"/>
+                <a:ea typeface="Avenir Next Medium"/>
+                <a:cs typeface="Avenir Next Medium"/>
+                <a:sym typeface="Avenir Next Medium"/>
+              </a:defRPr>
+            </a:pPr>
+          </a:p>
+        </p:txBody>
+      </p:sp>
+      <p:sp>
+        <p:nvSpPr>
+          <p:cNvPr id="96" name="Numéro de diapositive"/>
+          <p:cNvSpPr txBox="1"/>
+          <p:nvPr>
+            <p:ph type="sldNum" sz="quarter" idx="2"/>
+          </p:nvPr>
+        </p:nvSpPr>
+        <p:spPr>
+          <a:xfrm>
+            <a:off x="23059652" y="609600"/>
+            <a:ext cx="553196" cy="635000"/>
+          </a:xfrm>
+          <a:prstGeom prst="rect">
+            <a:avLst/>
+          </a:prstGeom>
+        </p:spPr>
+        <p:txBody>
+          <a:bodyPr/>
+          <a:lstStyle/>
+          <a:p>
+            <a:pPr/>
+            <a:fld id="{86CB4B4D-7CA3-9044-876B-883B54F8677D}" type="slidenum"/>
+          </a:p>
+        </p:txBody>
+      </p:sp>
+    </p:spTree>
+  </p:cSld>
+  <p:clrMapOvr>
+    <a:masterClrMapping/>
+  </p:clrMapOvr>
+  <p:transition xmlns:p14="http://schemas.microsoft.com/office/powerpoint/2010/main" spd="med" advClick="1"/>
+</p:sldLayout>
+</file>
+
+<file path=ppt/slideMasters/slideMaster1.xml><?xml version="1.0" encoding="utf-8"?>
+<p:sldMaster xmlns:a="http://schemas.openxmlformats.org/drawingml/2006/main" xmlns:r="http://schemas.openxmlformats.org/officeDocument/2006/relationships" xmlns:p="http://schemas.openxmlformats.org/presentationml/2006/main" xmlns:m="http://schemas.openxmlformats.org/officeDocument/2006/math" xmlns:a14="http://schemas.microsoft.com/office/drawing/2010/main">
+  <p:cSld>
     <p:bg>
       <p:bgPr>
         <a:solidFill>
@@ -1637,226 +3533,14 @@
       </p:grpSpPr>
       <p:sp>
         <p:nvSpPr>
-          <p:cNvPr id="142" name="Photo aérienne en noir et blanc d’une personne se tenant en haut d’un barrage"/>
-          <p:cNvSpPr/>
-          <p:nvPr>
-            <p:ph type="pic" idx="21"/>
-          </p:nvPr>
-        </p:nvSpPr>
-        <p:spPr>
-          <a:xfrm>
-            <a:off x="-38100" y="-1219200"/>
-            <a:ext cx="24460200" cy="16145934"/>
-          </a:xfrm>
-          <a:prstGeom prst="rect">
-            <a:avLst/>
-          </a:prstGeom>
-        </p:spPr>
-        <p:txBody>
-          <a:bodyPr lIns="91439" tIns="45719" rIns="91439" bIns="45719">
-            <a:noAutofit/>
-          </a:bodyPr>
-          <a:lstStyle/>
-          <a:p>
-            <a:pPr/>
-          </a:p>
-        </p:txBody>
-      </p:sp>
-      <p:sp>
-        <p:nvSpPr>
-          <p:cNvPr id="143" name="Numéro de diapositive"/>
-          <p:cNvSpPr txBox="1"/>
-          <p:nvPr>
-            <p:ph type="sldNum" sz="quarter" idx="2"/>
-          </p:nvPr>
-        </p:nvSpPr>
-        <p:spPr>
-          <a:prstGeom prst="rect">
-            <a:avLst/>
-          </a:prstGeom>
-        </p:spPr>
-        <p:txBody>
-          <a:bodyPr/>
-          <a:lstStyle/>
-          <a:p>
-            <a:pPr/>
-            <a:fld id="{86CB4B4D-7CA3-9044-876B-883B54F8677D}" type="slidenum"/>
-          </a:p>
-        </p:txBody>
-      </p:sp>
-    </p:spTree>
-  </p:cSld>
-  <p:clrMapOvr>
-    <a:masterClrMapping/>
-  </p:clrMapOvr>
-  <p:transition xmlns:p14="http://schemas.microsoft.com/office/powerpoint/2010/main" spd="med" advClick="1"/>
-</p:sldLayout>
-</file>
-
-<file path=ppt/slideLayouts/slideLayout15.xml><?xml version="1.0" encoding="utf-8"?>
-<p:sldLayout xmlns:a="http://schemas.openxmlformats.org/drawingml/2006/main" xmlns:r="http://schemas.openxmlformats.org/officeDocument/2006/relationships" xmlns:p="http://schemas.openxmlformats.org/presentationml/2006/main" xmlns:m="http://schemas.openxmlformats.org/officeDocument/2006/math" xmlns:a14="http://schemas.microsoft.com/office/drawing/2010/main" type="tx" showMasterSp="0" showMasterPhAnim="1">
-  <p:cSld name="Vierge">
-    <p:bg>
-      <p:bgPr>
-        <a:solidFill>
-          <a:srgbClr val="222222"/>
-        </a:solidFill>
-      </p:bgPr>
-    </p:bg>
-    <p:spTree>
-      <p:nvGrpSpPr>
-        <p:cNvPr id="1" name=""/>
-        <p:cNvGrpSpPr/>
-        <p:nvPr/>
-      </p:nvGrpSpPr>
-      <p:grpSpPr>
-        <a:xfrm>
-          <a:off x="0" y="0"/>
-          <a:ext cx="0" cy="0"/>
-          <a:chOff x="0" y="0"/>
-          <a:chExt cx="0" cy="0"/>
-        </a:xfrm>
-      </p:grpSpPr>
-      <p:sp>
-        <p:nvSpPr>
-          <p:cNvPr id="150" name="Numéro de diapositive"/>
-          <p:cNvSpPr txBox="1"/>
-          <p:nvPr>
-            <p:ph type="sldNum" sz="quarter" idx="2"/>
-          </p:nvPr>
-        </p:nvSpPr>
-        <p:spPr>
-          <a:prstGeom prst="rect">
-            <a:avLst/>
-          </a:prstGeom>
-        </p:spPr>
-        <p:txBody>
-          <a:bodyPr/>
-          <a:lstStyle/>
-          <a:p>
-            <a:pPr/>
-            <a:fld id="{86CB4B4D-7CA3-9044-876B-883B54F8677D}" type="slidenum"/>
-          </a:p>
-        </p:txBody>
-      </p:sp>
-    </p:spTree>
-  </p:cSld>
-  <p:clrMapOvr>
-    <a:masterClrMapping/>
-  </p:clrMapOvr>
-  <p:transition xmlns:p14="http://schemas.microsoft.com/office/powerpoint/2010/main" spd="med" advClick="1"/>
-</p:sldLayout>
-</file>
-
-<file path=ppt/slideLayouts/slideLayout16.xml><?xml version="1.0" encoding="utf-8"?>
-<p:sldLayout xmlns:a="http://schemas.openxmlformats.org/drawingml/2006/main" xmlns:r="http://schemas.openxmlformats.org/officeDocument/2006/relationships" xmlns:p="http://schemas.openxmlformats.org/presentationml/2006/main" xmlns:m="http://schemas.openxmlformats.org/officeDocument/2006/math" xmlns:a14="http://schemas.microsoft.com/office/drawing/2010/main" type="tx" showMasterSp="0" showMasterPhAnim="1">
-  <p:cSld name="Vierge - Autre">
-    <p:spTree>
-      <p:nvGrpSpPr>
-        <p:cNvPr id="1" name=""/>
-        <p:cNvGrpSpPr/>
-        <p:nvPr/>
-      </p:nvGrpSpPr>
-      <p:grpSpPr>
-        <a:xfrm>
-          <a:off x="0" y="0"/>
-          <a:ext cx="0" cy="0"/>
-          <a:chOff x="0" y="0"/>
-          <a:chExt cx="0" cy="0"/>
-        </a:xfrm>
-      </p:grpSpPr>
-      <p:sp>
-        <p:nvSpPr>
-          <p:cNvPr id="157" name="Numéro de diapositive"/>
-          <p:cNvSpPr txBox="1"/>
-          <p:nvPr>
-            <p:ph type="sldNum" sz="quarter" idx="2"/>
-          </p:nvPr>
-        </p:nvSpPr>
-        <p:spPr>
-          <a:prstGeom prst="rect">
-            <a:avLst/>
-          </a:prstGeom>
-        </p:spPr>
-        <p:txBody>
-          <a:bodyPr/>
-          <a:lstStyle/>
-          <a:p>
-            <a:pPr/>
-            <a:fld id="{86CB4B4D-7CA3-9044-876B-883B54F8677D}" type="slidenum"/>
-          </a:p>
-        </p:txBody>
-      </p:sp>
-    </p:spTree>
-  </p:cSld>
-  <p:clrMapOvr>
-    <a:masterClrMapping/>
-  </p:clrMapOvr>
-  <p:transition xmlns:p14="http://schemas.microsoft.com/office/powerpoint/2010/main" spd="med" advClick="1"/>
-</p:sldLayout>
-</file>
-
-<file path=ppt/slideLayouts/slideLayout2.xml><?xml version="1.0" encoding="utf-8"?>
-<p:sldLayout xmlns:a="http://schemas.openxmlformats.org/drawingml/2006/main" xmlns:r="http://schemas.openxmlformats.org/officeDocument/2006/relationships" xmlns:p="http://schemas.openxmlformats.org/presentationml/2006/main" xmlns:m="http://schemas.openxmlformats.org/officeDocument/2006/math" xmlns:a14="http://schemas.microsoft.com/office/drawing/2010/main" type="tx" showMasterSp="0" showMasterPhAnim="1">
-  <p:cSld name="Photo - Horizontale">
-    <p:bg>
-      <p:bgPr>
-        <a:solidFill>
-          <a:srgbClr val="222222"/>
-        </a:solidFill>
-      </p:bgPr>
-    </p:bg>
-    <p:spTree>
-      <p:nvGrpSpPr>
-        <p:cNvPr id="1" name=""/>
-        <p:cNvGrpSpPr/>
-        <p:nvPr/>
-      </p:nvGrpSpPr>
-      <p:grpSpPr>
-        <a:xfrm>
-          <a:off x="0" y="0"/>
-          <a:ext cx="0" cy="0"/>
-          <a:chOff x="0" y="0"/>
-          <a:chExt cx="0" cy="0"/>
-        </a:xfrm>
-      </p:grpSpPr>
-      <p:sp>
-        <p:nvSpPr>
-          <p:cNvPr id="22" name="Photo aérienne en noir et blanc d’une personne se tenant en haut d’un barrage"/>
-          <p:cNvSpPr/>
-          <p:nvPr>
-            <p:ph type="pic" idx="21"/>
-          </p:nvPr>
-        </p:nvSpPr>
-        <p:spPr>
-          <a:xfrm>
-            <a:off x="-38100" y="-1219200"/>
-            <a:ext cx="24460200" cy="16145934"/>
-          </a:xfrm>
-          <a:prstGeom prst="rect">
-            <a:avLst/>
-          </a:prstGeom>
-        </p:spPr>
-        <p:txBody>
-          <a:bodyPr lIns="91439" tIns="45719" rIns="91439" bIns="45719">
-            <a:noAutofit/>
-          </a:bodyPr>
-          <a:lstStyle/>
-          <a:p>
-            <a:pPr/>
-          </a:p>
-        </p:txBody>
-      </p:sp>
-      <p:sp>
-        <p:nvSpPr>
-          <p:cNvPr id="23" name="Ligne"/>
+          <p:cNvPr id="2" name="Ligne"/>
           <p:cNvSpPr/>
           <p:nvPr/>
         </p:nvSpPr>
         <p:spPr>
           <a:xfrm flipV="1">
-            <a:off x="762000" y="8635632"/>
-            <a:ext cx="22859999" cy="369"/>
+            <a:off x="761999" y="8635631"/>
+            <a:ext cx="22860000" cy="370"/>
           </a:xfrm>
           <a:prstGeom prst="line">
             <a:avLst/>
@@ -1869,1792 +3553,14 @@
           </a:ln>
         </p:spPr>
         <p:txBody>
-          <a:bodyPr lIns="50800" tIns="50800" rIns="50800" bIns="50800" anchor="ctr"/>
+          <a:bodyPr lIns="45718" tIns="45718" rIns="45718" bIns="45718"/>
           <a:lstStyle/>
           <a:p>
-            <a:pPr defTabSz="457200">
-              <a:spcBef>
-                <a:spcPts val="0"/>
-              </a:spcBef>
-              <a:defRPr sz="1200">
+            <a:pPr>
+              <a:defRPr>
                 <a:solidFill>
-                  <a:srgbClr val="000000"/>
+                  <a:srgbClr val="838787"/>
                 </a:solidFill>
-                <a:latin typeface="Helvetica"/>
-                <a:ea typeface="Helvetica"/>
-                <a:cs typeface="Helvetica"/>
-                <a:sym typeface="Helvetica"/>
-              </a:defRPr>
-            </a:pPr>
-          </a:p>
-        </p:txBody>
-      </p:sp>
-      <p:sp>
-        <p:nvSpPr>
-          <p:cNvPr id="24" name="Texte du titre"/>
-          <p:cNvSpPr txBox="1"/>
-          <p:nvPr>
-            <p:ph type="title"/>
-          </p:nvPr>
-        </p:nvSpPr>
-        <p:spPr>
-          <a:xfrm>
-            <a:off x="762000" y="9042400"/>
-            <a:ext cx="22860000" cy="3810000"/>
-          </a:xfrm>
-          <a:prstGeom prst="rect">
-            <a:avLst/>
-          </a:prstGeom>
-        </p:spPr>
-        <p:txBody>
-          <a:bodyPr/>
-          <a:lstStyle>
-            <a:lvl1pPr>
-              <a:spcBef>
-                <a:spcPts val="0"/>
-              </a:spcBef>
-              <a:defRPr sz="30300"/>
-            </a:lvl1pPr>
-          </a:lstStyle>
-          <a:p>
-            <a:pPr/>
-            <a:r>
-              <a:t>Texte du titre</a:t>
-            </a:r>
-          </a:p>
-        </p:txBody>
-      </p:sp>
-      <p:sp>
-        <p:nvSpPr>
-          <p:cNvPr id="25" name="Texte niveau 1…"/>
-          <p:cNvSpPr txBox="1"/>
-          <p:nvPr>
-            <p:ph type="body" sz="quarter" idx="1"/>
-          </p:nvPr>
-        </p:nvSpPr>
-        <p:spPr>
-          <a:xfrm>
-            <a:off x="762000" y="5994400"/>
-            <a:ext cx="22860000" cy="2540000"/>
-          </a:xfrm>
-          <a:prstGeom prst="rect">
-            <a:avLst/>
-          </a:prstGeom>
-        </p:spPr>
-        <p:txBody>
-          <a:bodyPr anchor="b"/>
-          <a:lstStyle>
-            <a:lvl1pPr marL="0" indent="0">
-              <a:lnSpc>
-                <a:spcPct val="80000"/>
-              </a:lnSpc>
-              <a:spcBef>
-                <a:spcPts val="3200"/>
-              </a:spcBef>
-              <a:buClrTx/>
-              <a:buSzTx/>
-              <a:buFontTx/>
-              <a:buNone/>
-              <a:defRPr cap="all" sz="7700">
-                <a:solidFill>
-                  <a:srgbClr val="A6AAA9"/>
-                </a:solidFill>
-                <a:latin typeface="DIN Alternate Bold"/>
-                <a:ea typeface="DIN Alternate Bold"/>
-                <a:cs typeface="DIN Alternate Bold"/>
-                <a:sym typeface="DIN Alternate Bold"/>
-              </a:defRPr>
-            </a:lvl1pPr>
-            <a:lvl2pPr marL="0" indent="0">
-              <a:lnSpc>
-                <a:spcPct val="80000"/>
-              </a:lnSpc>
-              <a:spcBef>
-                <a:spcPts val="3200"/>
-              </a:spcBef>
-              <a:buClrTx/>
-              <a:buSzTx/>
-              <a:buFontTx/>
-              <a:buNone/>
-              <a:defRPr cap="all" sz="7700">
-                <a:solidFill>
-                  <a:srgbClr val="A6AAA9"/>
-                </a:solidFill>
-                <a:latin typeface="DIN Alternate Bold"/>
-                <a:ea typeface="DIN Alternate Bold"/>
-                <a:cs typeface="DIN Alternate Bold"/>
-                <a:sym typeface="DIN Alternate Bold"/>
-              </a:defRPr>
-            </a:lvl2pPr>
-            <a:lvl3pPr marL="0" indent="0">
-              <a:lnSpc>
-                <a:spcPct val="80000"/>
-              </a:lnSpc>
-              <a:spcBef>
-                <a:spcPts val="3200"/>
-              </a:spcBef>
-              <a:buClrTx/>
-              <a:buSzTx/>
-              <a:buFontTx/>
-              <a:buNone/>
-              <a:defRPr cap="all" sz="7700">
-                <a:solidFill>
-                  <a:srgbClr val="A6AAA9"/>
-                </a:solidFill>
-                <a:latin typeface="DIN Alternate Bold"/>
-                <a:ea typeface="DIN Alternate Bold"/>
-                <a:cs typeface="DIN Alternate Bold"/>
-                <a:sym typeface="DIN Alternate Bold"/>
-              </a:defRPr>
-            </a:lvl3pPr>
-            <a:lvl4pPr marL="0" indent="0">
-              <a:lnSpc>
-                <a:spcPct val="80000"/>
-              </a:lnSpc>
-              <a:spcBef>
-                <a:spcPts val="3200"/>
-              </a:spcBef>
-              <a:buClrTx/>
-              <a:buSzTx/>
-              <a:buFontTx/>
-              <a:buNone/>
-              <a:defRPr cap="all" sz="7700">
-                <a:solidFill>
-                  <a:srgbClr val="A6AAA9"/>
-                </a:solidFill>
-                <a:latin typeface="DIN Alternate Bold"/>
-                <a:ea typeface="DIN Alternate Bold"/>
-                <a:cs typeface="DIN Alternate Bold"/>
-                <a:sym typeface="DIN Alternate Bold"/>
-              </a:defRPr>
-            </a:lvl4pPr>
-            <a:lvl5pPr marL="0" indent="0">
-              <a:lnSpc>
-                <a:spcPct val="80000"/>
-              </a:lnSpc>
-              <a:spcBef>
-                <a:spcPts val="3200"/>
-              </a:spcBef>
-              <a:buClrTx/>
-              <a:buSzTx/>
-              <a:buFontTx/>
-              <a:buNone/>
-              <a:defRPr cap="all" sz="7700">
-                <a:solidFill>
-                  <a:srgbClr val="A6AAA9"/>
-                </a:solidFill>
-                <a:latin typeface="DIN Alternate Bold"/>
-                <a:ea typeface="DIN Alternate Bold"/>
-                <a:cs typeface="DIN Alternate Bold"/>
-                <a:sym typeface="DIN Alternate Bold"/>
-              </a:defRPr>
-            </a:lvl5pPr>
-          </a:lstStyle>
-          <a:p>
-            <a:pPr/>
-            <a:r>
-              <a:t>Texte niveau 1</a:t>
-            </a:r>
-          </a:p>
-          <a:p>
-            <a:pPr lvl="1"/>
-            <a:r>
-              <a:t>Texte niveau 2</a:t>
-            </a:r>
-          </a:p>
-          <a:p>
-            <a:pPr lvl="2"/>
-            <a:r>
-              <a:t>Texte niveau 3</a:t>
-            </a:r>
-          </a:p>
-          <a:p>
-            <a:pPr lvl="3"/>
-            <a:r>
-              <a:t>Texte niveau 4</a:t>
-            </a:r>
-          </a:p>
-          <a:p>
-            <a:pPr lvl="4"/>
-            <a:r>
-              <a:t>Texte niveau 5</a:t>
-            </a:r>
-          </a:p>
-        </p:txBody>
-      </p:sp>
-      <p:sp>
-        <p:nvSpPr>
-          <p:cNvPr id="26" name="Numéro de diapositive"/>
-          <p:cNvSpPr txBox="1"/>
-          <p:nvPr>
-            <p:ph type="sldNum" sz="quarter" idx="2"/>
-          </p:nvPr>
-        </p:nvSpPr>
-        <p:spPr>
-          <a:xfrm>
-            <a:off x="23063200" y="609600"/>
-            <a:ext cx="553195" cy="635000"/>
-          </a:xfrm>
-          <a:prstGeom prst="rect">
-            <a:avLst/>
-          </a:prstGeom>
-        </p:spPr>
-        <p:txBody>
-          <a:bodyPr/>
-          <a:lstStyle/>
-          <a:p>
-            <a:pPr/>
-            <a:fld id="{86CB4B4D-7CA3-9044-876B-883B54F8677D}" type="slidenum"/>
-          </a:p>
-        </p:txBody>
-      </p:sp>
-    </p:spTree>
-  </p:cSld>
-  <p:clrMapOvr>
-    <a:masterClrMapping/>
-  </p:clrMapOvr>
-  <p:transition xmlns:p14="http://schemas.microsoft.com/office/powerpoint/2010/main" spd="med" advClick="1"/>
-</p:sldLayout>
-</file>
-
-<file path=ppt/slideLayouts/slideLayout3.xml><?xml version="1.0" encoding="utf-8"?>
-<p:sldLayout xmlns:a="http://schemas.openxmlformats.org/drawingml/2006/main" xmlns:r="http://schemas.openxmlformats.org/officeDocument/2006/relationships" xmlns:p="http://schemas.openxmlformats.org/presentationml/2006/main" xmlns:m="http://schemas.openxmlformats.org/officeDocument/2006/math" xmlns:a14="http://schemas.microsoft.com/office/drawing/2010/main" type="tx" showMasterSp="0" showMasterPhAnim="1">
-  <p:cSld name="Autres titre et sous-titre">
-    <p:spTree>
-      <p:nvGrpSpPr>
-        <p:cNvPr id="1" name=""/>
-        <p:cNvGrpSpPr/>
-        <p:nvPr/>
-      </p:nvGrpSpPr>
-      <p:grpSpPr>
-        <a:xfrm>
-          <a:off x="0" y="0"/>
-          <a:ext cx="0" cy="0"/>
-          <a:chOff x="0" y="0"/>
-          <a:chExt cx="0" cy="0"/>
-        </a:xfrm>
-      </p:grpSpPr>
-      <p:sp>
-        <p:nvSpPr>
-          <p:cNvPr id="33" name="Ligne"/>
-          <p:cNvSpPr/>
-          <p:nvPr/>
-        </p:nvSpPr>
-        <p:spPr>
-          <a:xfrm flipV="1">
-            <a:off x="762000" y="8635632"/>
-            <a:ext cx="22859999" cy="369"/>
-          </a:xfrm>
-          <a:prstGeom prst="line">
-            <a:avLst/>
-          </a:prstGeom>
-          <a:ln w="50800">
-            <a:solidFill>
-              <a:srgbClr val="A6AAA9"/>
-            </a:solidFill>
-            <a:miter lim="400000"/>
-          </a:ln>
-        </p:spPr>
-        <p:txBody>
-          <a:bodyPr lIns="50800" tIns="50800" rIns="50800" bIns="50800" anchor="ctr"/>
-          <a:lstStyle/>
-          <a:p>
-            <a:pPr defTabSz="457200">
-              <a:spcBef>
-                <a:spcPts val="0"/>
-              </a:spcBef>
-              <a:defRPr sz="1200">
-                <a:solidFill>
-                  <a:srgbClr val="000000"/>
-                </a:solidFill>
-                <a:latin typeface="Helvetica"/>
-                <a:ea typeface="Helvetica"/>
-                <a:cs typeface="Helvetica"/>
-                <a:sym typeface="Helvetica"/>
-              </a:defRPr>
-            </a:pPr>
-          </a:p>
-        </p:txBody>
-      </p:sp>
-      <p:sp>
-        <p:nvSpPr>
-          <p:cNvPr id="34" name="Texte du titre"/>
-          <p:cNvSpPr txBox="1"/>
-          <p:nvPr>
-            <p:ph type="title"/>
-          </p:nvPr>
-        </p:nvSpPr>
-        <p:spPr>
-          <a:xfrm>
-            <a:off x="762000" y="9042400"/>
-            <a:ext cx="22860000" cy="3810000"/>
-          </a:xfrm>
-          <a:prstGeom prst="rect">
-            <a:avLst/>
-          </a:prstGeom>
-        </p:spPr>
-        <p:txBody>
-          <a:bodyPr/>
-          <a:lstStyle>
-            <a:lvl1pPr>
-              <a:spcBef>
-                <a:spcPts val="0"/>
-              </a:spcBef>
-              <a:defRPr sz="30300"/>
-            </a:lvl1pPr>
-          </a:lstStyle>
-          <a:p>
-            <a:pPr/>
-            <a:r>
-              <a:t>Texte du titre</a:t>
-            </a:r>
-          </a:p>
-        </p:txBody>
-      </p:sp>
-      <p:sp>
-        <p:nvSpPr>
-          <p:cNvPr id="35" name="Texte niveau 1…"/>
-          <p:cNvSpPr txBox="1"/>
-          <p:nvPr>
-            <p:ph type="body" sz="quarter" idx="1"/>
-          </p:nvPr>
-        </p:nvSpPr>
-        <p:spPr>
-          <a:xfrm>
-            <a:off x="762000" y="5994400"/>
-            <a:ext cx="22860000" cy="2540000"/>
-          </a:xfrm>
-          <a:prstGeom prst="rect">
-            <a:avLst/>
-          </a:prstGeom>
-        </p:spPr>
-        <p:txBody>
-          <a:bodyPr anchor="b"/>
-          <a:lstStyle>
-            <a:lvl1pPr marL="0" indent="0">
-              <a:lnSpc>
-                <a:spcPct val="80000"/>
-              </a:lnSpc>
-              <a:spcBef>
-                <a:spcPts val="3200"/>
-              </a:spcBef>
-              <a:buClrTx/>
-              <a:buSzTx/>
-              <a:buFontTx/>
-              <a:buNone/>
-              <a:defRPr cap="all" sz="7700">
-                <a:solidFill>
-                  <a:srgbClr val="A6AAA9"/>
-                </a:solidFill>
-                <a:latin typeface="DIN Alternate Bold"/>
-                <a:ea typeface="DIN Alternate Bold"/>
-                <a:cs typeface="DIN Alternate Bold"/>
-                <a:sym typeface="DIN Alternate Bold"/>
-              </a:defRPr>
-            </a:lvl1pPr>
-            <a:lvl2pPr marL="0" indent="0">
-              <a:lnSpc>
-                <a:spcPct val="80000"/>
-              </a:lnSpc>
-              <a:spcBef>
-                <a:spcPts val="3200"/>
-              </a:spcBef>
-              <a:buClrTx/>
-              <a:buSzTx/>
-              <a:buFontTx/>
-              <a:buNone/>
-              <a:defRPr cap="all" sz="7700">
-                <a:solidFill>
-                  <a:srgbClr val="A6AAA9"/>
-                </a:solidFill>
-                <a:latin typeface="DIN Alternate Bold"/>
-                <a:ea typeface="DIN Alternate Bold"/>
-                <a:cs typeface="DIN Alternate Bold"/>
-                <a:sym typeface="DIN Alternate Bold"/>
-              </a:defRPr>
-            </a:lvl2pPr>
-            <a:lvl3pPr marL="0" indent="0">
-              <a:lnSpc>
-                <a:spcPct val="80000"/>
-              </a:lnSpc>
-              <a:spcBef>
-                <a:spcPts val="3200"/>
-              </a:spcBef>
-              <a:buClrTx/>
-              <a:buSzTx/>
-              <a:buFontTx/>
-              <a:buNone/>
-              <a:defRPr cap="all" sz="7700">
-                <a:solidFill>
-                  <a:srgbClr val="A6AAA9"/>
-                </a:solidFill>
-                <a:latin typeface="DIN Alternate Bold"/>
-                <a:ea typeface="DIN Alternate Bold"/>
-                <a:cs typeface="DIN Alternate Bold"/>
-                <a:sym typeface="DIN Alternate Bold"/>
-              </a:defRPr>
-            </a:lvl3pPr>
-            <a:lvl4pPr marL="0" indent="0">
-              <a:lnSpc>
-                <a:spcPct val="80000"/>
-              </a:lnSpc>
-              <a:spcBef>
-                <a:spcPts val="3200"/>
-              </a:spcBef>
-              <a:buClrTx/>
-              <a:buSzTx/>
-              <a:buFontTx/>
-              <a:buNone/>
-              <a:defRPr cap="all" sz="7700">
-                <a:solidFill>
-                  <a:srgbClr val="A6AAA9"/>
-                </a:solidFill>
-                <a:latin typeface="DIN Alternate Bold"/>
-                <a:ea typeface="DIN Alternate Bold"/>
-                <a:cs typeface="DIN Alternate Bold"/>
-                <a:sym typeface="DIN Alternate Bold"/>
-              </a:defRPr>
-            </a:lvl4pPr>
-            <a:lvl5pPr marL="0" indent="0">
-              <a:lnSpc>
-                <a:spcPct val="80000"/>
-              </a:lnSpc>
-              <a:spcBef>
-                <a:spcPts val="3200"/>
-              </a:spcBef>
-              <a:buClrTx/>
-              <a:buSzTx/>
-              <a:buFontTx/>
-              <a:buNone/>
-              <a:defRPr cap="all" sz="7700">
-                <a:solidFill>
-                  <a:srgbClr val="A6AAA9"/>
-                </a:solidFill>
-                <a:latin typeface="DIN Alternate Bold"/>
-                <a:ea typeface="DIN Alternate Bold"/>
-                <a:cs typeface="DIN Alternate Bold"/>
-                <a:sym typeface="DIN Alternate Bold"/>
-              </a:defRPr>
-            </a:lvl5pPr>
-          </a:lstStyle>
-          <a:p>
-            <a:pPr/>
-            <a:r>
-              <a:t>Texte niveau 1</a:t>
-            </a:r>
-          </a:p>
-          <a:p>
-            <a:pPr lvl="1"/>
-            <a:r>
-              <a:t>Texte niveau 2</a:t>
-            </a:r>
-          </a:p>
-          <a:p>
-            <a:pPr lvl="2"/>
-            <a:r>
-              <a:t>Texte niveau 3</a:t>
-            </a:r>
-          </a:p>
-          <a:p>
-            <a:pPr lvl="3"/>
-            <a:r>
-              <a:t>Texte niveau 4</a:t>
-            </a:r>
-          </a:p>
-          <a:p>
-            <a:pPr lvl="4"/>
-            <a:r>
-              <a:t>Texte niveau 5</a:t>
-            </a:r>
-          </a:p>
-        </p:txBody>
-      </p:sp>
-      <p:sp>
-        <p:nvSpPr>
-          <p:cNvPr id="36" name="Numéro de diapositive"/>
-          <p:cNvSpPr txBox="1"/>
-          <p:nvPr>
-            <p:ph type="sldNum" sz="quarter" idx="2"/>
-          </p:nvPr>
-        </p:nvSpPr>
-        <p:spPr>
-          <a:xfrm>
-            <a:off x="23013221" y="584200"/>
-            <a:ext cx="553195" cy="635000"/>
-          </a:xfrm>
-          <a:prstGeom prst="rect">
-            <a:avLst/>
-          </a:prstGeom>
-        </p:spPr>
-        <p:txBody>
-          <a:bodyPr/>
-          <a:lstStyle/>
-          <a:p>
-            <a:pPr/>
-            <a:fld id="{86CB4B4D-7CA3-9044-876B-883B54F8677D}" type="slidenum"/>
-          </a:p>
-        </p:txBody>
-      </p:sp>
-    </p:spTree>
-  </p:cSld>
-  <p:clrMapOvr>
-    <a:masterClrMapping/>
-  </p:clrMapOvr>
-  <p:transition xmlns:p14="http://schemas.microsoft.com/office/powerpoint/2010/main" spd="med" advClick="1"/>
-</p:sldLayout>
-</file>
-
-<file path=ppt/slideLayouts/slideLayout4.xml><?xml version="1.0" encoding="utf-8"?>
-<p:sldLayout xmlns:a="http://schemas.openxmlformats.org/drawingml/2006/main" xmlns:r="http://schemas.openxmlformats.org/officeDocument/2006/relationships" xmlns:p="http://schemas.openxmlformats.org/presentationml/2006/main" xmlns:m="http://schemas.openxmlformats.org/officeDocument/2006/math" xmlns:a14="http://schemas.microsoft.com/office/drawing/2010/main" type="tx" showMasterSp="0" showMasterPhAnim="1">
-  <p:cSld name="Titre - Centré">
-    <p:bg>
-      <p:bgPr>
-        <a:solidFill>
-          <a:srgbClr val="222222"/>
-        </a:solidFill>
-      </p:bgPr>
-    </p:bg>
-    <p:spTree>
-      <p:nvGrpSpPr>
-        <p:cNvPr id="1" name=""/>
-        <p:cNvGrpSpPr/>
-        <p:nvPr/>
-      </p:nvGrpSpPr>
-      <p:grpSpPr>
-        <a:xfrm>
-          <a:off x="0" y="0"/>
-          <a:ext cx="0" cy="0"/>
-          <a:chOff x="0" y="0"/>
-          <a:chExt cx="0" cy="0"/>
-        </a:xfrm>
-      </p:grpSpPr>
-      <p:sp>
-        <p:nvSpPr>
-          <p:cNvPr id="43" name="Texte du titre"/>
-          <p:cNvSpPr txBox="1"/>
-          <p:nvPr>
-            <p:ph type="title"/>
-          </p:nvPr>
-        </p:nvSpPr>
-        <p:spPr>
-          <a:xfrm>
-            <a:off x="762000" y="5676900"/>
-            <a:ext cx="22860000" cy="6350000"/>
-          </a:xfrm>
-          <a:prstGeom prst="rect">
-            <a:avLst/>
-          </a:prstGeom>
-        </p:spPr>
-        <p:txBody>
-          <a:bodyPr/>
-          <a:lstStyle>
-            <a:lvl1pPr>
-              <a:spcBef>
-                <a:spcPts val="0"/>
-              </a:spcBef>
-              <a:defRPr sz="30300"/>
-            </a:lvl1pPr>
-          </a:lstStyle>
-          <a:p>
-            <a:pPr/>
-            <a:r>
-              <a:t>Texte du titre</a:t>
-            </a:r>
-          </a:p>
-        </p:txBody>
-      </p:sp>
-      <p:sp>
-        <p:nvSpPr>
-          <p:cNvPr id="44" name="Numéro de diapositive"/>
-          <p:cNvSpPr txBox="1"/>
-          <p:nvPr>
-            <p:ph type="sldNum" sz="quarter" idx="2"/>
-          </p:nvPr>
-        </p:nvSpPr>
-        <p:spPr>
-          <a:xfrm>
-            <a:off x="23063200" y="609600"/>
-            <a:ext cx="553195" cy="635000"/>
-          </a:xfrm>
-          <a:prstGeom prst="rect">
-            <a:avLst/>
-          </a:prstGeom>
-        </p:spPr>
-        <p:txBody>
-          <a:bodyPr/>
-          <a:lstStyle/>
-          <a:p>
-            <a:pPr/>
-            <a:fld id="{86CB4B4D-7CA3-9044-876B-883B54F8677D}" type="slidenum"/>
-          </a:p>
-        </p:txBody>
-      </p:sp>
-    </p:spTree>
-  </p:cSld>
-  <p:clrMapOvr>
-    <a:masterClrMapping/>
-  </p:clrMapOvr>
-  <p:transition xmlns:p14="http://schemas.microsoft.com/office/powerpoint/2010/main" spd="med" advClick="1"/>
-</p:sldLayout>
-</file>
-
-<file path=ppt/slideLayouts/slideLayout5.xml><?xml version="1.0" encoding="utf-8"?>
-<p:sldLayout xmlns:a="http://schemas.openxmlformats.org/drawingml/2006/main" xmlns:r="http://schemas.openxmlformats.org/officeDocument/2006/relationships" xmlns:p="http://schemas.openxmlformats.org/presentationml/2006/main" xmlns:m="http://schemas.openxmlformats.org/officeDocument/2006/math" xmlns:a14="http://schemas.microsoft.com/office/drawing/2010/main" type="tx" showMasterSp="0" showMasterPhAnim="1">
-  <p:cSld name="Photo - Verticale">
-    <p:bg>
-      <p:bgPr>
-        <a:solidFill>
-          <a:srgbClr val="222222"/>
-        </a:solidFill>
-      </p:bgPr>
-    </p:bg>
-    <p:spTree>
-      <p:nvGrpSpPr>
-        <p:cNvPr id="1" name=""/>
-        <p:cNvGrpSpPr/>
-        <p:nvPr/>
-      </p:nvGrpSpPr>
-      <p:grpSpPr>
-        <a:xfrm>
-          <a:off x="0" y="0"/>
-          <a:ext cx="0" cy="0"/>
-          <a:chOff x="0" y="0"/>
-          <a:chExt cx="0" cy="0"/>
-        </a:xfrm>
-      </p:grpSpPr>
-      <p:sp>
-        <p:nvSpPr>
-          <p:cNvPr id="51" name="Ligne"/>
-          <p:cNvSpPr/>
-          <p:nvPr/>
-        </p:nvSpPr>
-        <p:spPr>
-          <a:xfrm flipV="1">
-            <a:off x="11049000" y="8635798"/>
-            <a:ext cx="12572997" cy="203"/>
-          </a:xfrm>
-          <a:prstGeom prst="line">
-            <a:avLst/>
-          </a:prstGeom>
-          <a:ln w="50800">
-            <a:solidFill>
-              <a:srgbClr val="A6AAA9"/>
-            </a:solidFill>
-            <a:miter lim="400000"/>
-          </a:ln>
-        </p:spPr>
-        <p:txBody>
-          <a:bodyPr lIns="50800" tIns="50800" rIns="50800" bIns="50800" anchor="ctr"/>
-          <a:lstStyle/>
-          <a:p>
-            <a:pPr defTabSz="457200">
-              <a:spcBef>
-                <a:spcPts val="0"/>
-              </a:spcBef>
-              <a:defRPr sz="1200">
-                <a:solidFill>
-                  <a:srgbClr val="000000"/>
-                </a:solidFill>
-                <a:latin typeface="Helvetica"/>
-                <a:ea typeface="Helvetica"/>
-                <a:cs typeface="Helvetica"/>
-                <a:sym typeface="Helvetica"/>
-              </a:defRPr>
-            </a:pPr>
-          </a:p>
-        </p:txBody>
-      </p:sp>
-      <p:sp>
-        <p:nvSpPr>
-          <p:cNvPr id="52" name="Photo en noir et blanc de moulins sous un ciel nuageux"/>
-          <p:cNvSpPr/>
-          <p:nvPr>
-            <p:ph type="pic" idx="21"/>
-          </p:nvPr>
-        </p:nvSpPr>
-        <p:spPr>
-          <a:xfrm>
-            <a:off x="-190500" y="0"/>
-            <a:ext cx="12428272" cy="13716000"/>
-          </a:xfrm>
-          <a:prstGeom prst="rect">
-            <a:avLst/>
-          </a:prstGeom>
-        </p:spPr>
-        <p:txBody>
-          <a:bodyPr lIns="91439" tIns="45719" rIns="91439" bIns="45719">
-            <a:noAutofit/>
-          </a:bodyPr>
-          <a:lstStyle/>
-          <a:p>
-            <a:pPr/>
-          </a:p>
-        </p:txBody>
-      </p:sp>
-      <p:sp>
-        <p:nvSpPr>
-          <p:cNvPr id="53" name="Texte du titre"/>
-          <p:cNvSpPr txBox="1"/>
-          <p:nvPr>
-            <p:ph type="title"/>
-          </p:nvPr>
-        </p:nvSpPr>
-        <p:spPr>
-          <a:xfrm>
-            <a:off x="11049000" y="9042400"/>
-            <a:ext cx="12573000" cy="3810000"/>
-          </a:xfrm>
-          <a:prstGeom prst="rect">
-            <a:avLst/>
-          </a:prstGeom>
-        </p:spPr>
-        <p:txBody>
-          <a:bodyPr/>
-          <a:lstStyle>
-            <a:lvl1pPr>
-              <a:spcBef>
-                <a:spcPts val="0"/>
-              </a:spcBef>
-              <a:defRPr sz="30300"/>
-            </a:lvl1pPr>
-          </a:lstStyle>
-          <a:p>
-            <a:pPr/>
-            <a:r>
-              <a:t>Texte du titre</a:t>
-            </a:r>
-          </a:p>
-        </p:txBody>
-      </p:sp>
-      <p:sp>
-        <p:nvSpPr>
-          <p:cNvPr id="54" name="Texte niveau 1…"/>
-          <p:cNvSpPr txBox="1"/>
-          <p:nvPr>
-            <p:ph type="body" sz="quarter" idx="1"/>
-          </p:nvPr>
-        </p:nvSpPr>
-        <p:spPr>
-          <a:xfrm>
-            <a:off x="11049000" y="5994400"/>
-            <a:ext cx="12573000" cy="2540000"/>
-          </a:xfrm>
-          <a:prstGeom prst="rect">
-            <a:avLst/>
-          </a:prstGeom>
-        </p:spPr>
-        <p:txBody>
-          <a:bodyPr anchor="b"/>
-          <a:lstStyle>
-            <a:lvl1pPr marL="0" indent="0">
-              <a:lnSpc>
-                <a:spcPct val="80000"/>
-              </a:lnSpc>
-              <a:spcBef>
-                <a:spcPts val="3200"/>
-              </a:spcBef>
-              <a:buClrTx/>
-              <a:buSzTx/>
-              <a:buFontTx/>
-              <a:buNone/>
-              <a:defRPr cap="all" sz="7700">
-                <a:solidFill>
-                  <a:srgbClr val="A6AAA9"/>
-                </a:solidFill>
-                <a:latin typeface="DIN Alternate Bold"/>
-                <a:ea typeface="DIN Alternate Bold"/>
-                <a:cs typeface="DIN Alternate Bold"/>
-                <a:sym typeface="DIN Alternate Bold"/>
-              </a:defRPr>
-            </a:lvl1pPr>
-            <a:lvl2pPr marL="0" indent="0">
-              <a:lnSpc>
-                <a:spcPct val="80000"/>
-              </a:lnSpc>
-              <a:spcBef>
-                <a:spcPts val="3200"/>
-              </a:spcBef>
-              <a:buClrTx/>
-              <a:buSzTx/>
-              <a:buFontTx/>
-              <a:buNone/>
-              <a:defRPr cap="all" sz="7700">
-                <a:solidFill>
-                  <a:srgbClr val="A6AAA9"/>
-                </a:solidFill>
-                <a:latin typeface="DIN Alternate Bold"/>
-                <a:ea typeface="DIN Alternate Bold"/>
-                <a:cs typeface="DIN Alternate Bold"/>
-                <a:sym typeface="DIN Alternate Bold"/>
-              </a:defRPr>
-            </a:lvl2pPr>
-            <a:lvl3pPr marL="0" indent="0">
-              <a:lnSpc>
-                <a:spcPct val="80000"/>
-              </a:lnSpc>
-              <a:spcBef>
-                <a:spcPts val="3200"/>
-              </a:spcBef>
-              <a:buClrTx/>
-              <a:buSzTx/>
-              <a:buFontTx/>
-              <a:buNone/>
-              <a:defRPr cap="all" sz="7700">
-                <a:solidFill>
-                  <a:srgbClr val="A6AAA9"/>
-                </a:solidFill>
-                <a:latin typeface="DIN Alternate Bold"/>
-                <a:ea typeface="DIN Alternate Bold"/>
-                <a:cs typeface="DIN Alternate Bold"/>
-                <a:sym typeface="DIN Alternate Bold"/>
-              </a:defRPr>
-            </a:lvl3pPr>
-            <a:lvl4pPr marL="0" indent="0">
-              <a:lnSpc>
-                <a:spcPct val="80000"/>
-              </a:lnSpc>
-              <a:spcBef>
-                <a:spcPts val="3200"/>
-              </a:spcBef>
-              <a:buClrTx/>
-              <a:buSzTx/>
-              <a:buFontTx/>
-              <a:buNone/>
-              <a:defRPr cap="all" sz="7700">
-                <a:solidFill>
-                  <a:srgbClr val="A6AAA9"/>
-                </a:solidFill>
-                <a:latin typeface="DIN Alternate Bold"/>
-                <a:ea typeface="DIN Alternate Bold"/>
-                <a:cs typeface="DIN Alternate Bold"/>
-                <a:sym typeface="DIN Alternate Bold"/>
-              </a:defRPr>
-            </a:lvl4pPr>
-            <a:lvl5pPr marL="0" indent="0">
-              <a:lnSpc>
-                <a:spcPct val="80000"/>
-              </a:lnSpc>
-              <a:spcBef>
-                <a:spcPts val="3200"/>
-              </a:spcBef>
-              <a:buClrTx/>
-              <a:buSzTx/>
-              <a:buFontTx/>
-              <a:buNone/>
-              <a:defRPr cap="all" sz="7700">
-                <a:solidFill>
-                  <a:srgbClr val="A6AAA9"/>
-                </a:solidFill>
-                <a:latin typeface="DIN Alternate Bold"/>
-                <a:ea typeface="DIN Alternate Bold"/>
-                <a:cs typeface="DIN Alternate Bold"/>
-                <a:sym typeface="DIN Alternate Bold"/>
-              </a:defRPr>
-            </a:lvl5pPr>
-          </a:lstStyle>
-          <a:p>
-            <a:pPr/>
-            <a:r>
-              <a:t>Texte niveau 1</a:t>
-            </a:r>
-          </a:p>
-          <a:p>
-            <a:pPr lvl="1"/>
-            <a:r>
-              <a:t>Texte niveau 2</a:t>
-            </a:r>
-          </a:p>
-          <a:p>
-            <a:pPr lvl="2"/>
-            <a:r>
-              <a:t>Texte niveau 3</a:t>
-            </a:r>
-          </a:p>
-          <a:p>
-            <a:pPr lvl="3"/>
-            <a:r>
-              <a:t>Texte niveau 4</a:t>
-            </a:r>
-          </a:p>
-          <a:p>
-            <a:pPr lvl="4"/>
-            <a:r>
-              <a:t>Texte niveau 5</a:t>
-            </a:r>
-          </a:p>
-        </p:txBody>
-      </p:sp>
-      <p:sp>
-        <p:nvSpPr>
-          <p:cNvPr id="55" name="Numéro de diapositive"/>
-          <p:cNvSpPr txBox="1"/>
-          <p:nvPr>
-            <p:ph type="sldNum" sz="quarter" idx="2"/>
-          </p:nvPr>
-        </p:nvSpPr>
-        <p:spPr>
-          <a:xfrm>
-            <a:off x="23063200" y="609600"/>
-            <a:ext cx="553195" cy="635000"/>
-          </a:xfrm>
-          <a:prstGeom prst="rect">
-            <a:avLst/>
-          </a:prstGeom>
-        </p:spPr>
-        <p:txBody>
-          <a:bodyPr/>
-          <a:lstStyle/>
-          <a:p>
-            <a:pPr/>
-            <a:fld id="{86CB4B4D-7CA3-9044-876B-883B54F8677D}" type="slidenum"/>
-          </a:p>
-        </p:txBody>
-      </p:sp>
-    </p:spTree>
-  </p:cSld>
-  <p:clrMapOvr>
-    <a:masterClrMapping/>
-  </p:clrMapOvr>
-  <p:transition xmlns:p14="http://schemas.microsoft.com/office/powerpoint/2010/main" spd="med" advClick="1"/>
-</p:sldLayout>
-</file>
-
-<file path=ppt/slideLayouts/slideLayout6.xml><?xml version="1.0" encoding="utf-8"?>
-<p:sldLayout xmlns:a="http://schemas.openxmlformats.org/drawingml/2006/main" xmlns:r="http://schemas.openxmlformats.org/officeDocument/2006/relationships" xmlns:p="http://schemas.openxmlformats.org/presentationml/2006/main" xmlns:m="http://schemas.openxmlformats.org/officeDocument/2006/math" xmlns:a14="http://schemas.microsoft.com/office/drawing/2010/main" type="tx" showMasterSp="1" showMasterPhAnim="1">
-  <p:cSld name="Titre - Haut">
-    <p:spTree>
-      <p:nvGrpSpPr>
-        <p:cNvPr id="1" name=""/>
-        <p:cNvGrpSpPr/>
-        <p:nvPr/>
-      </p:nvGrpSpPr>
-      <p:grpSpPr>
-        <a:xfrm>
-          <a:off x="0" y="0"/>
-          <a:ext cx="0" cy="0"/>
-          <a:chOff x="0" y="0"/>
-          <a:chExt cx="0" cy="0"/>
-        </a:xfrm>
-      </p:grpSpPr>
-      <p:sp>
-        <p:nvSpPr>
-          <p:cNvPr id="62" name="Texte"/>
-          <p:cNvSpPr txBox="1"/>
-          <p:nvPr>
-            <p:ph type="body" sz="quarter" idx="21"/>
-          </p:nvPr>
-        </p:nvSpPr>
-        <p:spPr>
-          <a:xfrm>
-            <a:off x="762000" y="635000"/>
-            <a:ext cx="20955000" cy="635000"/>
-          </a:xfrm>
-          <a:prstGeom prst="rect">
-            <a:avLst/>
-          </a:prstGeom>
-        </p:spPr>
-        <p:txBody>
-          <a:bodyPr anchor="b">
-            <a:spAutoFit/>
-          </a:bodyPr>
-          <a:lstStyle>
-            <a:lvl1pPr marL="0" indent="0" defTabSz="647700">
-              <a:lnSpc>
-                <a:spcPct val="80000"/>
-              </a:lnSpc>
-              <a:spcBef>
-                <a:spcPts val="0"/>
-              </a:spcBef>
-              <a:buClrTx/>
-              <a:buSzTx/>
-              <a:buFontTx/>
-              <a:buNone/>
-              <a:defRPr cap="all" spc="180" sz="3600">
-                <a:latin typeface="DIN Alternate Bold"/>
-                <a:ea typeface="DIN Alternate Bold"/>
-                <a:cs typeface="DIN Alternate Bold"/>
-                <a:sym typeface="DIN Alternate Bold"/>
-              </a:defRPr>
-            </a:lvl1pPr>
-          </a:lstStyle>
-          <a:p>
-            <a:pPr/>
-            <a:r>
-              <a:t>Texte</a:t>
-            </a:r>
-          </a:p>
-        </p:txBody>
-      </p:sp>
-      <p:sp>
-        <p:nvSpPr>
-          <p:cNvPr id="63" name="Texte du titre"/>
-          <p:cNvSpPr txBox="1"/>
-          <p:nvPr>
-            <p:ph type="title"/>
-          </p:nvPr>
-        </p:nvSpPr>
-        <p:spPr>
-          <a:prstGeom prst="rect">
-            <a:avLst/>
-          </a:prstGeom>
-        </p:spPr>
-        <p:txBody>
-          <a:bodyPr/>
-          <a:lstStyle/>
-          <a:p>
-            <a:pPr/>
-            <a:r>
-              <a:t>Texte du titre</a:t>
-            </a:r>
-          </a:p>
-        </p:txBody>
-      </p:sp>
-      <p:sp>
-        <p:nvSpPr>
-          <p:cNvPr id="64" name="Numéro de diapositive"/>
-          <p:cNvSpPr txBox="1"/>
-          <p:nvPr>
-            <p:ph type="sldNum" sz="quarter" idx="2"/>
-          </p:nvPr>
-        </p:nvSpPr>
-        <p:spPr>
-          <a:prstGeom prst="rect">
-            <a:avLst/>
-          </a:prstGeom>
-        </p:spPr>
-        <p:txBody>
-          <a:bodyPr/>
-          <a:lstStyle/>
-          <a:p>
-            <a:pPr/>
-            <a:fld id="{86CB4B4D-7CA3-9044-876B-883B54F8677D}" type="slidenum"/>
-          </a:p>
-        </p:txBody>
-      </p:sp>
-    </p:spTree>
-  </p:cSld>
-  <p:clrMapOvr>
-    <a:masterClrMapping/>
-  </p:clrMapOvr>
-  <p:transition xmlns:p14="http://schemas.microsoft.com/office/powerpoint/2010/main" spd="med" advClick="1"/>
-</p:sldLayout>
-</file>
-
-<file path=ppt/slideLayouts/slideLayout7.xml><?xml version="1.0" encoding="utf-8"?>
-<p:sldLayout xmlns:a="http://schemas.openxmlformats.org/drawingml/2006/main" xmlns:r="http://schemas.openxmlformats.org/officeDocument/2006/relationships" xmlns:p="http://schemas.openxmlformats.org/presentationml/2006/main" xmlns:m="http://schemas.openxmlformats.org/officeDocument/2006/math" xmlns:a14="http://schemas.microsoft.com/office/drawing/2010/main" type="tx" showMasterSp="1" showMasterPhAnim="1">
-  <p:cSld name="Titre et puces">
-    <p:bg>
-      <p:bgPr>
-        <a:solidFill>
-          <a:srgbClr val="222222"/>
-        </a:solidFill>
-      </p:bgPr>
-    </p:bg>
-    <p:spTree>
-      <p:nvGrpSpPr>
-        <p:cNvPr id="1" name=""/>
-        <p:cNvGrpSpPr/>
-        <p:nvPr/>
-      </p:nvGrpSpPr>
-      <p:grpSpPr>
-        <a:xfrm>
-          <a:off x="0" y="0"/>
-          <a:ext cx="0" cy="0"/>
-          <a:chOff x="0" y="0"/>
-          <a:chExt cx="0" cy="0"/>
-        </a:xfrm>
-      </p:grpSpPr>
-      <p:sp>
-        <p:nvSpPr>
-          <p:cNvPr id="71" name="Texte"/>
-          <p:cNvSpPr txBox="1"/>
-          <p:nvPr>
-            <p:ph type="body" sz="quarter" idx="21"/>
-          </p:nvPr>
-        </p:nvSpPr>
-        <p:spPr>
-          <a:xfrm>
-            <a:off x="762000" y="635000"/>
-            <a:ext cx="20955000" cy="635000"/>
-          </a:xfrm>
-          <a:prstGeom prst="rect">
-            <a:avLst/>
-          </a:prstGeom>
-        </p:spPr>
-        <p:txBody>
-          <a:bodyPr anchor="b">
-            <a:spAutoFit/>
-          </a:bodyPr>
-          <a:lstStyle>
-            <a:lvl1pPr marL="0" indent="0" defTabSz="647700">
-              <a:lnSpc>
-                <a:spcPct val="80000"/>
-              </a:lnSpc>
-              <a:spcBef>
-                <a:spcPts val="0"/>
-              </a:spcBef>
-              <a:buClrTx/>
-              <a:buSzTx/>
-              <a:buFontTx/>
-              <a:buNone/>
-              <a:defRPr cap="all" spc="180" sz="3600">
-                <a:latin typeface="DIN Alternate Bold"/>
-                <a:ea typeface="DIN Alternate Bold"/>
-                <a:cs typeface="DIN Alternate Bold"/>
-                <a:sym typeface="DIN Alternate Bold"/>
-              </a:defRPr>
-            </a:lvl1pPr>
-          </a:lstStyle>
-          <a:p>
-            <a:pPr/>
-            <a:r>
-              <a:t>Texte</a:t>
-            </a:r>
-          </a:p>
-        </p:txBody>
-      </p:sp>
-      <p:sp>
-        <p:nvSpPr>
-          <p:cNvPr id="72" name="Texte du titre"/>
-          <p:cNvSpPr txBox="1"/>
-          <p:nvPr>
-            <p:ph type="title"/>
-          </p:nvPr>
-        </p:nvSpPr>
-        <p:spPr>
-          <a:prstGeom prst="rect">
-            <a:avLst/>
-          </a:prstGeom>
-        </p:spPr>
-        <p:txBody>
-          <a:bodyPr/>
-          <a:lstStyle/>
-          <a:p>
-            <a:pPr/>
-            <a:r>
-              <a:t>Texte du titre</a:t>
-            </a:r>
-          </a:p>
-        </p:txBody>
-      </p:sp>
-      <p:sp>
-        <p:nvSpPr>
-          <p:cNvPr id="73" name="Texte niveau 1…"/>
-          <p:cNvSpPr txBox="1"/>
-          <p:nvPr>
-            <p:ph type="body" idx="1"/>
-          </p:nvPr>
-        </p:nvSpPr>
-        <p:spPr>
-          <a:prstGeom prst="rect">
-            <a:avLst/>
-          </a:prstGeom>
-        </p:spPr>
-        <p:txBody>
-          <a:bodyPr/>
-          <a:lstStyle>
-            <a:lvl1pPr>
-              <a:buClr>
-                <a:schemeClr val="accent1"/>
-              </a:buClr>
-              <a:buChar char="▸"/>
-            </a:lvl1pPr>
-            <a:lvl2pPr>
-              <a:buClr>
-                <a:schemeClr val="accent1"/>
-              </a:buClr>
-              <a:buChar char="▸"/>
-            </a:lvl2pPr>
-            <a:lvl3pPr>
-              <a:buClr>
-                <a:schemeClr val="accent1"/>
-              </a:buClr>
-              <a:buChar char="▸"/>
-            </a:lvl3pPr>
-            <a:lvl4pPr>
-              <a:buClr>
-                <a:schemeClr val="accent1"/>
-              </a:buClr>
-              <a:buChar char="▸"/>
-            </a:lvl4pPr>
-            <a:lvl5pPr>
-              <a:buClr>
-                <a:schemeClr val="accent1"/>
-              </a:buClr>
-              <a:buChar char="▸"/>
-            </a:lvl5pPr>
-          </a:lstStyle>
-          <a:p>
-            <a:pPr/>
-            <a:r>
-              <a:t>Texte niveau 1</a:t>
-            </a:r>
-          </a:p>
-          <a:p>
-            <a:pPr lvl="1"/>
-            <a:r>
-              <a:t>Texte niveau 2</a:t>
-            </a:r>
-          </a:p>
-          <a:p>
-            <a:pPr lvl="2"/>
-            <a:r>
-              <a:t>Texte niveau 3</a:t>
-            </a:r>
-          </a:p>
-          <a:p>
-            <a:pPr lvl="3"/>
-            <a:r>
-              <a:t>Texte niveau 4</a:t>
-            </a:r>
-          </a:p>
-          <a:p>
-            <a:pPr lvl="4"/>
-            <a:r>
-              <a:t>Texte niveau 5</a:t>
-            </a:r>
-          </a:p>
-        </p:txBody>
-      </p:sp>
-      <p:sp>
-        <p:nvSpPr>
-          <p:cNvPr id="74" name="Numéro de diapositive"/>
-          <p:cNvSpPr txBox="1"/>
-          <p:nvPr>
-            <p:ph type="sldNum" sz="quarter" idx="2"/>
-          </p:nvPr>
-        </p:nvSpPr>
-        <p:spPr>
-          <a:prstGeom prst="rect">
-            <a:avLst/>
-          </a:prstGeom>
-        </p:spPr>
-        <p:txBody>
-          <a:bodyPr/>
-          <a:lstStyle/>
-          <a:p>
-            <a:pPr/>
-            <a:fld id="{86CB4B4D-7CA3-9044-876B-883B54F8677D}" type="slidenum"/>
-          </a:p>
-        </p:txBody>
-      </p:sp>
-    </p:spTree>
-  </p:cSld>
-  <p:clrMapOvr>
-    <a:masterClrMapping/>
-  </p:clrMapOvr>
-  <p:transition xmlns:p14="http://schemas.microsoft.com/office/powerpoint/2010/main" spd="med" advClick="1"/>
-</p:sldLayout>
-</file>
-
-<file path=ppt/slideLayouts/slideLayout8.xml><?xml version="1.0" encoding="utf-8"?>
-<p:sldLayout xmlns:a="http://schemas.openxmlformats.org/drawingml/2006/main" xmlns:r="http://schemas.openxmlformats.org/officeDocument/2006/relationships" xmlns:p="http://schemas.openxmlformats.org/presentationml/2006/main" xmlns:m="http://schemas.openxmlformats.org/officeDocument/2006/math" xmlns:a14="http://schemas.microsoft.com/office/drawing/2010/main" type="tx" showMasterSp="1" showMasterPhAnim="1">
-  <p:cSld name="Titre et puces - Autre">
-    <p:spTree>
-      <p:nvGrpSpPr>
-        <p:cNvPr id="1" name=""/>
-        <p:cNvGrpSpPr/>
-        <p:nvPr/>
-      </p:nvGrpSpPr>
-      <p:grpSpPr>
-        <a:xfrm>
-          <a:off x="0" y="0"/>
-          <a:ext cx="0" cy="0"/>
-          <a:chOff x="0" y="0"/>
-          <a:chExt cx="0" cy="0"/>
-        </a:xfrm>
-      </p:grpSpPr>
-      <p:sp>
-        <p:nvSpPr>
-          <p:cNvPr id="81" name="Texte"/>
-          <p:cNvSpPr txBox="1"/>
-          <p:nvPr>
-            <p:ph type="body" sz="quarter" idx="21"/>
-          </p:nvPr>
-        </p:nvSpPr>
-        <p:spPr>
-          <a:xfrm>
-            <a:off x="762000" y="635000"/>
-            <a:ext cx="20955000" cy="635000"/>
-          </a:xfrm>
-          <a:prstGeom prst="rect">
-            <a:avLst/>
-          </a:prstGeom>
-        </p:spPr>
-        <p:txBody>
-          <a:bodyPr anchor="b">
-            <a:spAutoFit/>
-          </a:bodyPr>
-          <a:lstStyle>
-            <a:lvl1pPr marL="0" indent="0" defTabSz="647700">
-              <a:lnSpc>
-                <a:spcPct val="80000"/>
-              </a:lnSpc>
-              <a:spcBef>
-                <a:spcPts val="0"/>
-              </a:spcBef>
-              <a:buClrTx/>
-              <a:buSzTx/>
-              <a:buFontTx/>
-              <a:buNone/>
-              <a:defRPr cap="all" spc="180" sz="3600">
-                <a:latin typeface="DIN Alternate Bold"/>
-                <a:ea typeface="DIN Alternate Bold"/>
-                <a:cs typeface="DIN Alternate Bold"/>
-                <a:sym typeface="DIN Alternate Bold"/>
-              </a:defRPr>
-            </a:lvl1pPr>
-          </a:lstStyle>
-          <a:p>
-            <a:pPr/>
-            <a:r>
-              <a:t>Texte</a:t>
-            </a:r>
-          </a:p>
-        </p:txBody>
-      </p:sp>
-      <p:sp>
-        <p:nvSpPr>
-          <p:cNvPr id="82" name="Texte du titre"/>
-          <p:cNvSpPr txBox="1"/>
-          <p:nvPr>
-            <p:ph type="title"/>
-          </p:nvPr>
-        </p:nvSpPr>
-        <p:spPr>
-          <a:prstGeom prst="rect">
-            <a:avLst/>
-          </a:prstGeom>
-        </p:spPr>
-        <p:txBody>
-          <a:bodyPr/>
-          <a:lstStyle/>
-          <a:p>
-            <a:pPr/>
-            <a:r>
-              <a:t>Texte du titre</a:t>
-            </a:r>
-          </a:p>
-        </p:txBody>
-      </p:sp>
-      <p:sp>
-        <p:nvSpPr>
-          <p:cNvPr id="83" name="Texte niveau 1…"/>
-          <p:cNvSpPr txBox="1"/>
-          <p:nvPr>
-            <p:ph type="body" idx="1"/>
-          </p:nvPr>
-        </p:nvSpPr>
-        <p:spPr>
-          <a:prstGeom prst="rect">
-            <a:avLst/>
-          </a:prstGeom>
-        </p:spPr>
-        <p:txBody>
-          <a:bodyPr/>
-          <a:lstStyle>
-            <a:lvl1pPr>
-              <a:buClr>
-                <a:schemeClr val="accent1"/>
-              </a:buClr>
-              <a:buChar char="▸"/>
-            </a:lvl1pPr>
-            <a:lvl2pPr>
-              <a:buClr>
-                <a:schemeClr val="accent1"/>
-              </a:buClr>
-              <a:buChar char="▸"/>
-            </a:lvl2pPr>
-            <a:lvl3pPr>
-              <a:buClr>
-                <a:schemeClr val="accent1"/>
-              </a:buClr>
-              <a:buChar char="▸"/>
-            </a:lvl3pPr>
-            <a:lvl4pPr>
-              <a:buClr>
-                <a:schemeClr val="accent1"/>
-              </a:buClr>
-              <a:buChar char="▸"/>
-            </a:lvl4pPr>
-            <a:lvl5pPr>
-              <a:buClr>
-                <a:schemeClr val="accent1"/>
-              </a:buClr>
-              <a:buChar char="▸"/>
-            </a:lvl5pPr>
-          </a:lstStyle>
-          <a:p>
-            <a:pPr/>
-            <a:r>
-              <a:t>Texte niveau 1</a:t>
-            </a:r>
-          </a:p>
-          <a:p>
-            <a:pPr lvl="1"/>
-            <a:r>
-              <a:t>Texte niveau 2</a:t>
-            </a:r>
-          </a:p>
-          <a:p>
-            <a:pPr lvl="2"/>
-            <a:r>
-              <a:t>Texte niveau 3</a:t>
-            </a:r>
-          </a:p>
-          <a:p>
-            <a:pPr lvl="3"/>
-            <a:r>
-              <a:t>Texte niveau 4</a:t>
-            </a:r>
-          </a:p>
-          <a:p>
-            <a:pPr lvl="4"/>
-            <a:r>
-              <a:t>Texte niveau 5</a:t>
-            </a:r>
-          </a:p>
-        </p:txBody>
-      </p:sp>
-      <p:sp>
-        <p:nvSpPr>
-          <p:cNvPr id="84" name="Numéro de diapositive"/>
-          <p:cNvSpPr txBox="1"/>
-          <p:nvPr>
-            <p:ph type="sldNum" sz="quarter" idx="2"/>
-          </p:nvPr>
-        </p:nvSpPr>
-        <p:spPr>
-          <a:prstGeom prst="rect">
-            <a:avLst/>
-          </a:prstGeom>
-        </p:spPr>
-        <p:txBody>
-          <a:bodyPr/>
-          <a:lstStyle/>
-          <a:p>
-            <a:pPr/>
-            <a:fld id="{86CB4B4D-7CA3-9044-876B-883B54F8677D}" type="slidenum"/>
-          </a:p>
-        </p:txBody>
-      </p:sp>
-    </p:spTree>
-  </p:cSld>
-  <p:clrMapOvr>
-    <a:masterClrMapping/>
-  </p:clrMapOvr>
-  <p:transition xmlns:p14="http://schemas.microsoft.com/office/powerpoint/2010/main" spd="med" advClick="1"/>
-</p:sldLayout>
-</file>
-
-<file path=ppt/slideLayouts/slideLayout9.xml><?xml version="1.0" encoding="utf-8"?>
-<p:sldLayout xmlns:a="http://schemas.openxmlformats.org/drawingml/2006/main" xmlns:r="http://schemas.openxmlformats.org/officeDocument/2006/relationships" xmlns:p="http://schemas.openxmlformats.org/presentationml/2006/main" xmlns:m="http://schemas.openxmlformats.org/officeDocument/2006/math" xmlns:a14="http://schemas.microsoft.com/office/drawing/2010/main" type="tx" showMasterSp="1" showMasterPhAnim="1">
-  <p:cSld name="Titre, puces et photo">
-    <p:bg>
-      <p:bgPr>
-        <a:solidFill>
-          <a:srgbClr val="222222"/>
-        </a:solidFill>
-      </p:bgPr>
-    </p:bg>
-    <p:spTree>
-      <p:nvGrpSpPr>
-        <p:cNvPr id="1" name=""/>
-        <p:cNvGrpSpPr/>
-        <p:nvPr/>
-      </p:nvGrpSpPr>
-      <p:grpSpPr>
-        <a:xfrm>
-          <a:off x="0" y="0"/>
-          <a:ext cx="0" cy="0"/>
-          <a:chOff x="0" y="0"/>
-          <a:chExt cx="0" cy="0"/>
-        </a:xfrm>
-      </p:grpSpPr>
-      <p:sp>
-        <p:nvSpPr>
-          <p:cNvPr id="91" name="Texte"/>
-          <p:cNvSpPr txBox="1"/>
-          <p:nvPr>
-            <p:ph type="body" sz="quarter" idx="21"/>
-          </p:nvPr>
-        </p:nvSpPr>
-        <p:spPr>
-          <a:xfrm>
-            <a:off x="762000" y="635000"/>
-            <a:ext cx="20955000" cy="635000"/>
-          </a:xfrm>
-          <a:prstGeom prst="rect">
-            <a:avLst/>
-          </a:prstGeom>
-        </p:spPr>
-        <p:txBody>
-          <a:bodyPr anchor="b">
-            <a:spAutoFit/>
-          </a:bodyPr>
-          <a:lstStyle>
-            <a:lvl1pPr marL="0" indent="0" defTabSz="647700">
-              <a:lnSpc>
-                <a:spcPct val="80000"/>
-              </a:lnSpc>
-              <a:spcBef>
-                <a:spcPts val="0"/>
-              </a:spcBef>
-              <a:buClrTx/>
-              <a:buSzTx/>
-              <a:buFontTx/>
-              <a:buNone/>
-              <a:defRPr cap="all" spc="180" sz="3600">
-                <a:latin typeface="DIN Alternate Bold"/>
-                <a:ea typeface="DIN Alternate Bold"/>
-                <a:cs typeface="DIN Alternate Bold"/>
-                <a:sym typeface="DIN Alternate Bold"/>
-              </a:defRPr>
-            </a:lvl1pPr>
-          </a:lstStyle>
-          <a:p>
-            <a:pPr/>
-            <a:r>
-              <a:t>Texte</a:t>
-            </a:r>
-          </a:p>
-        </p:txBody>
-      </p:sp>
-      <p:sp>
-        <p:nvSpPr>
-          <p:cNvPr id="92" name="Photo en noir et blanc de moulins sous un ciel nuageux"/>
-          <p:cNvSpPr/>
-          <p:nvPr>
-            <p:ph type="pic" idx="22"/>
-          </p:nvPr>
-        </p:nvSpPr>
-        <p:spPr>
-          <a:xfrm>
-            <a:off x="13258800" y="0"/>
-            <a:ext cx="12428272" cy="13716000"/>
-          </a:xfrm>
-          <a:prstGeom prst="rect">
-            <a:avLst/>
-          </a:prstGeom>
-        </p:spPr>
-        <p:txBody>
-          <a:bodyPr lIns="91439" tIns="45719" rIns="91439" bIns="45719">
-            <a:noAutofit/>
-          </a:bodyPr>
-          <a:lstStyle/>
-          <a:p>
-            <a:pPr/>
-          </a:p>
-        </p:txBody>
-      </p:sp>
-      <p:sp>
-        <p:nvSpPr>
-          <p:cNvPr id="93" name="Texte du titre"/>
-          <p:cNvSpPr txBox="1"/>
-          <p:nvPr>
-            <p:ph type="title"/>
-          </p:nvPr>
-        </p:nvSpPr>
-        <p:spPr>
-          <a:xfrm>
-            <a:off x="762000" y="2159000"/>
-            <a:ext cx="11811000" cy="1016000"/>
-          </a:xfrm>
-          <a:prstGeom prst="rect">
-            <a:avLst/>
-          </a:prstGeom>
-        </p:spPr>
-        <p:txBody>
-          <a:bodyPr/>
-          <a:lstStyle/>
-          <a:p>
-            <a:pPr/>
-            <a:r>
-              <a:t>Texte du titre</a:t>
-            </a:r>
-          </a:p>
-        </p:txBody>
-      </p:sp>
-      <p:sp>
-        <p:nvSpPr>
-          <p:cNvPr id="94" name="Texte niveau 1…"/>
-          <p:cNvSpPr txBox="1"/>
-          <p:nvPr>
-            <p:ph type="body" sz="half" idx="1"/>
-          </p:nvPr>
-        </p:nvSpPr>
-        <p:spPr>
-          <a:xfrm>
-            <a:off x="762000" y="3860800"/>
-            <a:ext cx="11811000" cy="8585200"/>
-          </a:xfrm>
-          <a:prstGeom prst="rect">
-            <a:avLst/>
-          </a:prstGeom>
-        </p:spPr>
-        <p:txBody>
-          <a:bodyPr/>
-          <a:lstStyle>
-            <a:lvl1pPr>
-              <a:buClr>
-                <a:schemeClr val="accent1"/>
-              </a:buClr>
-              <a:buChar char="▸"/>
-              <a:defRPr sz="4000"/>
-            </a:lvl1pPr>
-            <a:lvl2pPr>
-              <a:buClr>
-                <a:schemeClr val="accent1"/>
-              </a:buClr>
-              <a:buChar char="▸"/>
-              <a:defRPr sz="4000"/>
-            </a:lvl2pPr>
-            <a:lvl3pPr>
-              <a:buClr>
-                <a:schemeClr val="accent1"/>
-              </a:buClr>
-              <a:buChar char="▸"/>
-              <a:defRPr sz="4000"/>
-            </a:lvl3pPr>
-            <a:lvl4pPr>
-              <a:buClr>
-                <a:schemeClr val="accent1"/>
-              </a:buClr>
-              <a:buChar char="▸"/>
-              <a:defRPr sz="4000"/>
-            </a:lvl4pPr>
-            <a:lvl5pPr>
-              <a:buClr>
-                <a:schemeClr val="accent1"/>
-              </a:buClr>
-              <a:buChar char="▸"/>
-              <a:defRPr sz="4000"/>
-            </a:lvl5pPr>
-          </a:lstStyle>
-          <a:p>
-            <a:pPr/>
-            <a:r>
-              <a:t>Texte niveau 1</a:t>
-            </a:r>
-          </a:p>
-          <a:p>
-            <a:pPr lvl="1"/>
-            <a:r>
-              <a:t>Texte niveau 2</a:t>
-            </a:r>
-          </a:p>
-          <a:p>
-            <a:pPr lvl="2"/>
-            <a:r>
-              <a:t>Texte niveau 3</a:t>
-            </a:r>
-          </a:p>
-          <a:p>
-            <a:pPr lvl="3"/>
-            <a:r>
-              <a:t>Texte niveau 4</a:t>
-            </a:r>
-          </a:p>
-          <a:p>
-            <a:pPr lvl="4"/>
-            <a:r>
-              <a:t>Texte niveau 5</a:t>
-            </a:r>
-          </a:p>
-        </p:txBody>
-      </p:sp>
-      <p:sp>
-        <p:nvSpPr>
-          <p:cNvPr id="95" name="Numéro de diapositive"/>
-          <p:cNvSpPr txBox="1"/>
-          <p:nvPr>
-            <p:ph type="sldNum" sz="quarter" idx="2"/>
-          </p:nvPr>
-        </p:nvSpPr>
-        <p:spPr>
-          <a:prstGeom prst="rect">
-            <a:avLst/>
-          </a:prstGeom>
-        </p:spPr>
-        <p:txBody>
-          <a:bodyPr/>
-          <a:lstStyle/>
-          <a:p>
-            <a:pPr/>
-            <a:fld id="{86CB4B4D-7CA3-9044-876B-883B54F8677D}" type="slidenum"/>
-          </a:p>
-        </p:txBody>
-      </p:sp>
-    </p:spTree>
-  </p:cSld>
-  <p:clrMapOvr>
-    <a:masterClrMapping/>
-  </p:clrMapOvr>
-  <p:transition xmlns:p14="http://schemas.microsoft.com/office/powerpoint/2010/main" spd="med" advClick="1"/>
-</p:sldLayout>
-</file>
-
-<file path=ppt/slideMasters/slideMaster1.xml><?xml version="1.0" encoding="utf-8"?>
-<p:sldMaster xmlns:a="http://schemas.openxmlformats.org/drawingml/2006/main" xmlns:r="http://schemas.openxmlformats.org/officeDocument/2006/relationships" xmlns:p="http://schemas.openxmlformats.org/presentationml/2006/main" xmlns:m="http://schemas.openxmlformats.org/officeDocument/2006/math" xmlns:a14="http://schemas.microsoft.com/office/drawing/2010/main">
-  <p:cSld>
-    <p:bg>
-      <p:bgPr>
-        <a:solidFill>
-          <a:srgbClr val="FFFFFF"/>
-        </a:solidFill>
-      </p:bgPr>
-    </p:bg>
-    <p:spTree>
-      <p:nvGrpSpPr>
-        <p:cNvPr id="1" name=""/>
-        <p:cNvGrpSpPr/>
-        <p:nvPr/>
-      </p:nvGrpSpPr>
-      <p:grpSpPr>
-        <a:xfrm>
-          <a:off x="0" y="0"/>
-          <a:ext cx="0" cy="0"/>
-          <a:chOff x="0" y="0"/>
-          <a:chExt cx="0" cy="0"/>
-        </a:xfrm>
-      </p:grpSpPr>
-      <p:sp>
-        <p:nvSpPr>
-          <p:cNvPr id="2" name="Ligne"/>
-          <p:cNvSpPr/>
-          <p:nvPr/>
-        </p:nvSpPr>
-        <p:spPr>
-          <a:xfrm flipV="1">
-            <a:off x="762000" y="1396632"/>
-            <a:ext cx="22859999" cy="369"/>
-          </a:xfrm>
-          <a:prstGeom prst="line">
-            <a:avLst/>
-          </a:prstGeom>
-          <a:ln w="25400">
-            <a:solidFill>
-              <a:srgbClr val="A6AAA9"/>
-            </a:solidFill>
-            <a:miter lim="400000"/>
-          </a:ln>
-        </p:spPr>
-        <p:txBody>
-          <a:bodyPr lIns="50800" tIns="50800" rIns="50800" bIns="50800" anchor="ctr"/>
-          <a:lstStyle/>
-          <a:p>
-            <a:pPr defTabSz="457200">
-              <a:spcBef>
-                <a:spcPts val="0"/>
-              </a:spcBef>
-              <a:defRPr sz="1200">
-                <a:solidFill>
-                  <a:srgbClr val="000000"/>
-                </a:solidFill>
-                <a:latin typeface="Helvetica"/>
-                <a:ea typeface="Helvetica"/>
-                <a:cs typeface="Helvetica"/>
-                <a:sym typeface="Helvetica"/>
               </a:defRPr>
             </a:pPr>
           </a:p>
@@ -3670,8 +3576,8 @@
         </p:nvSpPr>
         <p:spPr>
           <a:xfrm>
-            <a:off x="762000" y="2159000"/>
-            <a:ext cx="22860000" cy="1016000"/>
+            <a:off x="762000" y="9042400"/>
+            <a:ext cx="22860000" cy="3810000"/>
           </a:xfrm>
           <a:prstGeom prst="rect">
             <a:avLst/>
@@ -3708,8 +3614,8 @@
         </p:nvSpPr>
         <p:spPr>
           <a:xfrm>
-            <a:off x="762000" y="3860800"/>
-            <a:ext cx="22860000" cy="8585200"/>
+            <a:off x="762000" y="5994400"/>
+            <a:ext cx="22860000" cy="2540000"/>
           </a:xfrm>
           <a:prstGeom prst="rect">
             <a:avLst/>
@@ -3724,7 +3630,7 @@
           </a:extLst>
         </p:spPr>
         <p:txBody>
-          <a:bodyPr lIns="50800" tIns="50800" rIns="50800" bIns="50800">
+          <a:bodyPr lIns="50800" tIns="50800" rIns="50800" bIns="50800" anchor="b">
             <a:normAutofit fontScale="100000" lnSpcReduction="0"/>
           </a:bodyPr>
           <a:lstStyle/>
@@ -3770,8 +3676,8 @@
         </p:nvSpPr>
         <p:spPr>
           <a:xfrm>
-            <a:off x="23059652" y="609600"/>
-            <a:ext cx="553196" cy="635000"/>
+            <a:off x="23063201" y="609600"/>
+            <a:ext cx="553195" cy="635000"/>
           </a:xfrm>
           <a:prstGeom prst="rect">
             <a:avLst/>
@@ -3793,6 +3699,9 @@
                 <a:spcPts val="0"/>
               </a:spcBef>
               <a:defRPr sz="3600">
+                <a:solidFill>
+                  <a:srgbClr val="838787"/>
+                </a:solidFill>
                 <a:latin typeface="DIN Alternate Bold"/>
                 <a:ea typeface="DIN Alternate Bold"/>
                 <a:cs typeface="DIN Alternate Bold"/>
@@ -3808,7 +3717,7 @@
       </p:sp>
     </p:spTree>
   </p:cSld>
-  <p:clrMap bg1="dk1" tx1="lt1" bg2="dk2" tx2="lt2" accent1="accent1" accent2="accent2" accent3="accent3" accent4="accent4" accent5="accent5" accent6="accent6" hlink="hlink" folHlink="folHlink"/>
+  <p:clrMap bg1="lt1" tx1="dk1" bg2="lt2" tx2="dk2" accent1="accent1" accent2="accent2" accent3="accent3" accent4="accent4" accent5="accent5" accent6="accent6" hlink="hlink" folHlink="folHlink"/>
   <p:sldLayoutIdLst>
     <p:sldLayoutId id="2147483649" r:id="rId2"/>
     <p:sldLayoutId id="2147483650" r:id="rId3"/>
@@ -3835,7 +3744,7 @@
           <a:spcPct val="80000"/>
         </a:lnSpc>
         <a:spcBef>
-          <a:spcPts val="3900"/>
+          <a:spcPts val="0"/>
         </a:spcBef>
         <a:spcAft>
           <a:spcPts val="0"/>
@@ -3845,14 +3754,14 @@
         <a:buFontTx/>
         <a:buNone/>
         <a:tabLst/>
-        <a:defRPr b="0" baseline="0" cap="all" i="0" spc="0" strike="noStrike" sz="8700" u="none">
+        <a:defRPr b="0" baseline="0" cap="all" i="0" spc="0" strike="noStrike" sz="30300" u="none">
           <a:solidFill>
             <a:schemeClr val="accent1"/>
           </a:solidFill>
           <a:uFillTx/>
-          <a:latin typeface="+mn-lt"/>
-          <a:ea typeface="+mn-ea"/>
-          <a:cs typeface="+mn-cs"/>
+          <a:latin typeface="DIN Condensed Bold"/>
+          <a:ea typeface="DIN Condensed Bold"/>
+          <a:cs typeface="DIN Condensed Bold"/>
           <a:sym typeface="DIN Condensed Bold"/>
         </a:defRPr>
       </a:lvl1pPr>
@@ -3861,7 +3770,7 @@
           <a:spcPct val="80000"/>
         </a:lnSpc>
         <a:spcBef>
-          <a:spcPts val="3900"/>
+          <a:spcPts val="0"/>
         </a:spcBef>
         <a:spcAft>
           <a:spcPts val="0"/>
@@ -3871,14 +3780,14 @@
         <a:buFontTx/>
         <a:buNone/>
         <a:tabLst/>
-        <a:defRPr b="0" baseline="0" cap="all" i="0" spc="0" strike="noStrike" sz="8700" u="none">
+        <a:defRPr b="0" baseline="0" cap="all" i="0" spc="0" strike="noStrike" sz="30300" u="none">
           <a:solidFill>
             <a:schemeClr val="accent1"/>
           </a:solidFill>
           <a:uFillTx/>
-          <a:latin typeface="+mn-lt"/>
-          <a:ea typeface="+mn-ea"/>
-          <a:cs typeface="+mn-cs"/>
+          <a:latin typeface="DIN Condensed Bold"/>
+          <a:ea typeface="DIN Condensed Bold"/>
+          <a:cs typeface="DIN Condensed Bold"/>
           <a:sym typeface="DIN Condensed Bold"/>
         </a:defRPr>
       </a:lvl2pPr>
@@ -3887,7 +3796,7 @@
           <a:spcPct val="80000"/>
         </a:lnSpc>
         <a:spcBef>
-          <a:spcPts val="3900"/>
+          <a:spcPts val="0"/>
         </a:spcBef>
         <a:spcAft>
           <a:spcPts val="0"/>
@@ -3897,14 +3806,14 @@
         <a:buFontTx/>
         <a:buNone/>
         <a:tabLst/>
-        <a:defRPr b="0" baseline="0" cap="all" i="0" spc="0" strike="noStrike" sz="8700" u="none">
+        <a:defRPr b="0" baseline="0" cap="all" i="0" spc="0" strike="noStrike" sz="30300" u="none">
           <a:solidFill>
             <a:schemeClr val="accent1"/>
           </a:solidFill>
           <a:uFillTx/>
-          <a:latin typeface="+mn-lt"/>
-          <a:ea typeface="+mn-ea"/>
-          <a:cs typeface="+mn-cs"/>
+          <a:latin typeface="DIN Condensed Bold"/>
+          <a:ea typeface="DIN Condensed Bold"/>
+          <a:cs typeface="DIN Condensed Bold"/>
           <a:sym typeface="DIN Condensed Bold"/>
         </a:defRPr>
       </a:lvl3pPr>
@@ -3913,7 +3822,7 @@
           <a:spcPct val="80000"/>
         </a:lnSpc>
         <a:spcBef>
-          <a:spcPts val="3900"/>
+          <a:spcPts val="0"/>
         </a:spcBef>
         <a:spcAft>
           <a:spcPts val="0"/>
@@ -3923,14 +3832,14 @@
         <a:buFontTx/>
         <a:buNone/>
         <a:tabLst/>
-        <a:defRPr b="0" baseline="0" cap="all" i="0" spc="0" strike="noStrike" sz="8700" u="none">
+        <a:defRPr b="0" baseline="0" cap="all" i="0" spc="0" strike="noStrike" sz="30300" u="none">
           <a:solidFill>
             <a:schemeClr val="accent1"/>
           </a:solidFill>
           <a:uFillTx/>
-          <a:latin typeface="+mn-lt"/>
-          <a:ea typeface="+mn-ea"/>
-          <a:cs typeface="+mn-cs"/>
+          <a:latin typeface="DIN Condensed Bold"/>
+          <a:ea typeface="DIN Condensed Bold"/>
+          <a:cs typeface="DIN Condensed Bold"/>
           <a:sym typeface="DIN Condensed Bold"/>
         </a:defRPr>
       </a:lvl4pPr>
@@ -3939,7 +3848,7 @@
           <a:spcPct val="80000"/>
         </a:lnSpc>
         <a:spcBef>
-          <a:spcPts val="3900"/>
+          <a:spcPts val="0"/>
         </a:spcBef>
         <a:spcAft>
           <a:spcPts val="0"/>
@@ -3949,14 +3858,14 @@
         <a:buFontTx/>
         <a:buNone/>
         <a:tabLst/>
-        <a:defRPr b="0" baseline="0" cap="all" i="0" spc="0" strike="noStrike" sz="8700" u="none">
+        <a:defRPr b="0" baseline="0" cap="all" i="0" spc="0" strike="noStrike" sz="30300" u="none">
           <a:solidFill>
             <a:schemeClr val="accent1"/>
           </a:solidFill>
           <a:uFillTx/>
-          <a:latin typeface="+mn-lt"/>
-          <a:ea typeface="+mn-ea"/>
-          <a:cs typeface="+mn-cs"/>
+          <a:latin typeface="DIN Condensed Bold"/>
+          <a:ea typeface="DIN Condensed Bold"/>
+          <a:cs typeface="DIN Condensed Bold"/>
           <a:sym typeface="DIN Condensed Bold"/>
         </a:defRPr>
       </a:lvl5pPr>
@@ -3965,7 +3874,7 @@
           <a:spcPct val="80000"/>
         </a:lnSpc>
         <a:spcBef>
-          <a:spcPts val="3900"/>
+          <a:spcPts val="0"/>
         </a:spcBef>
         <a:spcAft>
           <a:spcPts val="0"/>
@@ -3975,14 +3884,14 @@
         <a:buFontTx/>
         <a:buNone/>
         <a:tabLst/>
-        <a:defRPr b="0" baseline="0" cap="all" i="0" spc="0" strike="noStrike" sz="8700" u="none">
+        <a:defRPr b="0" baseline="0" cap="all" i="0" spc="0" strike="noStrike" sz="30300" u="none">
           <a:solidFill>
             <a:schemeClr val="accent1"/>
           </a:solidFill>
           <a:uFillTx/>
-          <a:latin typeface="+mn-lt"/>
-          <a:ea typeface="+mn-ea"/>
-          <a:cs typeface="+mn-cs"/>
+          <a:latin typeface="DIN Condensed Bold"/>
+          <a:ea typeface="DIN Condensed Bold"/>
+          <a:cs typeface="DIN Condensed Bold"/>
           <a:sym typeface="DIN Condensed Bold"/>
         </a:defRPr>
       </a:lvl6pPr>
@@ -3991,7 +3900,7 @@
           <a:spcPct val="80000"/>
         </a:lnSpc>
         <a:spcBef>
-          <a:spcPts val="3900"/>
+          <a:spcPts val="0"/>
         </a:spcBef>
         <a:spcAft>
           <a:spcPts val="0"/>
@@ -4001,14 +3910,14 @@
         <a:buFontTx/>
         <a:buNone/>
         <a:tabLst/>
-        <a:defRPr b="0" baseline="0" cap="all" i="0" spc="0" strike="noStrike" sz="8700" u="none">
+        <a:defRPr b="0" baseline="0" cap="all" i="0" spc="0" strike="noStrike" sz="30300" u="none">
           <a:solidFill>
             <a:schemeClr val="accent1"/>
           </a:solidFill>
           <a:uFillTx/>
-          <a:latin typeface="+mn-lt"/>
-          <a:ea typeface="+mn-ea"/>
-          <a:cs typeface="+mn-cs"/>
+          <a:latin typeface="DIN Condensed Bold"/>
+          <a:ea typeface="DIN Condensed Bold"/>
+          <a:cs typeface="DIN Condensed Bold"/>
           <a:sym typeface="DIN Condensed Bold"/>
         </a:defRPr>
       </a:lvl7pPr>
@@ -4017,7 +3926,7 @@
           <a:spcPct val="80000"/>
         </a:lnSpc>
         <a:spcBef>
-          <a:spcPts val="3900"/>
+          <a:spcPts val="0"/>
         </a:spcBef>
         <a:spcAft>
           <a:spcPts val="0"/>
@@ -4027,14 +3936,14 @@
         <a:buFontTx/>
         <a:buNone/>
         <a:tabLst/>
-        <a:defRPr b="0" baseline="0" cap="all" i="0" spc="0" strike="noStrike" sz="8700" u="none">
+        <a:defRPr b="0" baseline="0" cap="all" i="0" spc="0" strike="noStrike" sz="30300" u="none">
           <a:solidFill>
             <a:schemeClr val="accent1"/>
           </a:solidFill>
           <a:uFillTx/>
-          <a:latin typeface="+mn-lt"/>
-          <a:ea typeface="+mn-ea"/>
-          <a:cs typeface="+mn-cs"/>
+          <a:latin typeface="DIN Condensed Bold"/>
+          <a:ea typeface="DIN Condensed Bold"/>
+          <a:cs typeface="DIN Condensed Bold"/>
           <a:sym typeface="DIN Condensed Bold"/>
         </a:defRPr>
       </a:lvl8pPr>
@@ -4043,7 +3952,7 @@
           <a:spcPct val="80000"/>
         </a:lnSpc>
         <a:spcBef>
-          <a:spcPts val="3900"/>
+          <a:spcPts val="0"/>
         </a:spcBef>
         <a:spcAft>
           <a:spcPts val="0"/>
@@ -4053,292 +3962,256 @@
         <a:buFontTx/>
         <a:buNone/>
         <a:tabLst/>
-        <a:defRPr b="0" baseline="0" cap="all" i="0" spc="0" strike="noStrike" sz="8700" u="none">
+        <a:defRPr b="0" baseline="0" cap="all" i="0" spc="0" strike="noStrike" sz="30300" u="none">
           <a:solidFill>
             <a:schemeClr val="accent1"/>
           </a:solidFill>
           <a:uFillTx/>
-          <a:latin typeface="+mn-lt"/>
-          <a:ea typeface="+mn-ea"/>
-          <a:cs typeface="+mn-cs"/>
+          <a:latin typeface="DIN Condensed Bold"/>
+          <a:ea typeface="DIN Condensed Bold"/>
+          <a:cs typeface="DIN Condensed Bold"/>
           <a:sym typeface="DIN Condensed Bold"/>
         </a:defRPr>
       </a:lvl9pPr>
     </p:titleStyle>
     <p:bodyStyle>
-      <a:lvl1pPr marL="635000" marR="0" indent="-635000" algn="l" defTabSz="825500" rtl="0" latinLnBrk="0">
+      <a:lvl1pPr marL="0" marR="0" indent="0" algn="l" defTabSz="825500" rtl="0" latinLnBrk="0">
         <a:lnSpc>
-          <a:spcPct val="100000"/>
+          <a:spcPct val="80000"/>
         </a:lnSpc>
         <a:spcBef>
-          <a:spcPts val="3900"/>
+          <a:spcPts val="3200"/>
         </a:spcBef>
         <a:spcAft>
           <a:spcPts val="0"/>
         </a:spcAft>
-        <a:buClr>
-          <a:schemeClr val="accent1">
-            <a:satOff val="-4060"/>
-          </a:schemeClr>
-        </a:buClr>
-        <a:buSzPct val="104999"/>
-        <a:buFont typeface="Avenir Next Regular"/>
-        <a:buChar char="‣"/>
+        <a:buClrTx/>
+        <a:buSzTx/>
+        <a:buFontTx/>
+        <a:buNone/>
         <a:tabLst/>
-        <a:defRPr b="0" baseline="0" cap="none" i="0" spc="0" strike="noStrike" sz="4800" u="none">
+        <a:defRPr b="0" baseline="0" cap="all" i="0" spc="0" strike="noStrike" sz="7700" u="none">
           <a:solidFill>
-            <a:srgbClr val="838787"/>
+            <a:srgbClr val="A6AAA9"/>
           </a:solidFill>
           <a:uFillTx/>
-          <a:latin typeface="Avenir Next Medium"/>
-          <a:ea typeface="Avenir Next Medium"/>
-          <a:cs typeface="Avenir Next Medium"/>
-          <a:sym typeface="Avenir Next Medium"/>
+          <a:latin typeface="DIN Alternate Bold"/>
+          <a:ea typeface="DIN Alternate Bold"/>
+          <a:cs typeface="DIN Alternate Bold"/>
+          <a:sym typeface="DIN Alternate Bold"/>
         </a:defRPr>
       </a:lvl1pPr>
-      <a:lvl2pPr marL="1270000" marR="0" indent="-635000" algn="l" defTabSz="825500" rtl="0" latinLnBrk="0">
+      <a:lvl2pPr marL="0" marR="0" indent="0" algn="l" defTabSz="825500" rtl="0" latinLnBrk="0">
         <a:lnSpc>
-          <a:spcPct val="100000"/>
+          <a:spcPct val="80000"/>
         </a:lnSpc>
         <a:spcBef>
-          <a:spcPts val="3900"/>
+          <a:spcPts val="3200"/>
         </a:spcBef>
         <a:spcAft>
           <a:spcPts val="0"/>
         </a:spcAft>
-        <a:buClr>
-          <a:schemeClr val="accent1">
-            <a:satOff val="-4060"/>
-          </a:schemeClr>
-        </a:buClr>
-        <a:buSzPct val="104999"/>
-        <a:buFont typeface="Avenir Next Regular"/>
-        <a:buChar char="‣"/>
+        <a:buClrTx/>
+        <a:buSzTx/>
+        <a:buFontTx/>
+        <a:buNone/>
         <a:tabLst/>
-        <a:defRPr b="0" baseline="0" cap="none" i="0" spc="0" strike="noStrike" sz="4800" u="none">
+        <a:defRPr b="0" baseline="0" cap="all" i="0" spc="0" strike="noStrike" sz="7700" u="none">
           <a:solidFill>
-            <a:srgbClr val="838787"/>
+            <a:srgbClr val="A6AAA9"/>
           </a:solidFill>
           <a:uFillTx/>
-          <a:latin typeface="Avenir Next Medium"/>
-          <a:ea typeface="Avenir Next Medium"/>
-          <a:cs typeface="Avenir Next Medium"/>
-          <a:sym typeface="Avenir Next Medium"/>
+          <a:latin typeface="DIN Alternate Bold"/>
+          <a:ea typeface="DIN Alternate Bold"/>
+          <a:cs typeface="DIN Alternate Bold"/>
+          <a:sym typeface="DIN Alternate Bold"/>
         </a:defRPr>
       </a:lvl2pPr>
-      <a:lvl3pPr marL="1905000" marR="0" indent="-635000" algn="l" defTabSz="825500" rtl="0" latinLnBrk="0">
+      <a:lvl3pPr marL="0" marR="0" indent="0" algn="l" defTabSz="825500" rtl="0" latinLnBrk="0">
         <a:lnSpc>
-          <a:spcPct val="100000"/>
+          <a:spcPct val="80000"/>
         </a:lnSpc>
         <a:spcBef>
-          <a:spcPts val="3900"/>
+          <a:spcPts val="3200"/>
         </a:spcBef>
         <a:spcAft>
           <a:spcPts val="0"/>
         </a:spcAft>
-        <a:buClr>
-          <a:schemeClr val="accent1">
-            <a:satOff val="-4060"/>
-          </a:schemeClr>
-        </a:buClr>
-        <a:buSzPct val="104999"/>
-        <a:buFont typeface="Avenir Next Regular"/>
-        <a:buChar char="‣"/>
+        <a:buClrTx/>
+        <a:buSzTx/>
+        <a:buFontTx/>
+        <a:buNone/>
         <a:tabLst/>
-        <a:defRPr b="0" baseline="0" cap="none" i="0" spc="0" strike="noStrike" sz="4800" u="none">
+        <a:defRPr b="0" baseline="0" cap="all" i="0" spc="0" strike="noStrike" sz="7700" u="none">
           <a:solidFill>
-            <a:srgbClr val="838787"/>
+            <a:srgbClr val="A6AAA9"/>
           </a:solidFill>
           <a:uFillTx/>
-          <a:latin typeface="Avenir Next Medium"/>
-          <a:ea typeface="Avenir Next Medium"/>
-          <a:cs typeface="Avenir Next Medium"/>
-          <a:sym typeface="Avenir Next Medium"/>
+          <a:latin typeface="DIN Alternate Bold"/>
+          <a:ea typeface="DIN Alternate Bold"/>
+          <a:cs typeface="DIN Alternate Bold"/>
+          <a:sym typeface="DIN Alternate Bold"/>
         </a:defRPr>
       </a:lvl3pPr>
-      <a:lvl4pPr marL="2540000" marR="0" indent="-635000" algn="l" defTabSz="825500" rtl="0" latinLnBrk="0">
+      <a:lvl4pPr marL="0" marR="0" indent="0" algn="l" defTabSz="825500" rtl="0" latinLnBrk="0">
         <a:lnSpc>
-          <a:spcPct val="100000"/>
+          <a:spcPct val="80000"/>
         </a:lnSpc>
         <a:spcBef>
-          <a:spcPts val="3900"/>
+          <a:spcPts val="3200"/>
         </a:spcBef>
         <a:spcAft>
           <a:spcPts val="0"/>
         </a:spcAft>
-        <a:buClr>
-          <a:schemeClr val="accent1">
-            <a:satOff val="-4060"/>
-          </a:schemeClr>
-        </a:buClr>
-        <a:buSzPct val="104999"/>
-        <a:buFont typeface="Avenir Next Regular"/>
-        <a:buChar char="‣"/>
+        <a:buClrTx/>
+        <a:buSzTx/>
+        <a:buFontTx/>
+        <a:buNone/>
         <a:tabLst/>
-        <a:defRPr b="0" baseline="0" cap="none" i="0" spc="0" strike="noStrike" sz="4800" u="none">
+        <a:defRPr b="0" baseline="0" cap="all" i="0" spc="0" strike="noStrike" sz="7700" u="none">
           <a:solidFill>
-            <a:srgbClr val="838787"/>
+            <a:srgbClr val="A6AAA9"/>
           </a:solidFill>
           <a:uFillTx/>
-          <a:latin typeface="Avenir Next Medium"/>
-          <a:ea typeface="Avenir Next Medium"/>
-          <a:cs typeface="Avenir Next Medium"/>
-          <a:sym typeface="Avenir Next Medium"/>
+          <a:latin typeface="DIN Alternate Bold"/>
+          <a:ea typeface="DIN Alternate Bold"/>
+          <a:cs typeface="DIN Alternate Bold"/>
+          <a:sym typeface="DIN Alternate Bold"/>
         </a:defRPr>
       </a:lvl4pPr>
-      <a:lvl5pPr marL="3175000" marR="0" indent="-635000" algn="l" defTabSz="825500" rtl="0" latinLnBrk="0">
+      <a:lvl5pPr marL="0" marR="0" indent="0" algn="l" defTabSz="825500" rtl="0" latinLnBrk="0">
         <a:lnSpc>
-          <a:spcPct val="100000"/>
+          <a:spcPct val="80000"/>
         </a:lnSpc>
         <a:spcBef>
-          <a:spcPts val="3900"/>
+          <a:spcPts val="3200"/>
         </a:spcBef>
         <a:spcAft>
           <a:spcPts val="0"/>
         </a:spcAft>
-        <a:buClr>
-          <a:schemeClr val="accent1">
-            <a:satOff val="-4060"/>
-          </a:schemeClr>
-        </a:buClr>
-        <a:buSzPct val="104999"/>
-        <a:buFont typeface="Avenir Next Regular"/>
-        <a:buChar char="‣"/>
+        <a:buClrTx/>
+        <a:buSzTx/>
+        <a:buFontTx/>
+        <a:buNone/>
         <a:tabLst/>
-        <a:defRPr b="0" baseline="0" cap="none" i="0" spc="0" strike="noStrike" sz="4800" u="none">
+        <a:defRPr b="0" baseline="0" cap="all" i="0" spc="0" strike="noStrike" sz="7700" u="none">
           <a:solidFill>
-            <a:srgbClr val="838787"/>
+            <a:srgbClr val="A6AAA9"/>
           </a:solidFill>
           <a:uFillTx/>
-          <a:latin typeface="Avenir Next Medium"/>
-          <a:ea typeface="Avenir Next Medium"/>
-          <a:cs typeface="Avenir Next Medium"/>
-          <a:sym typeface="Avenir Next Medium"/>
+          <a:latin typeface="DIN Alternate Bold"/>
+          <a:ea typeface="DIN Alternate Bold"/>
+          <a:cs typeface="DIN Alternate Bold"/>
+          <a:sym typeface="DIN Alternate Bold"/>
         </a:defRPr>
       </a:lvl5pPr>
-      <a:lvl6pPr marL="3810000" marR="0" indent="-635000" algn="l" defTabSz="825500" rtl="0" latinLnBrk="0">
+      <a:lvl6pPr marL="4193645" marR="0" indent="-1018645" algn="l" defTabSz="825500" rtl="0" latinLnBrk="0">
         <a:lnSpc>
-          <a:spcPct val="100000"/>
+          <a:spcPct val="80000"/>
         </a:lnSpc>
         <a:spcBef>
-          <a:spcPts val="3900"/>
+          <a:spcPts val="3200"/>
         </a:spcBef>
         <a:spcAft>
           <a:spcPts val="0"/>
         </a:spcAft>
-        <a:buClr>
-          <a:schemeClr val="accent1">
-            <a:satOff val="-4060"/>
-          </a:schemeClr>
-        </a:buClr>
+        <a:buClrTx/>
         <a:buSzPct val="104999"/>
-        <a:buFont typeface="Avenir Next Regular"/>
+        <a:buFontTx/>
         <a:buChar char="‣"/>
         <a:tabLst/>
-        <a:defRPr b="0" baseline="0" cap="none" i="0" spc="0" strike="noStrike" sz="4800" u="none">
+        <a:defRPr b="0" baseline="0" cap="all" i="0" spc="0" strike="noStrike" sz="7700" u="none">
           <a:solidFill>
-            <a:srgbClr val="838787"/>
+            <a:srgbClr val="A6AAA9"/>
           </a:solidFill>
           <a:uFillTx/>
-          <a:latin typeface="Avenir Next Medium"/>
-          <a:ea typeface="Avenir Next Medium"/>
-          <a:cs typeface="Avenir Next Medium"/>
-          <a:sym typeface="Avenir Next Medium"/>
+          <a:latin typeface="DIN Alternate Bold"/>
+          <a:ea typeface="DIN Alternate Bold"/>
+          <a:cs typeface="DIN Alternate Bold"/>
+          <a:sym typeface="DIN Alternate Bold"/>
         </a:defRPr>
       </a:lvl6pPr>
-      <a:lvl7pPr marL="4445000" marR="0" indent="-635000" algn="l" defTabSz="825500" rtl="0" latinLnBrk="0">
+      <a:lvl7pPr marL="4828645" marR="0" indent="-1018645" algn="l" defTabSz="825500" rtl="0" latinLnBrk="0">
         <a:lnSpc>
-          <a:spcPct val="100000"/>
+          <a:spcPct val="80000"/>
         </a:lnSpc>
         <a:spcBef>
-          <a:spcPts val="3900"/>
+          <a:spcPts val="3200"/>
         </a:spcBef>
         <a:spcAft>
           <a:spcPts val="0"/>
         </a:spcAft>
-        <a:buClr>
-          <a:schemeClr val="accent1">
-            <a:satOff val="-4060"/>
-          </a:schemeClr>
-        </a:buClr>
+        <a:buClrTx/>
         <a:buSzPct val="104999"/>
-        <a:buFont typeface="Avenir Next Regular"/>
+        <a:buFontTx/>
         <a:buChar char="‣"/>
         <a:tabLst/>
-        <a:defRPr b="0" baseline="0" cap="none" i="0" spc="0" strike="noStrike" sz="4800" u="none">
+        <a:defRPr b="0" baseline="0" cap="all" i="0" spc="0" strike="noStrike" sz="7700" u="none">
           <a:solidFill>
-            <a:srgbClr val="838787"/>
+            <a:srgbClr val="A6AAA9"/>
           </a:solidFill>
           <a:uFillTx/>
-          <a:latin typeface="Avenir Next Medium"/>
-          <a:ea typeface="Avenir Next Medium"/>
-          <a:cs typeface="Avenir Next Medium"/>
-          <a:sym typeface="Avenir Next Medium"/>
+          <a:latin typeface="DIN Alternate Bold"/>
+          <a:ea typeface="DIN Alternate Bold"/>
+          <a:cs typeface="DIN Alternate Bold"/>
+          <a:sym typeface="DIN Alternate Bold"/>
         </a:defRPr>
       </a:lvl7pPr>
-      <a:lvl8pPr marL="5080000" marR="0" indent="-635000" algn="l" defTabSz="825500" rtl="0" latinLnBrk="0">
+      <a:lvl8pPr marL="5463645" marR="0" indent="-1018645" algn="l" defTabSz="825500" rtl="0" latinLnBrk="0">
         <a:lnSpc>
-          <a:spcPct val="100000"/>
+          <a:spcPct val="80000"/>
         </a:lnSpc>
         <a:spcBef>
-          <a:spcPts val="3900"/>
+          <a:spcPts val="3200"/>
         </a:spcBef>
         <a:spcAft>
           <a:spcPts val="0"/>
         </a:spcAft>
-        <a:buClr>
-          <a:schemeClr val="accent1">
-            <a:satOff val="-4060"/>
-          </a:schemeClr>
-        </a:buClr>
+        <a:buClrTx/>
         <a:buSzPct val="104999"/>
-        <a:buFont typeface="Avenir Next Regular"/>
+        <a:buFontTx/>
         <a:buChar char="‣"/>
         <a:tabLst/>
-        <a:defRPr b="0" baseline="0" cap="none" i="0" spc="0" strike="noStrike" sz="4800" u="none">
+        <a:defRPr b="0" baseline="0" cap="all" i="0" spc="0" strike="noStrike" sz="7700" u="none">
           <a:solidFill>
-            <a:srgbClr val="838787"/>
+            <a:srgbClr val="A6AAA9"/>
           </a:solidFill>
           <a:uFillTx/>
-          <a:latin typeface="Avenir Next Medium"/>
-          <a:ea typeface="Avenir Next Medium"/>
-          <a:cs typeface="Avenir Next Medium"/>
-          <a:sym typeface="Avenir Next Medium"/>
+          <a:latin typeface="DIN Alternate Bold"/>
+          <a:ea typeface="DIN Alternate Bold"/>
+          <a:cs typeface="DIN Alternate Bold"/>
+          <a:sym typeface="DIN Alternate Bold"/>
         </a:defRPr>
       </a:lvl8pPr>
-      <a:lvl9pPr marL="5715000" marR="0" indent="-635000" algn="l" defTabSz="825500" rtl="0" latinLnBrk="0">
+      <a:lvl9pPr marL="6098645" marR="0" indent="-1018645" algn="l" defTabSz="825500" rtl="0" latinLnBrk="0">
         <a:lnSpc>
-          <a:spcPct val="100000"/>
+          <a:spcPct val="80000"/>
         </a:lnSpc>
         <a:spcBef>
-          <a:spcPts val="3900"/>
+          <a:spcPts val="3200"/>
         </a:spcBef>
         <a:spcAft>
           <a:spcPts val="0"/>
         </a:spcAft>
-        <a:buClr>
-          <a:schemeClr val="accent1">
-            <a:satOff val="-4060"/>
-          </a:schemeClr>
-        </a:buClr>
+        <a:buClrTx/>
         <a:buSzPct val="104999"/>
-        <a:buFont typeface="Avenir Next Regular"/>
+        <a:buFontTx/>
         <a:buChar char="‣"/>
         <a:tabLst/>
-        <a:defRPr b="0" baseline="0" cap="none" i="0" spc="0" strike="noStrike" sz="4800" u="none">
+        <a:defRPr b="0" baseline="0" cap="all" i="0" spc="0" strike="noStrike" sz="7700" u="none">
           <a:solidFill>
-            <a:srgbClr val="838787"/>
+            <a:srgbClr val="A6AAA9"/>
           </a:solidFill>
           <a:uFillTx/>
-          <a:latin typeface="Avenir Next Medium"/>
-          <a:ea typeface="Avenir Next Medium"/>
-          <a:cs typeface="Avenir Next Medium"/>
-          <a:sym typeface="Avenir Next Medium"/>
+          <a:latin typeface="DIN Alternate Bold"/>
+          <a:ea typeface="DIN Alternate Bold"/>
+          <a:cs typeface="DIN Alternate Bold"/>
+          <a:sym typeface="DIN Alternate Bold"/>
         </a:defRPr>
       </a:lvl9pPr>
     </p:bodyStyle>
     <p:otherStyle>
-      <a:lvl1pPr marL="0" marR="0" indent="0" algn="r" defTabSz="825500" latinLnBrk="0">
+      <a:lvl1pPr marL="0" marR="0" indent="0" algn="r" defTabSz="825500" rtl="0" latinLnBrk="0">
         <a:lnSpc>
           <a:spcPct val="80000"/>
         </a:lnSpc>
@@ -4364,7 +4237,7 @@
           <a:sym typeface="DIN Alternate Bold"/>
         </a:defRPr>
       </a:lvl1pPr>
-      <a:lvl2pPr marL="0" marR="0" indent="228600" algn="r" defTabSz="825500" latinLnBrk="0">
+      <a:lvl2pPr marL="0" marR="0" indent="0" algn="r" defTabSz="825500" rtl="0" latinLnBrk="0">
         <a:lnSpc>
           <a:spcPct val="80000"/>
         </a:lnSpc>
@@ -4390,7 +4263,7 @@
           <a:sym typeface="DIN Alternate Bold"/>
         </a:defRPr>
       </a:lvl2pPr>
-      <a:lvl3pPr marL="0" marR="0" indent="457200" algn="r" defTabSz="825500" latinLnBrk="0">
+      <a:lvl3pPr marL="0" marR="0" indent="0" algn="r" defTabSz="825500" rtl="0" latinLnBrk="0">
         <a:lnSpc>
           <a:spcPct val="80000"/>
         </a:lnSpc>
@@ -4416,7 +4289,7 @@
           <a:sym typeface="DIN Alternate Bold"/>
         </a:defRPr>
       </a:lvl3pPr>
-      <a:lvl4pPr marL="0" marR="0" indent="685800" algn="r" defTabSz="825500" latinLnBrk="0">
+      <a:lvl4pPr marL="0" marR="0" indent="0" algn="r" defTabSz="825500" rtl="0" latinLnBrk="0">
         <a:lnSpc>
           <a:spcPct val="80000"/>
         </a:lnSpc>
@@ -4442,7 +4315,7 @@
           <a:sym typeface="DIN Alternate Bold"/>
         </a:defRPr>
       </a:lvl4pPr>
-      <a:lvl5pPr marL="0" marR="0" indent="914400" algn="r" defTabSz="825500" latinLnBrk="0">
+      <a:lvl5pPr marL="0" marR="0" indent="0" algn="r" defTabSz="825500" rtl="0" latinLnBrk="0">
         <a:lnSpc>
           <a:spcPct val="80000"/>
         </a:lnSpc>
@@ -4468,7 +4341,7 @@
           <a:sym typeface="DIN Alternate Bold"/>
         </a:defRPr>
       </a:lvl5pPr>
-      <a:lvl6pPr marL="0" marR="0" indent="1143000" algn="r" defTabSz="825500" latinLnBrk="0">
+      <a:lvl6pPr marL="0" marR="0" indent="0" algn="r" defTabSz="825500" rtl="0" latinLnBrk="0">
         <a:lnSpc>
           <a:spcPct val="80000"/>
         </a:lnSpc>
@@ -4494,7 +4367,7 @@
           <a:sym typeface="DIN Alternate Bold"/>
         </a:defRPr>
       </a:lvl6pPr>
-      <a:lvl7pPr marL="0" marR="0" indent="1371600" algn="r" defTabSz="825500" latinLnBrk="0">
+      <a:lvl7pPr marL="0" marR="0" indent="0" algn="r" defTabSz="825500" rtl="0" latinLnBrk="0">
         <a:lnSpc>
           <a:spcPct val="80000"/>
         </a:lnSpc>
@@ -4520,7 +4393,7 @@
           <a:sym typeface="DIN Alternate Bold"/>
         </a:defRPr>
       </a:lvl7pPr>
-      <a:lvl8pPr marL="0" marR="0" indent="1600200" algn="r" defTabSz="825500" latinLnBrk="0">
+      <a:lvl8pPr marL="0" marR="0" indent="0" algn="r" defTabSz="825500" rtl="0" latinLnBrk="0">
         <a:lnSpc>
           <a:spcPct val="80000"/>
         </a:lnSpc>
@@ -4546,7 +4419,7 @@
           <a:sym typeface="DIN Alternate Bold"/>
         </a:defRPr>
       </a:lvl8pPr>
-      <a:lvl9pPr marL="0" marR="0" indent="1828800" algn="r" defTabSz="825500" latinLnBrk="0">
+      <a:lvl9pPr marL="0" marR="0" indent="0" algn="r" defTabSz="825500" rtl="0" latinLnBrk="0">
         <a:lnSpc>
           <a:spcPct val="80000"/>
         </a:lnSpc>
@@ -4596,7 +4469,7 @@
       </p:grpSpPr>
       <p:sp>
         <p:nvSpPr>
-          <p:cNvPr id="166" name="Rapport optimisation"/>
+          <p:cNvPr id="169" name="Rapport optimisation"/>
           <p:cNvSpPr txBox="1"/>
           <p:nvPr>
             <p:ph type="ctrTitle"/>
@@ -4611,7 +4484,7 @@
           <a:bodyPr/>
           <a:lstStyle>
             <a:lvl1pPr defTabSz="668655">
-              <a:defRPr sz="24543"/>
+              <a:defRPr sz="24500"/>
             </a:lvl1pPr>
           </a:lstStyle>
           <a:p>
@@ -4624,7 +4497,7 @@
       </p:sp>
       <p:sp>
         <p:nvSpPr>
-          <p:cNvPr id="167" name="P4 : SPYSSCHAERT STeven"/>
+          <p:cNvPr id="170" name="P4 : SPYSSCHAERT STeven"/>
           <p:cNvSpPr txBox="1"/>
           <p:nvPr>
             <p:ph type="subTitle" sz="quarter" idx="1"/>
@@ -4646,6 +4519,929 @@
           </a:p>
         </p:txBody>
       </p:sp>
+    </p:spTree>
+  </p:cSld>
+  <p:clrMapOvr>
+    <a:masterClrMapping/>
+  </p:clrMapOvr>
+  <p:transition xmlns:p14="http://schemas.microsoft.com/office/powerpoint/2010/main" spd="med" advClick="1"/>
+</p:sld>
+</file>
+
+<file path=ppt/slides/slide10.xml><?xml version="1.0" encoding="utf-8"?>
+<p:sld xmlns:a="http://schemas.openxmlformats.org/drawingml/2006/main" xmlns:r="http://schemas.openxmlformats.org/officeDocument/2006/relationships" xmlns:p="http://schemas.openxmlformats.org/presentationml/2006/main" xmlns:m="http://schemas.openxmlformats.org/officeDocument/2006/math" xmlns:a14="http://schemas.microsoft.com/office/drawing/2010/main" showMasterSp="1" showMasterPhAnim="1">
+  <p:cSld>
+    <p:spTree>
+      <p:nvGrpSpPr>
+        <p:cNvPr id="1" name=""/>
+        <p:cNvGrpSpPr/>
+        <p:nvPr/>
+      </p:nvGrpSpPr>
+      <p:grpSpPr>
+        <a:xfrm>
+          <a:off x="0" y="0"/>
+          <a:ext cx="0" cy="0"/>
+          <a:chOff x="0" y="0"/>
+          <a:chExt cx="0" cy="0"/>
+        </a:xfrm>
+      </p:grpSpPr>
+      <p:sp>
+        <p:nvSpPr>
+          <p:cNvPr id="218" name="PARTIE III : COMPARAISON PERFORMANCE : AVANT / APRÈS"/>
+          <p:cNvSpPr txBox="1"/>
+          <p:nvPr>
+            <p:ph type="title"/>
+          </p:nvPr>
+        </p:nvSpPr>
+        <p:spPr>
+          <a:xfrm>
+            <a:off x="762000" y="3683000"/>
+            <a:ext cx="22860000" cy="6350000"/>
+          </a:xfrm>
+          <a:prstGeom prst="rect">
+            <a:avLst/>
+          </a:prstGeom>
+        </p:spPr>
+        <p:txBody>
+          <a:bodyPr/>
+          <a:lstStyle>
+            <a:lvl1pPr defTabSz="495300">
+              <a:defRPr sz="18180"/>
+            </a:lvl1pPr>
+          </a:lstStyle>
+          <a:p>
+            <a:pPr/>
+            <a:r>
+              <a:t>PARTIE III : COMPARAISON PERFORMANCE : AVANT / APRÈS</a:t>
+            </a:r>
+          </a:p>
+        </p:txBody>
+      </p:sp>
+    </p:spTree>
+  </p:cSld>
+  <p:clrMapOvr>
+    <a:masterClrMapping/>
+  </p:clrMapOvr>
+  <p:transition xmlns:p14="http://schemas.microsoft.com/office/powerpoint/2010/main" spd="med" advClick="1"/>
+</p:sld>
+</file>
+
+<file path=ppt/slides/slide11.xml><?xml version="1.0" encoding="utf-8"?>
+<p:sld xmlns:a="http://schemas.openxmlformats.org/drawingml/2006/main" xmlns:r="http://schemas.openxmlformats.org/officeDocument/2006/relationships" xmlns:p="http://schemas.openxmlformats.org/presentationml/2006/main" xmlns:m="http://schemas.openxmlformats.org/officeDocument/2006/math" xmlns:a14="http://schemas.microsoft.com/office/drawing/2010/main" showMasterSp="1" showMasterPhAnim="1">
+  <p:cSld>
+    <p:spTree>
+      <p:nvGrpSpPr>
+        <p:cNvPr id="1" name=""/>
+        <p:cNvGrpSpPr/>
+        <p:nvPr/>
+      </p:nvGrpSpPr>
+      <p:grpSpPr>
+        <a:xfrm>
+          <a:off x="0" y="0"/>
+          <a:ext cx="0" cy="0"/>
+          <a:chOff x="0" y="0"/>
+          <a:chExt cx="0" cy="0"/>
+        </a:xfrm>
+      </p:grpSpPr>
+      <p:sp>
+        <p:nvSpPr>
+          <p:cNvPr id="220" name="PARTIE III : AVANT PERFORMANCE (SANS CORRECTIONS) INDEX.HTML"/>
+          <p:cNvSpPr txBox="1"/>
+          <p:nvPr>
+            <p:ph type="body" sz="quarter" idx="1"/>
+          </p:nvPr>
+        </p:nvSpPr>
+        <p:spPr>
+          <a:prstGeom prst="rect">
+            <a:avLst/>
+          </a:prstGeom>
+        </p:spPr>
+        <p:txBody>
+          <a:bodyPr/>
+          <a:lstStyle/>
+          <a:p>
+            <a:pPr/>
+            <a:r>
+              <a:t>PARTIE III : AVANT PERFORMANCE (SANS CORRECTIONS) INDEX.HTML</a:t>
+            </a:r>
+          </a:p>
+        </p:txBody>
+      </p:sp>
+      <p:pic>
+        <p:nvPicPr>
+          <p:cNvPr id="221" name="Capture d’écran 2022-02-26 à 17.11.50.png" descr="Capture d’écran 2022-02-26 à 17.11.50.png"/>
+          <p:cNvPicPr>
+            <a:picLocks noChangeAspect="1"/>
+          </p:cNvPicPr>
+          <p:nvPr>
+            <p:ph type="pic" idx="21"/>
+          </p:nvPr>
+        </p:nvPicPr>
+        <p:blipFill>
+          <a:blip r:embed="rId2">
+            <a:extLst/>
+          </a:blip>
+          <a:srcRect l="7714" t="0" r="7714" b="0"/>
+          <a:stretch>
+            <a:fillRect/>
+          </a:stretch>
+        </p:blipFill>
+        <p:spPr>
+          <a:xfrm>
+            <a:off x="14302591" y="2483004"/>
+            <a:ext cx="9298032" cy="10261428"/>
+          </a:xfrm>
+          <a:prstGeom prst="rect">
+            <a:avLst/>
+          </a:prstGeom>
+        </p:spPr>
+      </p:pic>
+      <p:sp>
+        <p:nvSpPr>
+          <p:cNvPr id="222" name="Texte niveau 1…"/>
+          <p:cNvSpPr txBox="1"/>
+          <p:nvPr>
+            <p:ph type="body" idx="22"/>
+          </p:nvPr>
+        </p:nvSpPr>
+        <p:spPr>
+          <a:xfrm>
+            <a:off x="762000" y="2471737"/>
+            <a:ext cx="11747500" cy="9920638"/>
+          </a:xfrm>
+          <a:prstGeom prst="rect">
+            <a:avLst/>
+          </a:prstGeom>
+          <a:extLst>
+            <a:ext uri="{C572A759-6A51-4108-AA02-DFA0A04FC94B}">
+              <ma14:wrappingTextBoxFlag xmlns:ma14="http://schemas.microsoft.com/office/mac/drawingml/2011/main" val="1"/>
+            </a:ext>
+          </a:extLst>
+        </p:spPr>
+        <p:txBody>
+          <a:bodyPr/>
+          <a:lstStyle/>
+          <a:p>
+            <a:pPr marL="635000" indent="-635000">
+              <a:lnSpc>
+                <a:spcPct val="100000"/>
+              </a:lnSpc>
+              <a:spcBef>
+                <a:spcPts val="3900"/>
+              </a:spcBef>
+              <a:buClr>
+                <a:schemeClr val="accent1"/>
+              </a:buClr>
+              <a:buSzPct val="104999"/>
+              <a:buFont typeface="Avenir Next Regular"/>
+              <a:buChar char="▸"/>
+              <a:defRPr cap="none" sz="4000">
+                <a:solidFill>
+                  <a:srgbClr val="838787"/>
+                </a:solidFill>
+                <a:latin typeface="Avenir Next Medium"/>
+                <a:ea typeface="Avenir Next Medium"/>
+                <a:cs typeface="Avenir Next Medium"/>
+                <a:sym typeface="Avenir Next Medium"/>
+              </a:defRPr>
+            </a:pPr>
+            <a:r>
+              <a:t>Poids initial de l’une de nos images : </a:t>
+            </a:r>
+            <a:br/>
+            <a:br/>
+            <a:br/>
+            <a:br/>
+            <a:br/>
+            <a:br/>
+            <a:br/>
+            <a:br/>
+            <a:br/>
+          </a:p>
+          <a:p>
+            <a:pPr marL="635000" indent="-635000">
+              <a:lnSpc>
+                <a:spcPct val="100000"/>
+              </a:lnSpc>
+              <a:spcBef>
+                <a:spcPts val="3900"/>
+              </a:spcBef>
+              <a:buClr>
+                <a:schemeClr val="accent1"/>
+              </a:buClr>
+              <a:buSzPct val="104999"/>
+              <a:buFont typeface="Avenir Next Regular"/>
+              <a:buChar char="▸"/>
+              <a:defRPr cap="none" sz="4000">
+                <a:solidFill>
+                  <a:srgbClr val="838787"/>
+                </a:solidFill>
+                <a:latin typeface="Avenir Next Medium"/>
+                <a:ea typeface="Avenir Next Medium"/>
+                <a:cs typeface="Avenir Next Medium"/>
+                <a:sym typeface="Avenir Next Medium"/>
+              </a:defRPr>
+            </a:pPr>
+            <a:r>
+              <a:t>CSS initial : </a:t>
+            </a:r>
+          </a:p>
+        </p:txBody>
+      </p:sp>
+      <p:pic>
+        <p:nvPicPr>
+          <p:cNvPr id="223" name="Capture d’écran 2022-02-26 à 17.14.45.png" descr="Capture d’écran 2022-02-26 à 17.14.45.png"/>
+          <p:cNvPicPr>
+            <a:picLocks noChangeAspect="0"/>
+          </p:cNvPicPr>
+          <p:nvPr/>
+        </p:nvPicPr>
+        <p:blipFill>
+          <a:blip r:embed="rId3">
+            <a:extLst/>
+          </a:blip>
+          <a:stretch>
+            <a:fillRect/>
+          </a:stretch>
+        </p:blipFill>
+        <p:spPr>
+          <a:xfrm>
+            <a:off x="837552" y="3333905"/>
+            <a:ext cx="4531298" cy="5776251"/>
+          </a:xfrm>
+          <a:prstGeom prst="rect">
+            <a:avLst/>
+          </a:prstGeom>
+          <a:ln w="12700">
+            <a:miter lim="400000"/>
+          </a:ln>
+        </p:spPr>
+      </p:pic>
+      <p:pic>
+        <p:nvPicPr>
+          <p:cNvPr id="224" name="Capture d’écran 2022-02-26 à 17.17.20.png" descr="Capture d’écran 2022-02-26 à 17.17.20.png"/>
+          <p:cNvPicPr>
+            <a:picLocks noChangeAspect="1"/>
+          </p:cNvPicPr>
+          <p:nvPr/>
+        </p:nvPicPr>
+        <p:blipFill>
+          <a:blip r:embed="rId4">
+            <a:extLst/>
+          </a:blip>
+          <a:stretch>
+            <a:fillRect/>
+          </a:stretch>
+        </p:blipFill>
+        <p:spPr>
+          <a:xfrm>
+            <a:off x="5356363" y="9363695"/>
+            <a:ext cx="3860801" cy="3187701"/>
+          </a:xfrm>
+          <a:prstGeom prst="rect">
+            <a:avLst/>
+          </a:prstGeom>
+          <a:ln w="12700">
+            <a:miter lim="400000"/>
+          </a:ln>
+        </p:spPr>
+      </p:pic>
+    </p:spTree>
+  </p:cSld>
+  <p:clrMapOvr>
+    <a:masterClrMapping/>
+  </p:clrMapOvr>
+  <p:transition xmlns:p14="http://schemas.microsoft.com/office/powerpoint/2010/main" spd="med" advClick="1"/>
+</p:sld>
+</file>
+
+<file path=ppt/slides/slide12.xml><?xml version="1.0" encoding="utf-8"?>
+<p:sld xmlns:a="http://schemas.openxmlformats.org/drawingml/2006/main" xmlns:r="http://schemas.openxmlformats.org/officeDocument/2006/relationships" xmlns:p="http://schemas.openxmlformats.org/presentationml/2006/main" xmlns:m="http://schemas.openxmlformats.org/officeDocument/2006/math" xmlns:a14="http://schemas.microsoft.com/office/drawing/2010/main" showMasterSp="1" showMasterPhAnim="1">
+  <p:cSld>
+    <p:spTree>
+      <p:nvGrpSpPr>
+        <p:cNvPr id="1" name=""/>
+        <p:cNvGrpSpPr/>
+        <p:nvPr/>
+      </p:nvGrpSpPr>
+      <p:grpSpPr>
+        <a:xfrm>
+          <a:off x="0" y="0"/>
+          <a:ext cx="0" cy="0"/>
+          <a:chOff x="0" y="0"/>
+          <a:chExt cx="0" cy="0"/>
+        </a:xfrm>
+      </p:grpSpPr>
+      <p:sp>
+        <p:nvSpPr>
+          <p:cNvPr id="226" name="PARTIE III : Après PERFORMANCE (avec CORRECTIONS) INDEX.HTML"/>
+          <p:cNvSpPr txBox="1"/>
+          <p:nvPr>
+            <p:ph type="body" sz="quarter" idx="1"/>
+          </p:nvPr>
+        </p:nvSpPr>
+        <p:spPr>
+          <a:prstGeom prst="rect">
+            <a:avLst/>
+          </a:prstGeom>
+        </p:spPr>
+        <p:txBody>
+          <a:bodyPr/>
+          <a:lstStyle/>
+          <a:p>
+            <a:pPr/>
+            <a:r>
+              <a:t>PARTIE III : Après PERFORMANCE (avec CORRECTIONS) INDEX.HTML</a:t>
+            </a:r>
+          </a:p>
+        </p:txBody>
+      </p:sp>
+      <p:pic>
+        <p:nvPicPr>
+          <p:cNvPr id="227" name="Capture d’écran 2022-02-26 à 17.18.29.png" descr="Capture d’écran 2022-02-26 à 17.18.29.png"/>
+          <p:cNvPicPr>
+            <a:picLocks noChangeAspect="1"/>
+          </p:cNvPicPr>
+          <p:nvPr>
+            <p:ph type="pic" idx="21"/>
+          </p:nvPr>
+        </p:nvPicPr>
+        <p:blipFill>
+          <a:blip r:embed="rId2">
+            <a:extLst/>
+          </a:blip>
+          <a:srcRect l="0" t="2816" r="0" b="2816"/>
+          <a:stretch>
+            <a:fillRect/>
+          </a:stretch>
+        </p:blipFill>
+        <p:spPr>
+          <a:xfrm>
+            <a:off x="13561841" y="2136982"/>
+            <a:ext cx="10134595" cy="11184669"/>
+          </a:xfrm>
+          <a:prstGeom prst="rect">
+            <a:avLst/>
+          </a:prstGeom>
+        </p:spPr>
+      </p:pic>
+      <p:sp>
+        <p:nvSpPr>
+          <p:cNvPr id="228" name="Texte niveau 1…"/>
+          <p:cNvSpPr txBox="1"/>
+          <p:nvPr>
+            <p:ph type="body" idx="22"/>
+          </p:nvPr>
+        </p:nvSpPr>
+        <p:spPr>
+          <a:xfrm>
+            <a:off x="762000" y="2196597"/>
+            <a:ext cx="11811000" cy="11065502"/>
+          </a:xfrm>
+          <a:prstGeom prst="rect">
+            <a:avLst/>
+          </a:prstGeom>
+          <a:extLst>
+            <a:ext uri="{C572A759-6A51-4108-AA02-DFA0A04FC94B}">
+              <ma14:wrappingTextBoxFlag xmlns:ma14="http://schemas.microsoft.com/office/mac/drawingml/2011/main" val="1"/>
+            </a:ext>
+          </a:extLst>
+        </p:spPr>
+        <p:txBody>
+          <a:bodyPr/>
+          <a:lstStyle/>
+          <a:p>
+            <a:pPr marL="635000" indent="-635000">
+              <a:lnSpc>
+                <a:spcPct val="100000"/>
+              </a:lnSpc>
+              <a:spcBef>
+                <a:spcPts val="3900"/>
+              </a:spcBef>
+              <a:buClr>
+                <a:schemeClr val="accent1"/>
+              </a:buClr>
+              <a:buSzPct val="104999"/>
+              <a:buFont typeface="Avenir Next Regular"/>
+              <a:buChar char="▸"/>
+              <a:defRPr cap="none" sz="4000">
+                <a:solidFill>
+                  <a:srgbClr val="838787"/>
+                </a:solidFill>
+                <a:latin typeface="Avenir Next Medium"/>
+                <a:ea typeface="Avenir Next Medium"/>
+                <a:cs typeface="Avenir Next Medium"/>
+                <a:sym typeface="Avenir Next Medium"/>
+              </a:defRPr>
+            </a:pPr>
+            <a:r>
+              <a:t>Compression des images avec l’outil Optimale (Mac) sans perte de qualité afin d’obtenir un gain de poids et donc une image plus rapide à charger : </a:t>
+            </a:r>
+            <a:br/>
+            <a:br/>
+            <a:br/>
+            <a:br/>
+            <a:br/>
+            <a:br/>
+            <a:br/>
+          </a:p>
+        </p:txBody>
+      </p:sp>
+      <p:pic>
+        <p:nvPicPr>
+          <p:cNvPr id="229" name="Capture d’écran 2022-02-26 à 17.20.54.png" descr="Capture d’écran 2022-02-26 à 17.20.54.png"/>
+          <p:cNvPicPr>
+            <a:picLocks noChangeAspect="1"/>
+          </p:cNvPicPr>
+          <p:nvPr/>
+        </p:nvPicPr>
+        <p:blipFill>
+          <a:blip r:embed="rId3">
+            <a:extLst/>
+          </a:blip>
+          <a:stretch>
+            <a:fillRect/>
+          </a:stretch>
+        </p:blipFill>
+        <p:spPr>
+          <a:xfrm>
+            <a:off x="1316597" y="5172885"/>
+            <a:ext cx="6294709" cy="7479550"/>
+          </a:xfrm>
+          <a:prstGeom prst="rect">
+            <a:avLst/>
+          </a:prstGeom>
+          <a:ln w="12700">
+            <a:miter lim="400000"/>
+          </a:ln>
+        </p:spPr>
+      </p:pic>
+    </p:spTree>
+  </p:cSld>
+  <p:clrMapOvr>
+    <a:masterClrMapping/>
+  </p:clrMapOvr>
+  <p:transition xmlns:p14="http://schemas.microsoft.com/office/powerpoint/2010/main" spd="med" advClick="1"/>
+</p:sld>
+</file>
+
+<file path=ppt/slides/slide13.xml><?xml version="1.0" encoding="utf-8"?>
+<p:sld xmlns:a="http://schemas.openxmlformats.org/drawingml/2006/main" xmlns:r="http://schemas.openxmlformats.org/officeDocument/2006/relationships" xmlns:p="http://schemas.openxmlformats.org/presentationml/2006/main" xmlns:m="http://schemas.openxmlformats.org/officeDocument/2006/math" xmlns:a14="http://schemas.microsoft.com/office/drawing/2010/main" showMasterSp="1" showMasterPhAnim="1">
+  <p:cSld>
+    <p:spTree>
+      <p:nvGrpSpPr>
+        <p:cNvPr id="1" name=""/>
+        <p:cNvGrpSpPr/>
+        <p:nvPr/>
+      </p:nvGrpSpPr>
+      <p:grpSpPr>
+        <a:xfrm>
+          <a:off x="0" y="0"/>
+          <a:ext cx="0" cy="0"/>
+          <a:chOff x="0" y="0"/>
+          <a:chExt cx="0" cy="0"/>
+        </a:xfrm>
+      </p:grpSpPr>
+      <p:sp>
+        <p:nvSpPr>
+          <p:cNvPr id="231" name="PARTIE III : Après PERFORMANCE (avec CORRECTIONS) INDEX.HTML"/>
+          <p:cNvSpPr txBox="1"/>
+          <p:nvPr>
+            <p:ph type="body" sz="quarter" idx="1"/>
+          </p:nvPr>
+        </p:nvSpPr>
+        <p:spPr>
+          <a:prstGeom prst="rect">
+            <a:avLst/>
+          </a:prstGeom>
+        </p:spPr>
+        <p:txBody>
+          <a:bodyPr/>
+          <a:lstStyle/>
+          <a:p>
+            <a:pPr/>
+            <a:r>
+              <a:t>PARTIE III : Après PERFORMANCE (avec CORRECTIONS) INDEX.HTML</a:t>
+            </a:r>
+          </a:p>
+        </p:txBody>
+      </p:sp>
+      <p:sp>
+        <p:nvSpPr>
+          <p:cNvPr id="232" name="Texte niveau 1…"/>
+          <p:cNvSpPr txBox="1"/>
+          <p:nvPr>
+            <p:ph type="body" idx="21"/>
+          </p:nvPr>
+        </p:nvSpPr>
+        <p:spPr>
+          <a:xfrm>
+            <a:off x="762000" y="2565400"/>
+            <a:ext cx="22860000" cy="8585200"/>
+          </a:xfrm>
+          <a:prstGeom prst="rect">
+            <a:avLst/>
+          </a:prstGeom>
+          <a:extLst>
+            <a:ext uri="{C572A759-6A51-4108-AA02-DFA0A04FC94B}">
+              <ma14:wrappingTextBoxFlag xmlns:ma14="http://schemas.microsoft.com/office/mac/drawingml/2011/main" val="1"/>
+            </a:ext>
+          </a:extLst>
+        </p:spPr>
+        <p:txBody>
+          <a:bodyPr/>
+          <a:lstStyle>
+            <a:lvl1pPr marL="635000" indent="-635000">
+              <a:lnSpc>
+                <a:spcPct val="100000"/>
+              </a:lnSpc>
+              <a:spcBef>
+                <a:spcPts val="3900"/>
+              </a:spcBef>
+              <a:buClr>
+                <a:schemeClr val="accent1"/>
+              </a:buClr>
+              <a:buSzPct val="104999"/>
+              <a:buFont typeface="Avenir Next Regular"/>
+              <a:buChar char="▸"/>
+              <a:defRPr cap="none" sz="4000">
+                <a:solidFill>
+                  <a:srgbClr val="838787"/>
+                </a:solidFill>
+                <a:latin typeface="Avenir Next Medium"/>
+                <a:ea typeface="Avenir Next Medium"/>
+                <a:cs typeface="Avenir Next Medium"/>
+                <a:sym typeface="Avenir Next Medium"/>
+              </a:defRPr>
+            </a:lvl1pPr>
+          </a:lstStyle>
+          <a:p>
+            <a:pPr/>
+            <a:r>
+              <a:t>Un CSS minifié pour aussi un gain en terme de chargement de la page , comme vous le voyait notre CSS ne tient que sur une seule ligne : </a:t>
+            </a:r>
+          </a:p>
+        </p:txBody>
+      </p:sp>
+      <p:pic>
+        <p:nvPicPr>
+          <p:cNvPr id="233" name="Capture d’écran 2022-02-26 à 17.24.52.png" descr="Capture d’écran 2022-02-26 à 17.24.52.png"/>
+          <p:cNvPicPr>
+            <a:picLocks noChangeAspect="1"/>
+          </p:cNvPicPr>
+          <p:nvPr/>
+        </p:nvPicPr>
+        <p:blipFill>
+          <a:blip r:embed="rId2">
+            <a:extLst/>
+          </a:blip>
+          <a:stretch>
+            <a:fillRect/>
+          </a:stretch>
+        </p:blipFill>
+        <p:spPr>
+          <a:xfrm>
+            <a:off x="1002226" y="4056702"/>
+            <a:ext cx="12418916" cy="5998253"/>
+          </a:xfrm>
+          <a:prstGeom prst="rect">
+            <a:avLst/>
+          </a:prstGeom>
+          <a:ln w="12700">
+            <a:miter lim="400000"/>
+          </a:ln>
+        </p:spPr>
+      </p:pic>
+    </p:spTree>
+  </p:cSld>
+  <p:clrMapOvr>
+    <a:masterClrMapping/>
+  </p:clrMapOvr>
+  <p:transition xmlns:p14="http://schemas.microsoft.com/office/powerpoint/2010/main" spd="med" advClick="1"/>
+</p:sld>
+</file>
+
+<file path=ppt/slides/slide14.xml><?xml version="1.0" encoding="utf-8"?>
+<p:sld xmlns:a="http://schemas.openxmlformats.org/drawingml/2006/main" xmlns:r="http://schemas.openxmlformats.org/officeDocument/2006/relationships" xmlns:p="http://schemas.openxmlformats.org/presentationml/2006/main" xmlns:m="http://schemas.openxmlformats.org/officeDocument/2006/math" xmlns:a14="http://schemas.microsoft.com/office/drawing/2010/main" showMasterSp="1" showMasterPhAnim="1">
+  <p:cSld>
+    <p:spTree>
+      <p:nvGrpSpPr>
+        <p:cNvPr id="1" name=""/>
+        <p:cNvGrpSpPr/>
+        <p:nvPr/>
+      </p:nvGrpSpPr>
+      <p:grpSpPr>
+        <a:xfrm>
+          <a:off x="0" y="0"/>
+          <a:ext cx="0" cy="0"/>
+          <a:chOff x="0" y="0"/>
+          <a:chExt cx="0" cy="0"/>
+        </a:xfrm>
+      </p:grpSpPr>
+      <p:sp>
+        <p:nvSpPr>
+          <p:cNvPr id="235" name="Partie iv : Bonne pratique seo / accessibilité : avant / après"/>
+          <p:cNvSpPr txBox="1"/>
+          <p:nvPr>
+            <p:ph type="title"/>
+          </p:nvPr>
+        </p:nvSpPr>
+        <p:spPr>
+          <a:xfrm>
+            <a:off x="762000" y="3683000"/>
+            <a:ext cx="22860000" cy="6350000"/>
+          </a:xfrm>
+          <a:prstGeom prst="rect">
+            <a:avLst/>
+          </a:prstGeom>
+        </p:spPr>
+        <p:txBody>
+          <a:bodyPr/>
+          <a:lstStyle>
+            <a:lvl1pPr defTabSz="478790">
+              <a:defRPr sz="17574"/>
+            </a:lvl1pPr>
+          </a:lstStyle>
+          <a:p>
+            <a:pPr/>
+            <a:r>
+              <a:t>Partie iv : Bonne pratique seo / accessibilité : avant / après</a:t>
+            </a:r>
+          </a:p>
+        </p:txBody>
+      </p:sp>
+    </p:spTree>
+  </p:cSld>
+  <p:clrMapOvr>
+    <a:masterClrMapping/>
+  </p:clrMapOvr>
+  <p:transition xmlns:p14="http://schemas.microsoft.com/office/powerpoint/2010/main" spd="med" advClick="1"/>
+</p:sld>
+</file>
+
+<file path=ppt/slides/slide15.xml><?xml version="1.0" encoding="utf-8"?>
+<p:sld xmlns:a="http://schemas.openxmlformats.org/drawingml/2006/main" xmlns:r="http://schemas.openxmlformats.org/officeDocument/2006/relationships" xmlns:p="http://schemas.openxmlformats.org/presentationml/2006/main" xmlns:m="http://schemas.openxmlformats.org/officeDocument/2006/math" xmlns:a14="http://schemas.microsoft.com/office/drawing/2010/main" showMasterSp="1" showMasterPhAnim="1">
+  <p:cSld>
+    <p:spTree>
+      <p:nvGrpSpPr>
+        <p:cNvPr id="1" name=""/>
+        <p:cNvGrpSpPr/>
+        <p:nvPr/>
+      </p:nvGrpSpPr>
+      <p:grpSpPr>
+        <a:xfrm>
+          <a:off x="0" y="0"/>
+          <a:ext cx="0" cy="0"/>
+          <a:chOff x="0" y="0"/>
+          <a:chExt cx="0" cy="0"/>
+        </a:xfrm>
+      </p:grpSpPr>
+      <p:sp>
+        <p:nvSpPr>
+          <p:cNvPr id="237" name="PARTIE IV : AVANT CORRECTION PAGE2.HTML"/>
+          <p:cNvSpPr txBox="1"/>
+          <p:nvPr>
+            <p:ph type="body" sz="quarter" idx="1"/>
+          </p:nvPr>
+        </p:nvSpPr>
+        <p:spPr>
+          <a:prstGeom prst="rect">
+            <a:avLst/>
+          </a:prstGeom>
+        </p:spPr>
+        <p:txBody>
+          <a:bodyPr/>
+          <a:lstStyle/>
+          <a:p>
+            <a:pPr/>
+            <a:r>
+              <a:t>PARTIE IV : AVANT CORRECTION PAGE2.HTML</a:t>
+            </a:r>
+          </a:p>
+        </p:txBody>
+      </p:sp>
+      <p:sp>
+        <p:nvSpPr>
+          <p:cNvPr id="238" name="Texte niveau 1…"/>
+          <p:cNvSpPr txBox="1"/>
+          <p:nvPr>
+            <p:ph type="body" idx="22"/>
+          </p:nvPr>
+        </p:nvSpPr>
+        <p:spPr>
+          <a:xfrm>
+            <a:off x="762000" y="7604893"/>
+            <a:ext cx="22860000" cy="1493718"/>
+          </a:xfrm>
+          <a:prstGeom prst="rect">
+            <a:avLst/>
+          </a:prstGeom>
+          <a:extLst>
+            <a:ext uri="{C572A759-6A51-4108-AA02-DFA0A04FC94B}">
+              <ma14:wrappingTextBoxFlag xmlns:ma14="http://schemas.microsoft.com/office/mac/drawingml/2011/main" val="1"/>
+            </a:ext>
+          </a:extLst>
+        </p:spPr>
+        <p:txBody>
+          <a:bodyPr/>
+          <a:lstStyle>
+            <a:lvl1pPr marL="635000" indent="-635000">
+              <a:lnSpc>
+                <a:spcPct val="100000"/>
+              </a:lnSpc>
+              <a:spcBef>
+                <a:spcPts val="3900"/>
+              </a:spcBef>
+              <a:buClr>
+                <a:schemeClr val="accent1"/>
+              </a:buClr>
+              <a:buSzPct val="104999"/>
+              <a:buFont typeface="Avenir Next Regular"/>
+              <a:buChar char="▸"/>
+              <a:defRPr cap="none" sz="4000">
+                <a:solidFill>
+                  <a:srgbClr val="838787"/>
+                </a:solidFill>
+                <a:latin typeface="Avenir Next Medium"/>
+                <a:ea typeface="Avenir Next Medium"/>
+                <a:cs typeface="Avenir Next Medium"/>
+                <a:sym typeface="Avenir Next Medium"/>
+              </a:defRPr>
+            </a:lvl1pPr>
+          </a:lstStyle>
+          <a:p>
+            <a:pPr/>
+            <a:r>
+              <a:t>Notre menu de navigation sur la page 2 dans sa version initiale</a:t>
+            </a:r>
+          </a:p>
+        </p:txBody>
+      </p:sp>
+      <p:pic>
+        <p:nvPicPr>
+          <p:cNvPr id="239" name="Capture d’écran 2022-02-26 à 17.28.24.png" descr="Capture d’écran 2022-02-26 à 17.28.24.png"/>
+          <p:cNvPicPr>
+            <a:picLocks noChangeAspect="1"/>
+          </p:cNvPicPr>
+          <p:nvPr/>
+        </p:nvPicPr>
+        <p:blipFill>
+          <a:blip r:embed="rId2">
+            <a:extLst/>
+          </a:blip>
+          <a:stretch>
+            <a:fillRect/>
+          </a:stretch>
+        </p:blipFill>
+        <p:spPr>
+          <a:xfrm>
+            <a:off x="652624" y="5632485"/>
+            <a:ext cx="23078752" cy="1493718"/>
+          </a:xfrm>
+          <a:prstGeom prst="rect">
+            <a:avLst/>
+          </a:prstGeom>
+          <a:ln w="12700">
+            <a:miter lim="400000"/>
+          </a:ln>
+        </p:spPr>
+      </p:pic>
+    </p:spTree>
+  </p:cSld>
+  <p:clrMapOvr>
+    <a:masterClrMapping/>
+  </p:clrMapOvr>
+  <p:transition xmlns:p14="http://schemas.microsoft.com/office/powerpoint/2010/main" spd="med" advClick="1"/>
+</p:sld>
+</file>
+
+<file path=ppt/slides/slide16.xml><?xml version="1.0" encoding="utf-8"?>
+<p:sld xmlns:a="http://schemas.openxmlformats.org/drawingml/2006/main" xmlns:r="http://schemas.openxmlformats.org/officeDocument/2006/relationships" xmlns:p="http://schemas.openxmlformats.org/presentationml/2006/main" xmlns:m="http://schemas.openxmlformats.org/officeDocument/2006/math" xmlns:a14="http://schemas.microsoft.com/office/drawing/2010/main" showMasterSp="1" showMasterPhAnim="1">
+  <p:cSld>
+    <p:spTree>
+      <p:nvGrpSpPr>
+        <p:cNvPr id="1" name=""/>
+        <p:cNvGrpSpPr/>
+        <p:nvPr/>
+      </p:nvGrpSpPr>
+      <p:grpSpPr>
+        <a:xfrm>
+          <a:off x="0" y="0"/>
+          <a:ext cx="0" cy="0"/>
+          <a:chOff x="0" y="0"/>
+          <a:chExt cx="0" cy="0"/>
+        </a:xfrm>
+      </p:grpSpPr>
+      <p:sp>
+        <p:nvSpPr>
+          <p:cNvPr id="241" name="Partie iv : après correction page2.html"/>
+          <p:cNvSpPr txBox="1"/>
+          <p:nvPr>
+            <p:ph type="body" sz="quarter" idx="1"/>
+          </p:nvPr>
+        </p:nvSpPr>
+        <p:spPr>
+          <a:prstGeom prst="rect">
+            <a:avLst/>
+          </a:prstGeom>
+        </p:spPr>
+        <p:txBody>
+          <a:bodyPr/>
+          <a:lstStyle/>
+          <a:p>
+            <a:pPr/>
+            <a:r>
+              <a:t>Partie iv : après correction page2.html</a:t>
+            </a:r>
+          </a:p>
+        </p:txBody>
+      </p:sp>
+      <p:sp>
+        <p:nvSpPr>
+          <p:cNvPr id="242" name="Texte niveau 1…"/>
+          <p:cNvSpPr txBox="1"/>
+          <p:nvPr>
+            <p:ph type="body" idx="22"/>
+          </p:nvPr>
+        </p:nvSpPr>
+        <p:spPr>
+          <a:xfrm>
+            <a:off x="793954" y="7107260"/>
+            <a:ext cx="22796092" cy="2266815"/>
+          </a:xfrm>
+          <a:prstGeom prst="rect">
+            <a:avLst/>
+          </a:prstGeom>
+          <a:extLst>
+            <a:ext uri="{C572A759-6A51-4108-AA02-DFA0A04FC94B}">
+              <ma14:wrappingTextBoxFlag xmlns:ma14="http://schemas.microsoft.com/office/mac/drawingml/2011/main" val="1"/>
+            </a:ext>
+          </a:extLst>
+        </p:spPr>
+        <p:txBody>
+          <a:bodyPr/>
+          <a:lstStyle>
+            <a:lvl1pPr marL="635000" indent="-635000">
+              <a:lnSpc>
+                <a:spcPct val="100000"/>
+              </a:lnSpc>
+              <a:spcBef>
+                <a:spcPts val="3900"/>
+              </a:spcBef>
+              <a:buClr>
+                <a:schemeClr val="accent1"/>
+              </a:buClr>
+              <a:buSzPct val="104999"/>
+              <a:buFont typeface="Avenir Next Regular"/>
+              <a:buChar char="▸"/>
+              <a:defRPr cap="none" sz="4000">
+                <a:solidFill>
+                  <a:srgbClr val="838787"/>
+                </a:solidFill>
+                <a:latin typeface="Avenir Next Medium"/>
+                <a:ea typeface="Avenir Next Medium"/>
+                <a:cs typeface="Avenir Next Medium"/>
+                <a:sym typeface="Avenir Next Medium"/>
+              </a:defRPr>
+            </a:lvl1pPr>
+          </a:lstStyle>
+          <a:p>
+            <a:pPr/>
+            <a:r>
+              <a:t>Notre menu correctement positionné cette fois nous apporte un gain de SEO car le positionnement des blocs s’avèrent important et ont gagne en accessibilité car nous pouvons avoir accès librement à ce menu et donc aux fonctionnalités qui s’en dégagent.</a:t>
+            </a:r>
+          </a:p>
+        </p:txBody>
+      </p:sp>
+      <p:pic>
+        <p:nvPicPr>
+          <p:cNvPr id="243" name="Capture d’écran 2022-02-26 à 17.31.58.png" descr="Capture d’écran 2022-02-26 à 17.31.58.png"/>
+          <p:cNvPicPr>
+            <a:picLocks noChangeAspect="1"/>
+          </p:cNvPicPr>
+          <p:nvPr/>
+        </p:nvPicPr>
+        <p:blipFill>
+          <a:blip r:embed="rId2">
+            <a:extLst/>
+          </a:blip>
+          <a:stretch>
+            <a:fillRect/>
+          </a:stretch>
+        </p:blipFill>
+        <p:spPr>
+          <a:xfrm>
+            <a:off x="762000" y="5033295"/>
+            <a:ext cx="22860000" cy="1222897"/>
+          </a:xfrm>
+          <a:prstGeom prst="rect">
+            <a:avLst/>
+          </a:prstGeom>
+          <a:ln w="12700">
+            <a:miter lim="400000"/>
+          </a:ln>
+        </p:spPr>
+      </p:pic>
     </p:spTree>
   </p:cSld>
   <p:clrMapOvr>
@@ -4674,13 +5470,17 @@
       </p:grpSpPr>
       <p:sp>
         <p:nvSpPr>
-          <p:cNvPr id="169" name="AVANT ACCESSIBILITÉ / APRES ACCESSIBILITÉ"/>
+          <p:cNvPr id="172" name="Partie I : Comparaison seo:…"/>
           <p:cNvSpPr txBox="1"/>
           <p:nvPr>
-            <p:ph type="body" idx="21"/>
+            <p:ph type="title"/>
           </p:nvPr>
         </p:nvSpPr>
         <p:spPr>
+          <a:xfrm>
+            <a:off x="762000" y="3683000"/>
+            <a:ext cx="22860000" cy="6350000"/>
+          </a:xfrm>
           <a:prstGeom prst="rect">
             <a:avLst/>
           </a:prstGeom>
@@ -4689,197 +5489,23 @@
           <a:bodyPr/>
           <a:lstStyle/>
           <a:p>
-            <a:pPr/>
-            <a:r>
-              <a:t>AVANT ACCESSIBILITÉ / APRES ACCESSIBILITÉ</a:t>
-            </a:r>
-          </a:p>
-        </p:txBody>
-      </p:sp>
-      <p:grpSp>
-        <p:nvGrpSpPr>
-          <p:cNvPr id="172" name="Galerie d’images"/>
-          <p:cNvGrpSpPr/>
-          <p:nvPr/>
-        </p:nvGrpSpPr>
-        <p:grpSpPr>
-          <a:xfrm>
-            <a:off x="1524000" y="2330450"/>
-            <a:ext cx="10287000" cy="10871200"/>
-            <a:chOff x="0" y="0"/>
-            <a:chExt cx="10287000" cy="10871200"/>
-          </a:xfrm>
-        </p:grpSpPr>
-        <p:pic>
-          <p:nvPicPr>
-            <p:cNvPr id="170" name="Capture d’écran 2022-02-16 à 14.24.00.png" descr="Capture d’écran 2022-02-16 à 14.24.00.png"/>
-            <p:cNvPicPr>
-              <a:picLocks noChangeAspect="1"/>
-            </p:cNvPicPr>
-            <p:nvPr/>
-          </p:nvPicPr>
-          <p:blipFill>
-            <a:blip r:embed="rId2">
-              <a:extLst/>
-            </a:blip>
-            <a:srcRect l="3532" t="0" r="3532" b="0"/>
-            <a:stretch>
-              <a:fillRect/>
-            </a:stretch>
-          </p:blipFill>
-          <p:spPr>
-            <a:xfrm>
-              <a:off x="0" y="0"/>
-              <a:ext cx="10287000" cy="10121900"/>
-            </a:xfrm>
-            <a:prstGeom prst="rect">
-              <a:avLst/>
-            </a:prstGeom>
-            <a:ln w="12700" cap="flat">
-              <a:noFill/>
-              <a:miter lim="400000"/>
-            </a:ln>
-            <a:effectLst/>
-          </p:spPr>
-        </p:pic>
-        <p:sp>
-          <p:nvSpPr>
-            <p:cNvPr id="171" name="SANS AUCUNE CORRECTION"/>
-            <p:cNvSpPr/>
-            <p:nvPr/>
-          </p:nvSpPr>
-          <p:spPr>
-            <a:xfrm>
-              <a:off x="0" y="10198100"/>
-              <a:ext cx="10287000" cy="673100"/>
-            </a:xfrm>
-            <a:prstGeom prst="rect">
-              <a:avLst/>
-            </a:prstGeom>
-            <a:noFill/>
-            <a:ln w="12700" cap="flat">
-              <a:noFill/>
-              <a:miter lim="400000"/>
-            </a:ln>
-            <a:effectLst/>
-            <a:extLst>
-              <a:ext uri="{C572A759-6A51-4108-AA02-DFA0A04FC94B}">
-                <ma14:wrappingTextBoxFlag xmlns:ma14="http://schemas.microsoft.com/office/mac/drawingml/2011/main" val="1"/>
-              </a:ext>
-            </a:extLst>
-          </p:spPr>
-          <p:txBody>
-            <a:bodyPr wrap="square" lIns="76200" tIns="76200" rIns="76200" bIns="76200" numCol="1" anchor="t">
-              <a:noAutofit/>
-            </a:bodyPr>
-            <a:lstStyle>
-              <a:lvl1pPr algn="ctr">
-                <a:spcBef>
-                  <a:spcPts val="0"/>
-                </a:spcBef>
-              </a:lvl1pPr>
-            </a:lstStyle>
-            <a:p>
-              <a:pPr/>
-              <a:r>
-                <a:t>SANS AUCUNE CORRECTION</a:t>
-              </a:r>
-            </a:p>
-          </p:txBody>
-        </p:sp>
-      </p:grpSp>
-      <p:grpSp>
-        <p:nvGrpSpPr>
-          <p:cNvPr id="175" name="Galerie d’images"/>
-          <p:cNvGrpSpPr/>
-          <p:nvPr/>
-        </p:nvGrpSpPr>
-        <p:grpSpPr>
-          <a:xfrm>
-            <a:off x="13918226" y="3333750"/>
-            <a:ext cx="9703774" cy="9867900"/>
-            <a:chOff x="0" y="0"/>
-            <a:chExt cx="9703772" cy="9867900"/>
-          </a:xfrm>
-        </p:grpSpPr>
-        <p:pic>
-          <p:nvPicPr>
-            <p:cNvPr id="173" name="Capture d’écran 2022-02-16 à 14.21.50.png" descr="Capture d’écran 2022-02-16 à 14.21.50.png"/>
-            <p:cNvPicPr>
-              <a:picLocks noChangeAspect="1"/>
-            </p:cNvPicPr>
-            <p:nvPr/>
-          </p:nvPicPr>
-          <p:blipFill>
-            <a:blip r:embed="rId3">
-              <a:extLst/>
-            </a:blip>
-            <a:srcRect l="0" t="44" r="0" b="44"/>
-            <a:stretch>
-              <a:fillRect/>
-            </a:stretch>
-          </p:blipFill>
-          <p:spPr>
-            <a:xfrm>
-              <a:off x="0" y="0"/>
-              <a:ext cx="9703773" cy="9118600"/>
-            </a:xfrm>
-            <a:prstGeom prst="rect">
-              <a:avLst/>
-            </a:prstGeom>
-            <a:ln w="12700" cap="flat">
-              <a:noFill/>
-              <a:miter lim="400000"/>
-            </a:ln>
-            <a:effectLst/>
-          </p:spPr>
-        </p:pic>
-        <p:sp>
-          <p:nvSpPr>
-            <p:cNvPr id="174" name="AVEC CORRECTIONS"/>
-            <p:cNvSpPr/>
-            <p:nvPr/>
-          </p:nvSpPr>
-          <p:spPr>
-            <a:xfrm>
-              <a:off x="0" y="9194800"/>
-              <a:ext cx="9703773" cy="673100"/>
-            </a:xfrm>
-            <a:prstGeom prst="rect">
-              <a:avLst/>
-            </a:prstGeom>
-            <a:noFill/>
-            <a:ln w="12700" cap="flat">
-              <a:noFill/>
-              <a:miter lim="400000"/>
-            </a:ln>
-            <a:effectLst/>
-            <a:extLst>
-              <a:ext uri="{C572A759-6A51-4108-AA02-DFA0A04FC94B}">
-                <ma14:wrappingTextBoxFlag xmlns:ma14="http://schemas.microsoft.com/office/mac/drawingml/2011/main" val="1"/>
-              </a:ext>
-            </a:extLst>
-          </p:spPr>
-          <p:txBody>
-            <a:bodyPr wrap="square" lIns="76200" tIns="76200" rIns="76200" bIns="76200" numCol="1" anchor="t">
-              <a:noAutofit/>
-            </a:bodyPr>
-            <a:lstStyle>
-              <a:lvl1pPr algn="ctr">
-                <a:spcBef>
-                  <a:spcPts val="0"/>
-                </a:spcBef>
-              </a:lvl1pPr>
-            </a:lstStyle>
-            <a:p>
-              <a:pPr/>
-              <a:r>
-                <a:t>AVEC CORRECTIONS</a:t>
-              </a:r>
-            </a:p>
-          </p:txBody>
-        </p:sp>
-      </p:grpSp>
+            <a:pPr defTabSz="536575">
+              <a:defRPr sz="19695"/>
+            </a:pPr>
+            <a:r>
+              <a:t>Partie I : Comparaison seo:</a:t>
+            </a:r>
+          </a:p>
+          <a:p>
+            <a:pPr defTabSz="536575">
+              <a:defRPr sz="19695"/>
+            </a:pPr>
+            <a:r>
+              <a:t>Avant / après</a:t>
+            </a:r>
+          </a:p>
+        </p:txBody>
+      </p:sp>
     </p:spTree>
   </p:cSld>
   <p:clrMapOvr>
@@ -4908,10 +5534,10 @@
       </p:grpSpPr>
       <p:sp>
         <p:nvSpPr>
-          <p:cNvPr id="177" name="AVANT SEO / APRES SEO"/>
+          <p:cNvPr id="174" name="Partie i : Avant seo : version initiale (sans correction) index.html"/>
           <p:cNvSpPr txBox="1"/>
           <p:nvPr>
-            <p:ph type="body" idx="21"/>
+            <p:ph type="body" sz="quarter" idx="1"/>
           </p:nvPr>
         </p:nvSpPr>
         <p:spPr>
@@ -4925,195 +5551,270 @@
           <a:p>
             <a:pPr/>
             <a:r>
-              <a:t>AVANT SEO / APRES SEO</a:t>
-            </a:r>
-          </a:p>
-        </p:txBody>
-      </p:sp>
-      <p:grpSp>
-        <p:nvGrpSpPr>
-          <p:cNvPr id="180" name="Galerie d’images"/>
-          <p:cNvGrpSpPr/>
+              <a:t>Partie i : Avant seo : version initiale (sans correction) index.html</a:t>
+            </a:r>
+          </a:p>
+        </p:txBody>
+      </p:sp>
+      <p:pic>
+        <p:nvPicPr>
+          <p:cNvPr id="175" name="Capture d’écran 2022-02-26 à 15.37.55.png" descr="Capture d’écran 2022-02-26 à 15.37.55.png"/>
+          <p:cNvPicPr>
+            <a:picLocks noChangeAspect="1"/>
+          </p:cNvPicPr>
+          <p:nvPr>
+            <p:ph type="pic" idx="21"/>
+          </p:nvPr>
+        </p:nvPicPr>
+        <p:blipFill>
+          <a:blip r:embed="rId2">
+            <a:extLst/>
+          </a:blip>
+          <a:srcRect l="17426" t="0" r="17426" b="0"/>
+          <a:stretch>
+            <a:fillRect/>
+          </a:stretch>
+        </p:blipFill>
+        <p:spPr>
+          <a:xfrm>
+            <a:off x="13211157" y="1831227"/>
+            <a:ext cx="10532777" cy="11624109"/>
+          </a:xfrm>
+          <a:prstGeom prst="rect">
+            <a:avLst/>
+          </a:prstGeom>
+        </p:spPr>
+      </p:pic>
+      <p:sp>
+        <p:nvSpPr>
+          <p:cNvPr id="176" name="Texte niveau 1…"/>
+          <p:cNvSpPr txBox="1"/>
+          <p:nvPr>
+            <p:ph type="body" idx="22"/>
+          </p:nvPr>
+        </p:nvSpPr>
+        <p:spPr>
+          <a:xfrm>
+            <a:off x="762000" y="1831227"/>
+            <a:ext cx="11811000" cy="11624073"/>
+          </a:xfrm>
+          <a:prstGeom prst="rect">
+            <a:avLst/>
+          </a:prstGeom>
+          <a:extLst>
+            <a:ext uri="{C572A759-6A51-4108-AA02-DFA0A04FC94B}">
+              <ma14:wrappingTextBoxFlag xmlns:ma14="http://schemas.microsoft.com/office/mac/drawingml/2011/main" val="1"/>
+            </a:ext>
+          </a:extLst>
+        </p:spPr>
+        <p:txBody>
+          <a:bodyPr/>
+          <a:lstStyle/>
+          <a:p>
+            <a:pPr marL="635000" indent="-635000">
+              <a:lnSpc>
+                <a:spcPct val="100000"/>
+              </a:lnSpc>
+              <a:spcBef>
+                <a:spcPts val="3900"/>
+              </a:spcBef>
+              <a:buClr>
+                <a:schemeClr val="accent1"/>
+              </a:buClr>
+              <a:buSzPct val="104999"/>
+              <a:buFont typeface="Avenir Next Regular"/>
+              <a:buChar char="▸"/>
+              <a:defRPr cap="none" sz="4000">
+                <a:solidFill>
+                  <a:srgbClr val="838787"/>
+                </a:solidFill>
+                <a:latin typeface="Avenir Next Medium"/>
+                <a:ea typeface="Avenir Next Medium"/>
+                <a:cs typeface="Avenir Next Medium"/>
+                <a:sym typeface="Avenir Next Medium"/>
+              </a:defRPr>
+            </a:pPr>
+            <a:r>
+              <a:t>Langue du site réglée sur Default : </a:t>
+            </a:r>
+            <a:br/>
+          </a:p>
+          <a:p>
+            <a:pPr marL="635000" indent="-635000">
+              <a:lnSpc>
+                <a:spcPct val="100000"/>
+              </a:lnSpc>
+              <a:spcBef>
+                <a:spcPts val="3900"/>
+              </a:spcBef>
+              <a:buClr>
+                <a:schemeClr val="accent1"/>
+              </a:buClr>
+              <a:buSzPct val="104999"/>
+              <a:buFont typeface="Avenir Next Regular"/>
+              <a:buChar char="▸"/>
+              <a:defRPr cap="none" sz="4000">
+                <a:solidFill>
+                  <a:srgbClr val="838787"/>
+                </a:solidFill>
+                <a:latin typeface="Avenir Next Medium"/>
+                <a:ea typeface="Avenir Next Medium"/>
+                <a:cs typeface="Avenir Next Medium"/>
+                <a:sym typeface="Avenir Next Medium"/>
+              </a:defRPr>
+            </a:pPr>
+            <a:r>
+              <a:t>Absence de la balise meta robots, balise qui indexe le contenu de notre page sur un moteur de recherche</a:t>
+            </a:r>
+          </a:p>
+          <a:p>
+            <a:pPr marL="635000" indent="-635000">
+              <a:lnSpc>
+                <a:spcPct val="100000"/>
+              </a:lnSpc>
+              <a:spcBef>
+                <a:spcPts val="3900"/>
+              </a:spcBef>
+              <a:buClr>
+                <a:schemeClr val="accent1"/>
+              </a:buClr>
+              <a:buSzPct val="104999"/>
+              <a:buFont typeface="Avenir Next Regular"/>
+              <a:buChar char="▸"/>
+              <a:defRPr cap="none" sz="4000">
+                <a:solidFill>
+                  <a:srgbClr val="838787"/>
+                </a:solidFill>
+                <a:latin typeface="Avenir Next Medium"/>
+                <a:ea typeface="Avenir Next Medium"/>
+                <a:cs typeface="Avenir Next Medium"/>
+                <a:sym typeface="Avenir Next Medium"/>
+              </a:defRPr>
+            </a:pPr>
+            <a:r>
+              <a:t>Balise Title remplie avec un simple « . » : </a:t>
+            </a:r>
+            <a:br/>
+            <a:br/>
+            <a:br/>
+          </a:p>
+          <a:p>
+            <a:pPr marL="635000" indent="-635000">
+              <a:lnSpc>
+                <a:spcPct val="100000"/>
+              </a:lnSpc>
+              <a:spcBef>
+                <a:spcPts val="3900"/>
+              </a:spcBef>
+              <a:buClr>
+                <a:schemeClr val="accent1"/>
+              </a:buClr>
+              <a:buSzPct val="104999"/>
+              <a:buFont typeface="Avenir Next Regular"/>
+              <a:buChar char="▸"/>
+              <a:defRPr cap="none" sz="4000">
+                <a:solidFill>
+                  <a:srgbClr val="838787"/>
+                </a:solidFill>
+                <a:latin typeface="Avenir Next Medium"/>
+                <a:ea typeface="Avenir Next Medium"/>
+                <a:cs typeface="Avenir Next Medium"/>
+                <a:sym typeface="Avenir Next Medium"/>
+              </a:defRPr>
+            </a:pPr>
+            <a:r>
+              <a:t>Balise description initiale : </a:t>
+            </a:r>
+          </a:p>
+        </p:txBody>
+      </p:sp>
+      <p:pic>
+        <p:nvPicPr>
+          <p:cNvPr id="177" name="Capture d’écran 2022-02-26 à 16.02.58.png" descr="Capture d’écran 2022-02-26 à 16.02.58.png"/>
+          <p:cNvPicPr>
+            <a:picLocks noChangeAspect="1"/>
+          </p:cNvPicPr>
           <p:nvPr/>
-        </p:nvGrpSpPr>
-        <p:grpSpPr>
+        </p:nvPicPr>
+        <p:blipFill>
+          <a:blip r:embed="rId3">
+            <a:extLst/>
+          </a:blip>
+          <a:stretch>
+            <a:fillRect/>
+          </a:stretch>
+        </p:blipFill>
+        <p:spPr>
           <a:xfrm>
-            <a:off x="1524000" y="2495550"/>
-            <a:ext cx="10287000" cy="10871200"/>
-            <a:chOff x="0" y="0"/>
-            <a:chExt cx="10287000" cy="10871200"/>
-          </a:xfrm>
-        </p:grpSpPr>
-        <p:pic>
-          <p:nvPicPr>
-            <p:cNvPr id="178" name="Capture d’écran 2022-02-16 à 14.26.37.png" descr="Capture d’écran 2022-02-16 à 14.26.37.png"/>
-            <p:cNvPicPr>
-              <a:picLocks noChangeAspect="1"/>
-            </p:cNvPicPr>
-            <p:nvPr/>
-          </p:nvPicPr>
-          <p:blipFill>
-            <a:blip r:embed="rId2">
-              <a:extLst/>
-            </a:blip>
-            <a:srcRect l="0" t="4936" r="0" b="4936"/>
-            <a:stretch>
-              <a:fillRect/>
-            </a:stretch>
-          </p:blipFill>
-          <p:spPr>
-            <a:xfrm>
-              <a:off x="0" y="0"/>
-              <a:ext cx="10287000" cy="10121900"/>
-            </a:xfrm>
-            <a:prstGeom prst="rect">
-              <a:avLst/>
-            </a:prstGeom>
-            <a:ln w="12700" cap="flat">
-              <a:noFill/>
-              <a:miter lim="400000"/>
-            </a:ln>
-            <a:effectLst/>
-          </p:spPr>
-        </p:pic>
-        <p:sp>
-          <p:nvSpPr>
-            <p:cNvPr id="179" name="SANS AUCUNE CORRECTION"/>
-            <p:cNvSpPr/>
-            <p:nvPr/>
-          </p:nvSpPr>
-          <p:spPr>
-            <a:xfrm>
-              <a:off x="0" y="10198100"/>
-              <a:ext cx="10287000" cy="673100"/>
-            </a:xfrm>
-            <a:prstGeom prst="rect">
-              <a:avLst/>
-            </a:prstGeom>
-            <a:noFill/>
-            <a:ln w="12700" cap="flat">
-              <a:noFill/>
-              <a:miter lim="400000"/>
-            </a:ln>
-            <a:effectLst/>
-            <a:extLst>
-              <a:ext uri="{C572A759-6A51-4108-AA02-DFA0A04FC94B}">
-                <ma14:wrappingTextBoxFlag xmlns:ma14="http://schemas.microsoft.com/office/mac/drawingml/2011/main" val="1"/>
-              </a:ext>
-            </a:extLst>
-          </p:spPr>
-          <p:txBody>
-            <a:bodyPr wrap="square" lIns="76200" tIns="76200" rIns="76200" bIns="76200" numCol="1" anchor="t">
-              <a:noAutofit/>
-            </a:bodyPr>
-            <a:lstStyle>
-              <a:lvl1pPr algn="ctr">
-                <a:spcBef>
-                  <a:spcPts val="0"/>
-                </a:spcBef>
-              </a:lvl1pPr>
-            </a:lstStyle>
-            <a:p>
-              <a:pPr/>
-              <a:r>
-                <a:t>SANS AUCUNE CORRECTION</a:t>
-              </a:r>
-            </a:p>
-          </p:txBody>
-        </p:sp>
-      </p:grpSp>
-      <p:grpSp>
-        <p:nvGrpSpPr>
-          <p:cNvPr id="183" name="Galerie d’images"/>
-          <p:cNvGrpSpPr/>
+            <a:off x="540658" y="10255291"/>
+            <a:ext cx="12253684" cy="741327"/>
+          </a:xfrm>
+          <a:prstGeom prst="rect">
+            <a:avLst/>
+          </a:prstGeom>
+          <a:ln w="12700">
+            <a:miter lim="400000"/>
+          </a:ln>
+        </p:spPr>
+      </p:pic>
+      <p:pic>
+        <p:nvPicPr>
+          <p:cNvPr id="178" name="Capture d’écran 2022-02-26 à 15.59.53.png" descr="Capture d’écran 2022-02-26 à 15.59.53.png"/>
+          <p:cNvPicPr>
+            <a:picLocks noChangeAspect="1"/>
+          </p:cNvPicPr>
           <p:nvPr/>
-        </p:nvGrpSpPr>
-        <p:grpSpPr>
+        </p:nvPicPr>
+        <p:blipFill>
+          <a:blip r:embed="rId4">
+            <a:extLst/>
+          </a:blip>
+          <a:stretch>
+            <a:fillRect/>
+          </a:stretch>
+        </p:blipFill>
+        <p:spPr>
           <a:xfrm>
-            <a:off x="12400577" y="3498850"/>
-            <a:ext cx="11221423" cy="9867900"/>
-            <a:chOff x="0" y="0"/>
-            <a:chExt cx="11221422" cy="9867900"/>
-          </a:xfrm>
-        </p:grpSpPr>
-        <p:pic>
-          <p:nvPicPr>
-            <p:cNvPr id="181" name="Capture d’écran 2022-02-16 à 14.26.58.png" descr="Capture d’écran 2022-02-16 à 14.26.58.png"/>
-            <p:cNvPicPr>
-              <a:picLocks noChangeAspect="1"/>
-            </p:cNvPicPr>
-            <p:nvPr/>
-          </p:nvPicPr>
-          <p:blipFill>
-            <a:blip r:embed="rId3">
-              <a:extLst/>
-            </a:blip>
-            <a:srcRect l="0" t="15594" r="0" b="15594"/>
-            <a:stretch>
-              <a:fillRect/>
-            </a:stretch>
-          </p:blipFill>
-          <p:spPr>
-            <a:xfrm>
-              <a:off x="0" y="0"/>
-              <a:ext cx="11221423" cy="9118600"/>
-            </a:xfrm>
-            <a:prstGeom prst="rect">
-              <a:avLst/>
-            </a:prstGeom>
-            <a:ln w="12700" cap="flat">
-              <a:noFill/>
-              <a:miter lim="400000"/>
-            </a:ln>
-            <a:effectLst/>
-          </p:spPr>
-        </p:pic>
-        <p:sp>
-          <p:nvSpPr>
-            <p:cNvPr id="182" name="AVEC CORRECTIONS"/>
-            <p:cNvSpPr/>
-            <p:nvPr/>
-          </p:nvSpPr>
-          <p:spPr>
-            <a:xfrm>
-              <a:off x="0" y="9194800"/>
-              <a:ext cx="11221423" cy="673100"/>
-            </a:xfrm>
-            <a:prstGeom prst="rect">
-              <a:avLst/>
-            </a:prstGeom>
-            <a:noFill/>
-            <a:ln w="12700" cap="flat">
-              <a:noFill/>
-              <a:miter lim="400000"/>
-            </a:ln>
-            <a:effectLst/>
-            <a:extLst>
-              <a:ext uri="{C572A759-6A51-4108-AA02-DFA0A04FC94B}">
-                <ma14:wrappingTextBoxFlag xmlns:ma14="http://schemas.microsoft.com/office/mac/drawingml/2011/main" val="1"/>
-              </a:ext>
-            </a:extLst>
-          </p:spPr>
-          <p:txBody>
-            <a:bodyPr wrap="square" lIns="76200" tIns="76200" rIns="76200" bIns="76200" numCol="1" anchor="t">
-              <a:noAutofit/>
-            </a:bodyPr>
-            <a:lstStyle>
-              <a:lvl1pPr algn="ctr">
-                <a:spcBef>
-                  <a:spcPts val="0"/>
-                </a:spcBef>
-              </a:lvl1pPr>
-            </a:lstStyle>
-            <a:p>
-              <a:pPr/>
-              <a:r>
-                <a:t>AVEC CORRECTIONS</a:t>
-              </a:r>
-            </a:p>
-          </p:txBody>
-        </p:sp>
-      </p:grpSp>
+            <a:off x="862933" y="7208308"/>
+            <a:ext cx="5935853" cy="869911"/>
+          </a:xfrm>
+          <a:prstGeom prst="rect">
+            <a:avLst/>
+          </a:prstGeom>
+          <a:ln w="12700">
+            <a:miter lim="400000"/>
+          </a:ln>
+        </p:spPr>
+      </p:pic>
+      <p:pic>
+        <p:nvPicPr>
+          <p:cNvPr id="179" name="Capture d’écran 2022-02-26 à 15.54.13.png" descr="Capture d’écran 2022-02-26 à 15.54.13.png"/>
+          <p:cNvPicPr>
+            <a:picLocks noChangeAspect="1"/>
+          </p:cNvPicPr>
+          <p:nvPr/>
+        </p:nvPicPr>
+        <p:blipFill>
+          <a:blip r:embed="rId5">
+            <a:extLst/>
+          </a:blip>
+          <a:stretch>
+            <a:fillRect/>
+          </a:stretch>
+        </p:blipFill>
+        <p:spPr>
+          <a:xfrm>
+            <a:off x="752430" y="2835432"/>
+            <a:ext cx="6820369" cy="616034"/>
+          </a:xfrm>
+          <a:prstGeom prst="rect">
+            <a:avLst/>
+          </a:prstGeom>
+          <a:ln w="12700">
+            <a:miter lim="400000"/>
+          </a:ln>
+        </p:spPr>
+      </p:pic>
     </p:spTree>
   </p:cSld>
   <p:clrMapOvr>
@@ -5142,7 +5843,379 @@
       </p:grpSpPr>
       <p:sp>
         <p:nvSpPr>
-          <p:cNvPr id="185" name="Avant performance / APRES PERFORMANCE"/>
+          <p:cNvPr id="181" name="Partie i : Apres seo : version améliorée (avec corrections) index.html"/>
+          <p:cNvSpPr txBox="1"/>
+          <p:nvPr>
+            <p:ph type="body" sz="quarter" idx="1"/>
+          </p:nvPr>
+        </p:nvSpPr>
+        <p:spPr>
+          <a:prstGeom prst="rect">
+            <a:avLst/>
+          </a:prstGeom>
+        </p:spPr>
+        <p:txBody>
+          <a:bodyPr/>
+          <a:lstStyle/>
+          <a:p>
+            <a:pPr/>
+            <a:r>
+              <a:t>Partie i : Apres seo : version améliorée (avec corrections) index.html</a:t>
+            </a:r>
+          </a:p>
+        </p:txBody>
+      </p:sp>
+      <p:pic>
+        <p:nvPicPr>
+          <p:cNvPr id="182" name="Capture d’écran 2022-02-26 à 15.47.19.png" descr="Capture d’écran 2022-02-26 à 15.47.19.png"/>
+          <p:cNvPicPr>
+            <a:picLocks noChangeAspect="1"/>
+          </p:cNvPicPr>
+          <p:nvPr>
+            <p:ph type="pic" idx="21"/>
+          </p:nvPr>
+        </p:nvPicPr>
+        <p:blipFill>
+          <a:blip r:embed="rId2">
+            <a:extLst/>
+          </a:blip>
+          <a:srcRect l="16990" t="0" r="16990" b="0"/>
+          <a:stretch>
+            <a:fillRect/>
+          </a:stretch>
+        </p:blipFill>
+        <p:spPr>
+          <a:xfrm>
+            <a:off x="13203494" y="2075084"/>
+            <a:ext cx="10374563" cy="11449502"/>
+          </a:xfrm>
+          <a:prstGeom prst="rect">
+            <a:avLst/>
+          </a:prstGeom>
+        </p:spPr>
+      </p:pic>
+      <p:sp>
+        <p:nvSpPr>
+          <p:cNvPr id="183" name="Texte niveau 1…"/>
+          <p:cNvSpPr txBox="1"/>
+          <p:nvPr>
+            <p:ph type="body" idx="22"/>
+          </p:nvPr>
+        </p:nvSpPr>
+        <p:spPr>
+          <a:xfrm>
+            <a:off x="762000" y="1988753"/>
+            <a:ext cx="11811000" cy="11622110"/>
+          </a:xfrm>
+          <a:prstGeom prst="rect">
+            <a:avLst/>
+          </a:prstGeom>
+          <a:extLst>
+            <a:ext uri="{C572A759-6A51-4108-AA02-DFA0A04FC94B}">
+              <ma14:wrappingTextBoxFlag xmlns:ma14="http://schemas.microsoft.com/office/mac/drawingml/2011/main" val="1"/>
+            </a:ext>
+          </a:extLst>
+        </p:spPr>
+        <p:txBody>
+          <a:bodyPr/>
+          <a:lstStyle/>
+          <a:p>
+            <a:pPr marL="635000" indent="-635000">
+              <a:lnSpc>
+                <a:spcPct val="100000"/>
+              </a:lnSpc>
+              <a:spcBef>
+                <a:spcPts val="3900"/>
+              </a:spcBef>
+              <a:buClr>
+                <a:schemeClr val="accent1"/>
+              </a:buClr>
+              <a:buSzPct val="104999"/>
+              <a:buFont typeface="Avenir Next Regular"/>
+              <a:buChar char="▸"/>
+              <a:defRPr cap="none" sz="4000">
+                <a:solidFill>
+                  <a:srgbClr val="838787"/>
+                </a:solidFill>
+                <a:latin typeface="Avenir Next Medium"/>
+                <a:ea typeface="Avenir Next Medium"/>
+                <a:cs typeface="Avenir Next Medium"/>
+                <a:sym typeface="Avenir Next Medium"/>
+              </a:defRPr>
+            </a:pPr>
+            <a:r>
+              <a:t>Langue mise sur « Fr » qui est la langue dans laquelle notre site est écrit : </a:t>
+            </a:r>
+            <a:br/>
+          </a:p>
+          <a:p>
+            <a:pPr marL="635000" indent="-635000">
+              <a:lnSpc>
+                <a:spcPct val="100000"/>
+              </a:lnSpc>
+              <a:spcBef>
+                <a:spcPts val="3900"/>
+              </a:spcBef>
+              <a:buClr>
+                <a:schemeClr val="accent1"/>
+              </a:buClr>
+              <a:buSzPct val="104999"/>
+              <a:buFont typeface="Avenir Next Regular"/>
+              <a:buChar char="▸"/>
+              <a:defRPr cap="none" sz="4000">
+                <a:solidFill>
+                  <a:srgbClr val="838787"/>
+                </a:solidFill>
+                <a:latin typeface="Avenir Next Medium"/>
+                <a:ea typeface="Avenir Next Medium"/>
+                <a:cs typeface="Avenir Next Medium"/>
+                <a:sym typeface="Avenir Next Medium"/>
+              </a:defRPr>
+            </a:pPr>
+            <a:r>
+              <a:t>Présence (en commentaire site n’étant pas hébergé) de la balise robot : </a:t>
+            </a:r>
+            <a:br/>
+          </a:p>
+          <a:p>
+            <a:pPr marL="635000" indent="-635000">
+              <a:lnSpc>
+                <a:spcPct val="100000"/>
+              </a:lnSpc>
+              <a:spcBef>
+                <a:spcPts val="3900"/>
+              </a:spcBef>
+              <a:buClr>
+                <a:schemeClr val="accent1"/>
+              </a:buClr>
+              <a:buSzPct val="104999"/>
+              <a:buFont typeface="Avenir Next Regular"/>
+              <a:buChar char="▸"/>
+              <a:defRPr cap="none" sz="4000">
+                <a:solidFill>
+                  <a:srgbClr val="838787"/>
+                </a:solidFill>
+                <a:latin typeface="Avenir Next Medium"/>
+                <a:ea typeface="Avenir Next Medium"/>
+                <a:cs typeface="Avenir Next Medium"/>
+                <a:sym typeface="Avenir Next Medium"/>
+              </a:defRPr>
+            </a:pPr>
+            <a:r>
+              <a:t>Balise Title avec un contenu pertinent : </a:t>
+            </a:r>
+            <a:br/>
+            <a:br/>
+          </a:p>
+          <a:p>
+            <a:pPr marL="635000" indent="-635000">
+              <a:lnSpc>
+                <a:spcPct val="100000"/>
+              </a:lnSpc>
+              <a:spcBef>
+                <a:spcPts val="3900"/>
+              </a:spcBef>
+              <a:buClr>
+                <a:schemeClr val="accent1"/>
+              </a:buClr>
+              <a:buSzPct val="104999"/>
+              <a:buFont typeface="Avenir Next Regular"/>
+              <a:buChar char="▸"/>
+              <a:defRPr cap="none" sz="4000">
+                <a:solidFill>
+                  <a:srgbClr val="838787"/>
+                </a:solidFill>
+                <a:latin typeface="Avenir Next Medium"/>
+                <a:ea typeface="Avenir Next Medium"/>
+                <a:cs typeface="Avenir Next Medium"/>
+                <a:sym typeface="Avenir Next Medium"/>
+              </a:defRPr>
+            </a:pPr>
+            <a:r>
+              <a:t>Balise Description avec elle aussi un contenu pertinent : </a:t>
+            </a:r>
+          </a:p>
+        </p:txBody>
+      </p:sp>
+      <p:pic>
+        <p:nvPicPr>
+          <p:cNvPr id="184" name="Capture d’écran 2022-02-26 à 16.14.39.png" descr="Capture d’écran 2022-02-26 à 16.14.39.png"/>
+          <p:cNvPicPr>
+            <a:picLocks noChangeAspect="1"/>
+          </p:cNvPicPr>
+          <p:nvPr/>
+        </p:nvPicPr>
+        <p:blipFill>
+          <a:blip r:embed="rId3">
+            <a:extLst/>
+          </a:blip>
+          <a:stretch>
+            <a:fillRect/>
+          </a:stretch>
+        </p:blipFill>
+        <p:spPr>
+          <a:xfrm>
+            <a:off x="1140945" y="3628423"/>
+            <a:ext cx="4500875" cy="615505"/>
+          </a:xfrm>
+          <a:prstGeom prst="rect">
+            <a:avLst/>
+          </a:prstGeom>
+          <a:ln w="12700">
+            <a:miter lim="400000"/>
+          </a:ln>
+        </p:spPr>
+      </p:pic>
+      <p:pic>
+        <p:nvPicPr>
+          <p:cNvPr id="185" name="Capture d’écran 2022-02-26 à 16.15.58.png" descr="Capture d’écran 2022-02-26 à 16.15.58.png"/>
+          <p:cNvPicPr>
+            <a:picLocks noChangeAspect="1"/>
+          </p:cNvPicPr>
+          <p:nvPr/>
+        </p:nvPicPr>
+        <p:blipFill>
+          <a:blip r:embed="rId4">
+            <a:extLst/>
+          </a:blip>
+          <a:stretch>
+            <a:fillRect/>
+          </a:stretch>
+        </p:blipFill>
+        <p:spPr>
+          <a:xfrm>
+            <a:off x="963330" y="6294512"/>
+            <a:ext cx="10447596" cy="317396"/>
+          </a:xfrm>
+          <a:prstGeom prst="rect">
+            <a:avLst/>
+          </a:prstGeom>
+          <a:ln w="12700">
+            <a:miter lim="400000"/>
+          </a:ln>
+        </p:spPr>
+      </p:pic>
+      <p:pic>
+        <p:nvPicPr>
+          <p:cNvPr id="186" name="Capture d’écran 2022-02-26 à 16.18.09.png" descr="Capture d’écran 2022-02-26 à 16.18.09.png"/>
+          <p:cNvPicPr>
+            <a:picLocks noChangeAspect="1"/>
+          </p:cNvPicPr>
+          <p:nvPr/>
+        </p:nvPicPr>
+        <p:blipFill>
+          <a:blip r:embed="rId5">
+            <a:extLst/>
+          </a:blip>
+          <a:stretch>
+            <a:fillRect/>
+          </a:stretch>
+        </p:blipFill>
+        <p:spPr>
+          <a:xfrm>
+            <a:off x="807819" y="8283991"/>
+            <a:ext cx="9857595" cy="563292"/>
+          </a:xfrm>
+          <a:prstGeom prst="rect">
+            <a:avLst/>
+          </a:prstGeom>
+          <a:ln w="12700">
+            <a:miter lim="400000"/>
+          </a:ln>
+        </p:spPr>
+      </p:pic>
+      <p:pic>
+        <p:nvPicPr>
+          <p:cNvPr id="187" name="Capture d’écran 2022-02-26 à 16.19.42.png" descr="Capture d’écran 2022-02-26 à 16.19.42.png"/>
+          <p:cNvPicPr>
+            <a:picLocks noChangeAspect="1"/>
+          </p:cNvPicPr>
+          <p:nvPr/>
+        </p:nvPicPr>
+        <p:blipFill>
+          <a:blip r:embed="rId6">
+            <a:extLst/>
+          </a:blip>
+          <a:stretch>
+            <a:fillRect/>
+          </a:stretch>
+        </p:blipFill>
+        <p:spPr>
+          <a:xfrm>
+            <a:off x="936704" y="11636419"/>
+            <a:ext cx="11874214" cy="717580"/>
+          </a:xfrm>
+          <a:prstGeom prst="rect">
+            <a:avLst/>
+          </a:prstGeom>
+          <a:ln w="12700">
+            <a:miter lim="400000"/>
+          </a:ln>
+        </p:spPr>
+      </p:pic>
+    </p:spTree>
+  </p:cSld>
+  <p:clrMapOvr>
+    <a:masterClrMapping/>
+  </p:clrMapOvr>
+  <p:transition xmlns:p14="http://schemas.microsoft.com/office/powerpoint/2010/main" spd="med" advClick="1"/>
+</p:sld>
+</file>
+
+<file path=ppt/slides/slide5.xml><?xml version="1.0" encoding="utf-8"?>
+<p:sld xmlns:a="http://schemas.openxmlformats.org/drawingml/2006/main" xmlns:r="http://schemas.openxmlformats.org/officeDocument/2006/relationships" xmlns:p="http://schemas.openxmlformats.org/presentationml/2006/main" xmlns:m="http://schemas.openxmlformats.org/officeDocument/2006/math" xmlns:a14="http://schemas.microsoft.com/office/drawing/2010/main" showMasterSp="1" showMasterPhAnim="1">
+  <p:cSld>
+    <p:spTree>
+      <p:nvGrpSpPr>
+        <p:cNvPr id="1" name=""/>
+        <p:cNvGrpSpPr/>
+        <p:nvPr/>
+      </p:nvGrpSpPr>
+      <p:grpSpPr>
+        <a:xfrm>
+          <a:off x="0" y="0"/>
+          <a:ext cx="0" cy="0"/>
+          <a:chOff x="0" y="0"/>
+          <a:chExt cx="0" cy="0"/>
+        </a:xfrm>
+      </p:grpSpPr>
+      <p:sp>
+        <p:nvSpPr>
+          <p:cNvPr id="189" name="Les bonnes pratiques / améliorations précédentes Sont bien évidemment appliquer à la deuxième page de votre site web.…"/>
+          <p:cNvSpPr txBox="1"/>
+          <p:nvPr>
+            <p:ph type="body" sz="quarter" idx="1"/>
+          </p:nvPr>
+        </p:nvSpPr>
+        <p:spPr>
+          <a:prstGeom prst="rect">
+            <a:avLst/>
+          </a:prstGeom>
+        </p:spPr>
+        <p:txBody>
+          <a:bodyPr/>
+          <a:lstStyle/>
+          <a:p>
+            <a:pPr defTabSz="330200">
+              <a:defRPr sz="5360"/>
+            </a:pPr>
+            <a:r>
+              <a:t>Les bonnes pratiques / améliorations précédentes Sont bien évidemment appliquer à la deuxième page de votre site web.</a:t>
+            </a:r>
+          </a:p>
+          <a:p>
+            <a:pPr defTabSz="330200">
+              <a:defRPr sz="5360"/>
+            </a:pPr>
+            <a:r>
+              <a:t>Votre </a:t>
+            </a:r>
+          </a:p>
+        </p:txBody>
+      </p:sp>
+      <p:sp>
+        <p:nvSpPr>
+          <p:cNvPr id="190" name="Gilles Allain"/>
           <p:cNvSpPr txBox="1"/>
           <p:nvPr>
             <p:ph type="body" idx="21"/>
@@ -5157,197 +6230,948 @@
           <a:bodyPr/>
           <a:lstStyle/>
           <a:p>
+            <a:pPr algn="r">
+              <a:spcBef>
+                <a:spcPts val="0"/>
+              </a:spcBef>
+              <a:defRPr cap="none" sz="8700">
+                <a:solidFill>
+                  <a:srgbClr val="838787"/>
+                </a:solidFill>
+                <a:latin typeface="DIN Condensed Bold"/>
+                <a:ea typeface="DIN Condensed Bold"/>
+                <a:cs typeface="DIN Condensed Bold"/>
+                <a:sym typeface="DIN Condensed Bold"/>
+              </a:defRPr>
+            </a:pPr>
+          </a:p>
+        </p:txBody>
+      </p:sp>
+      <p:sp>
+        <p:nvSpPr>
+          <p:cNvPr id="191" name="Texte"/>
+          <p:cNvSpPr txBox="1"/>
+          <p:nvPr>
+            <p:ph type="body" idx="22"/>
+          </p:nvPr>
+        </p:nvSpPr>
+        <p:spPr>
+          <a:prstGeom prst="rect">
+            <a:avLst/>
+          </a:prstGeom>
+          <a:extLst>
+            <a:ext uri="{C572A759-6A51-4108-AA02-DFA0A04FC94B}">
+              <ma14:wrappingTextBoxFlag xmlns:ma14="http://schemas.microsoft.com/office/mac/drawingml/2011/main" val="1"/>
+            </a:ext>
+          </a:extLst>
+        </p:spPr>
+        <p:txBody>
+          <a:bodyPr/>
+          <a:lstStyle>
+            <a:lvl1pPr defTabSz="647700">
+              <a:spcBef>
+                <a:spcPts val="0"/>
+              </a:spcBef>
+              <a:defRPr spc="100" sz="3600">
+                <a:solidFill>
+                  <a:srgbClr val="838787"/>
+                </a:solidFill>
+              </a:defRPr>
+            </a:lvl1pPr>
+          </a:lstStyle>
+          <a:p>
             <a:pPr/>
             <a:r>
-              <a:t>Avant performance / APRES PERFORMANCE</a:t>
-            </a:r>
-          </a:p>
-        </p:txBody>
-      </p:sp>
-      <p:grpSp>
-        <p:nvGrpSpPr>
-          <p:cNvPr id="188" name="Galerie d’images"/>
-          <p:cNvGrpSpPr/>
+              <a:t>Partie i : comparaison seo : avant / après</a:t>
+            </a:r>
+          </a:p>
+        </p:txBody>
+      </p:sp>
+    </p:spTree>
+  </p:cSld>
+  <p:clrMapOvr>
+    <a:masterClrMapping/>
+  </p:clrMapOvr>
+  <p:transition xmlns:p14="http://schemas.microsoft.com/office/powerpoint/2010/main" spd="med" advClick="1"/>
+</p:sld>
+</file>
+
+<file path=ppt/slides/slide6.xml><?xml version="1.0" encoding="utf-8"?>
+<p:sld xmlns:a="http://schemas.openxmlformats.org/drawingml/2006/main" xmlns:r="http://schemas.openxmlformats.org/officeDocument/2006/relationships" xmlns:p="http://schemas.openxmlformats.org/presentationml/2006/main" xmlns:m="http://schemas.openxmlformats.org/officeDocument/2006/math" xmlns:a14="http://schemas.microsoft.com/office/drawing/2010/main" showMasterSp="1" showMasterPhAnim="1">
+  <p:cSld>
+    <p:spTree>
+      <p:nvGrpSpPr>
+        <p:cNvPr id="1" name=""/>
+        <p:cNvGrpSpPr/>
+        <p:nvPr/>
+      </p:nvGrpSpPr>
+      <p:grpSpPr>
+        <a:xfrm>
+          <a:off x="0" y="0"/>
+          <a:ext cx="0" cy="0"/>
+          <a:chOff x="0" y="0"/>
+          <a:chExt cx="0" cy="0"/>
+        </a:xfrm>
+      </p:grpSpPr>
+      <p:sp>
+        <p:nvSpPr>
+          <p:cNvPr id="193" name="Partie ii : comparaison accessibilité : avant / après"/>
+          <p:cNvSpPr txBox="1"/>
+          <p:nvPr>
+            <p:ph type="title"/>
+          </p:nvPr>
+        </p:nvSpPr>
+        <p:spPr>
+          <a:xfrm>
+            <a:off x="762000" y="3683000"/>
+            <a:ext cx="22860000" cy="6350000"/>
+          </a:xfrm>
+          <a:prstGeom prst="rect">
+            <a:avLst/>
+          </a:prstGeom>
+        </p:spPr>
+        <p:txBody>
+          <a:bodyPr/>
+          <a:lstStyle>
+            <a:lvl1pPr defTabSz="503555">
+              <a:defRPr sz="18483"/>
+            </a:lvl1pPr>
+          </a:lstStyle>
+          <a:p>
+            <a:pPr/>
+            <a:r>
+              <a:t>Partie ii : comparaison accessibilité : avant / après</a:t>
+            </a:r>
+          </a:p>
+        </p:txBody>
+      </p:sp>
+    </p:spTree>
+  </p:cSld>
+  <p:clrMapOvr>
+    <a:masterClrMapping/>
+  </p:clrMapOvr>
+  <p:transition xmlns:p14="http://schemas.microsoft.com/office/powerpoint/2010/main" spd="med" advClick="1"/>
+</p:sld>
+</file>
+
+<file path=ppt/slides/slide7.xml><?xml version="1.0" encoding="utf-8"?>
+<p:sld xmlns:a="http://schemas.openxmlformats.org/drawingml/2006/main" xmlns:r="http://schemas.openxmlformats.org/officeDocument/2006/relationships" xmlns:p="http://schemas.openxmlformats.org/presentationml/2006/main" xmlns:m="http://schemas.openxmlformats.org/officeDocument/2006/math" xmlns:a14="http://schemas.microsoft.com/office/drawing/2010/main" showMasterSp="1" showMasterPhAnim="1">
+  <p:cSld>
+    <p:spTree>
+      <p:nvGrpSpPr>
+        <p:cNvPr id="1" name=""/>
+        <p:cNvGrpSpPr/>
+        <p:nvPr/>
+      </p:nvGrpSpPr>
+      <p:grpSpPr>
+        <a:xfrm>
+          <a:off x="0" y="0"/>
+          <a:ext cx="0" cy="0"/>
+          <a:chOff x="0" y="0"/>
+          <a:chExt cx="0" cy="0"/>
+        </a:xfrm>
+      </p:grpSpPr>
+      <p:sp>
+        <p:nvSpPr>
+          <p:cNvPr id="195" name="Partie ii : avant accessibilité (sans corrections) index.html / page2.html"/>
+          <p:cNvSpPr txBox="1"/>
+          <p:nvPr>
+            <p:ph type="body" sz="quarter" idx="1"/>
+          </p:nvPr>
+        </p:nvSpPr>
+        <p:spPr>
+          <a:prstGeom prst="rect">
+            <a:avLst/>
+          </a:prstGeom>
+        </p:spPr>
+        <p:txBody>
+          <a:bodyPr/>
+          <a:lstStyle/>
+          <a:p>
+            <a:pPr/>
+            <a:r>
+              <a:t>Partie ii : avant accessibilité (sans corrections) index.html / page2.html</a:t>
+            </a:r>
+          </a:p>
+        </p:txBody>
+      </p:sp>
+      <p:pic>
+        <p:nvPicPr>
+          <p:cNvPr id="196" name="Capture d’écran 2022-02-26 à 16.25.53.png" descr="Capture d’écran 2022-02-26 à 16.25.53.png"/>
+          <p:cNvPicPr>
+            <a:picLocks noChangeAspect="1"/>
+          </p:cNvPicPr>
+          <p:nvPr>
+            <p:ph type="pic" idx="21"/>
+          </p:nvPr>
+        </p:nvPicPr>
+        <p:blipFill>
+          <a:blip r:embed="rId2">
+            <a:extLst/>
+          </a:blip>
+          <a:srcRect l="24017" t="0" r="24017" b="0"/>
+          <a:stretch>
+            <a:fillRect/>
+          </a:stretch>
+        </p:blipFill>
+        <p:spPr>
+          <a:xfrm>
+            <a:off x="13560509" y="2029848"/>
+            <a:ext cx="10063564" cy="11106278"/>
+          </a:xfrm>
+          <a:prstGeom prst="rect">
+            <a:avLst/>
+          </a:prstGeom>
+        </p:spPr>
+      </p:pic>
+      <p:sp>
+        <p:nvSpPr>
+          <p:cNvPr id="197" name="Texte niveau 1…"/>
+          <p:cNvSpPr txBox="1"/>
+          <p:nvPr>
+            <p:ph type="body" idx="22"/>
+          </p:nvPr>
+        </p:nvSpPr>
+        <p:spPr>
+          <a:xfrm>
+            <a:off x="762000" y="1780529"/>
+            <a:ext cx="11811000" cy="11106151"/>
+          </a:xfrm>
+          <a:prstGeom prst="rect">
+            <a:avLst/>
+          </a:prstGeom>
+          <a:extLst>
+            <a:ext uri="{C572A759-6A51-4108-AA02-DFA0A04FC94B}">
+              <ma14:wrappingTextBoxFlag xmlns:ma14="http://schemas.microsoft.com/office/mac/drawingml/2011/main" val="1"/>
+            </a:ext>
+          </a:extLst>
+        </p:spPr>
+        <p:txBody>
+          <a:bodyPr/>
+          <a:lstStyle/>
+          <a:p>
+            <a:pPr marL="635000" indent="-635000">
+              <a:lnSpc>
+                <a:spcPct val="100000"/>
+              </a:lnSpc>
+              <a:spcBef>
+                <a:spcPts val="3900"/>
+              </a:spcBef>
+              <a:buClr>
+                <a:schemeClr val="accent1"/>
+              </a:buClr>
+              <a:buSzPct val="104999"/>
+              <a:buFont typeface="Avenir Next Regular"/>
+              <a:buChar char="▸"/>
+              <a:defRPr cap="none" sz="4000">
+                <a:solidFill>
+                  <a:srgbClr val="838787"/>
+                </a:solidFill>
+                <a:latin typeface="Avenir Next Medium"/>
+                <a:ea typeface="Avenir Next Medium"/>
+                <a:cs typeface="Avenir Next Medium"/>
+                <a:sym typeface="Avenir Next Medium"/>
+              </a:defRPr>
+            </a:pPr>
+            <a:r>
+              <a:t>Couleurs :</a:t>
+            </a:r>
+            <a:br/>
+            <a:br/>
+            <a:br/>
+            <a:br/>
+            <a:br/>
+            <a:br/>
+            <a:br/>
+            <a:br/>
+          </a:p>
+          <a:p>
+            <a:pPr marL="635000" indent="-635000">
+              <a:lnSpc>
+                <a:spcPct val="100000"/>
+              </a:lnSpc>
+              <a:spcBef>
+                <a:spcPts val="3900"/>
+              </a:spcBef>
+              <a:buClr>
+                <a:schemeClr val="accent1"/>
+              </a:buClr>
+              <a:buSzPct val="104999"/>
+              <a:buFont typeface="Avenir Next Regular"/>
+              <a:buChar char="▸"/>
+              <a:defRPr cap="none" sz="4000">
+                <a:solidFill>
+                  <a:srgbClr val="838787"/>
+                </a:solidFill>
+                <a:latin typeface="Avenir Next Medium"/>
+                <a:ea typeface="Avenir Next Medium"/>
+                <a:cs typeface="Avenir Next Medium"/>
+                <a:sym typeface="Avenir Next Medium"/>
+              </a:defRPr>
+            </a:pPr>
+            <a:r>
+              <a:t> Formulaire initial : </a:t>
+            </a:r>
+            <a:br/>
+            <a:br/>
+          </a:p>
+          <a:p>
+            <a:pPr marL="635000" indent="-635000">
+              <a:lnSpc>
+                <a:spcPct val="100000"/>
+              </a:lnSpc>
+              <a:spcBef>
+                <a:spcPts val="3900"/>
+              </a:spcBef>
+              <a:buClr>
+                <a:schemeClr val="accent1"/>
+              </a:buClr>
+              <a:buSzPct val="104999"/>
+              <a:buFont typeface="Avenir Next Regular"/>
+              <a:buChar char="▸"/>
+              <a:defRPr cap="none" sz="4000">
+                <a:solidFill>
+                  <a:srgbClr val="838787"/>
+                </a:solidFill>
+                <a:latin typeface="Avenir Next Medium"/>
+                <a:ea typeface="Avenir Next Medium"/>
+                <a:cs typeface="Avenir Next Medium"/>
+                <a:sym typeface="Avenir Next Medium"/>
+              </a:defRPr>
+            </a:pPr>
+            <a:r>
+              <a:t>Balise img initiale : </a:t>
+            </a:r>
+          </a:p>
+        </p:txBody>
+      </p:sp>
+      <p:pic>
+        <p:nvPicPr>
+          <p:cNvPr id="198" name="Capture d’écran 2022-02-26 à 16.30.32.png" descr="Capture d’écran 2022-02-26 à 16.30.32.png"/>
+          <p:cNvPicPr>
+            <a:picLocks noChangeAspect="1"/>
+          </p:cNvPicPr>
           <p:nvPr/>
-        </p:nvGrpSpPr>
-        <p:grpSpPr>
+        </p:nvPicPr>
+        <p:blipFill>
+          <a:blip r:embed="rId3">
+            <a:extLst/>
+          </a:blip>
+          <a:stretch>
+            <a:fillRect/>
+          </a:stretch>
+        </p:blipFill>
+        <p:spPr>
           <a:xfrm>
-            <a:off x="1524000" y="2330450"/>
-            <a:ext cx="10287000" cy="10871200"/>
-            <a:chOff x="0" y="0"/>
-            <a:chExt cx="10287000" cy="10871200"/>
-          </a:xfrm>
-        </p:grpSpPr>
-        <p:pic>
-          <p:nvPicPr>
-            <p:cNvPr id="186" name="Capture d’écran 2022-02-16 à 14.33.49.png" descr="Capture d’écran 2022-02-16 à 14.33.49.png"/>
-            <p:cNvPicPr>
-              <a:picLocks noChangeAspect="1"/>
-            </p:cNvPicPr>
-            <p:nvPr/>
-          </p:nvPicPr>
-          <p:blipFill>
-            <a:blip r:embed="rId2">
-              <a:extLst/>
-            </a:blip>
-            <a:srcRect l="2584" t="0" r="2584" b="0"/>
-            <a:stretch>
-              <a:fillRect/>
-            </a:stretch>
-          </p:blipFill>
-          <p:spPr>
-            <a:xfrm>
-              <a:off x="0" y="0"/>
-              <a:ext cx="10287000" cy="10121900"/>
-            </a:xfrm>
-            <a:prstGeom prst="rect">
-              <a:avLst/>
-            </a:prstGeom>
-            <a:ln w="12700" cap="flat">
-              <a:noFill/>
-              <a:miter lim="400000"/>
-            </a:ln>
-            <a:effectLst/>
-          </p:spPr>
-        </p:pic>
-        <p:sp>
-          <p:nvSpPr>
-            <p:cNvPr id="187" name="AVANT CORRECTION"/>
-            <p:cNvSpPr/>
-            <p:nvPr/>
-          </p:nvSpPr>
-          <p:spPr>
-            <a:xfrm>
-              <a:off x="0" y="10198100"/>
-              <a:ext cx="10287000" cy="673100"/>
-            </a:xfrm>
-            <a:prstGeom prst="rect">
-              <a:avLst/>
-            </a:prstGeom>
-            <a:noFill/>
-            <a:ln w="12700" cap="flat">
-              <a:noFill/>
-              <a:miter lim="400000"/>
-            </a:ln>
-            <a:effectLst/>
-            <a:extLst>
-              <a:ext uri="{C572A759-6A51-4108-AA02-DFA0A04FC94B}">
-                <ma14:wrappingTextBoxFlag xmlns:ma14="http://schemas.microsoft.com/office/mac/drawingml/2011/main" val="1"/>
-              </a:ext>
-            </a:extLst>
-          </p:spPr>
-          <p:txBody>
-            <a:bodyPr wrap="square" lIns="76200" tIns="76200" rIns="76200" bIns="76200" numCol="1" anchor="t">
-              <a:noAutofit/>
-            </a:bodyPr>
-            <a:lstStyle>
-              <a:lvl1pPr algn="ctr">
-                <a:spcBef>
-                  <a:spcPts val="0"/>
-                </a:spcBef>
-              </a:lvl1pPr>
-            </a:lstStyle>
-            <a:p>
-              <a:pPr/>
-              <a:r>
-                <a:t>AVANT CORRECTION</a:t>
-              </a:r>
-            </a:p>
-          </p:txBody>
-        </p:sp>
-      </p:grpSp>
-      <p:grpSp>
-        <p:nvGrpSpPr>
-          <p:cNvPr id="191" name="Galerie d’images"/>
-          <p:cNvGrpSpPr/>
+            <a:off x="936226" y="2723946"/>
+            <a:ext cx="5118101" cy="3149601"/>
+          </a:xfrm>
+          <a:prstGeom prst="rect">
+            <a:avLst/>
+          </a:prstGeom>
+          <a:ln w="12700">
+            <a:miter lim="400000"/>
+          </a:ln>
+        </p:spPr>
+      </p:pic>
+      <p:pic>
+        <p:nvPicPr>
+          <p:cNvPr id="199" name="Capture d’écran 2022-02-26 à 16.30.48.png" descr="Capture d’écran 2022-02-26 à 16.30.48.png"/>
+          <p:cNvPicPr>
+            <a:picLocks noChangeAspect="1"/>
+          </p:cNvPicPr>
           <p:nvPr/>
-        </p:nvGrpSpPr>
-        <p:grpSpPr>
+        </p:nvPicPr>
+        <p:blipFill>
+          <a:blip r:embed="rId4">
+            <a:extLst/>
+          </a:blip>
+          <a:stretch>
+            <a:fillRect/>
+          </a:stretch>
+        </p:blipFill>
+        <p:spPr>
           <a:xfrm>
-            <a:off x="12348351" y="2809216"/>
-            <a:ext cx="11273649" cy="10485168"/>
-            <a:chOff x="0" y="0"/>
-            <a:chExt cx="11273648" cy="10485166"/>
-          </a:xfrm>
-        </p:grpSpPr>
-        <p:pic>
-          <p:nvPicPr>
-            <p:cNvPr id="189" name="Capture d’écran 2022-02-16 à 14.33.51.png" descr="Capture d’écran 2022-02-16 à 14.33.51.png"/>
-            <p:cNvPicPr>
-              <a:picLocks noChangeAspect="1"/>
-            </p:cNvPicPr>
-            <p:nvPr/>
-          </p:nvPicPr>
-          <p:blipFill>
-            <a:blip r:embed="rId3">
-              <a:extLst/>
-            </a:blip>
-            <a:srcRect l="0" t="3887" r="0" b="3887"/>
-            <a:stretch>
-              <a:fillRect/>
-            </a:stretch>
-          </p:blipFill>
-          <p:spPr>
-            <a:xfrm>
-              <a:off x="0" y="0"/>
-              <a:ext cx="11273649" cy="9735867"/>
-            </a:xfrm>
-            <a:prstGeom prst="rect">
-              <a:avLst/>
-            </a:prstGeom>
-            <a:ln w="12700" cap="flat">
-              <a:noFill/>
-              <a:miter lim="400000"/>
-            </a:ln>
-            <a:effectLst/>
-          </p:spPr>
-        </p:pic>
-        <p:sp>
-          <p:nvSpPr>
-            <p:cNvPr id="190" name="APRES CORRECTIONS"/>
-            <p:cNvSpPr/>
-            <p:nvPr/>
-          </p:nvSpPr>
-          <p:spPr>
-            <a:xfrm>
-              <a:off x="0" y="9812066"/>
-              <a:ext cx="11273649" cy="673101"/>
-            </a:xfrm>
-            <a:prstGeom prst="rect">
-              <a:avLst/>
-            </a:prstGeom>
-            <a:noFill/>
-            <a:ln w="12700" cap="flat">
-              <a:noFill/>
-              <a:miter lim="400000"/>
-            </a:ln>
-            <a:effectLst/>
-            <a:extLst>
-              <a:ext uri="{C572A759-6A51-4108-AA02-DFA0A04FC94B}">
-                <ma14:wrappingTextBoxFlag xmlns:ma14="http://schemas.microsoft.com/office/mac/drawingml/2011/main" val="1"/>
-              </a:ext>
-            </a:extLst>
-          </p:spPr>
-          <p:txBody>
-            <a:bodyPr wrap="square" lIns="76200" tIns="76200" rIns="76200" bIns="76200" numCol="1" anchor="t">
-              <a:noAutofit/>
-            </a:bodyPr>
-            <a:lstStyle>
-              <a:lvl1pPr algn="ctr">
-                <a:spcBef>
-                  <a:spcPts val="0"/>
-                </a:spcBef>
-              </a:lvl1pPr>
-            </a:lstStyle>
-            <a:p>
-              <a:pPr/>
-              <a:r>
-                <a:t>APRES CORRECTIONS</a:t>
-              </a:r>
-            </a:p>
-          </p:txBody>
-        </p:sp>
-      </p:grpSp>
+            <a:off x="6973091" y="1900316"/>
+            <a:ext cx="4371440" cy="5865948"/>
+          </a:xfrm>
+          <a:prstGeom prst="rect">
+            <a:avLst/>
+          </a:prstGeom>
+          <a:ln w="12700">
+            <a:miter lim="400000"/>
+          </a:ln>
+        </p:spPr>
+      </p:pic>
+      <p:pic>
+        <p:nvPicPr>
+          <p:cNvPr id="200" name="Capture d’écran 2022-02-26 à 16.34.39.png" descr="Capture d’écran 2022-02-26 à 16.34.39.png"/>
+          <p:cNvPicPr>
+            <a:picLocks noChangeAspect="1"/>
+          </p:cNvPicPr>
+          <p:nvPr/>
+        </p:nvPicPr>
+        <p:blipFill>
+          <a:blip r:embed="rId5">
+            <a:extLst/>
+          </a:blip>
+          <a:stretch>
+            <a:fillRect/>
+          </a:stretch>
+        </p:blipFill>
+        <p:spPr>
+          <a:xfrm>
+            <a:off x="937615" y="9502099"/>
+            <a:ext cx="7802663" cy="850012"/>
+          </a:xfrm>
+          <a:prstGeom prst="rect">
+            <a:avLst/>
+          </a:prstGeom>
+          <a:ln w="12700">
+            <a:miter lim="400000"/>
+          </a:ln>
+        </p:spPr>
+      </p:pic>
+      <p:pic>
+        <p:nvPicPr>
+          <p:cNvPr id="201" name="Capture d’écran 2022-02-26 à 16.35.57.png" descr="Capture d’écran 2022-02-26 à 16.35.57.png"/>
+          <p:cNvPicPr>
+            <a:picLocks noChangeAspect="1"/>
+          </p:cNvPicPr>
+          <p:nvPr/>
+        </p:nvPicPr>
+        <p:blipFill>
+          <a:blip r:embed="rId6">
+            <a:extLst/>
+          </a:blip>
+          <a:stretch>
+            <a:fillRect/>
+          </a:stretch>
+        </p:blipFill>
+        <p:spPr>
+          <a:xfrm>
+            <a:off x="6155260" y="10949658"/>
+            <a:ext cx="6007101" cy="1295401"/>
+          </a:xfrm>
+          <a:prstGeom prst="rect">
+            <a:avLst/>
+          </a:prstGeom>
+          <a:ln w="12700">
+            <a:miter lim="400000"/>
+          </a:ln>
+        </p:spPr>
+      </p:pic>
+      <p:pic>
+        <p:nvPicPr>
+          <p:cNvPr id="202" name="Capture d’écran 2022-02-26 à 16.52.17.png" descr="Capture d’écran 2022-02-26 à 16.52.17.png"/>
+          <p:cNvPicPr>
+            <a:picLocks noChangeAspect="1"/>
+          </p:cNvPicPr>
+          <p:nvPr/>
+        </p:nvPicPr>
+        <p:blipFill>
+          <a:blip r:embed="rId7">
+            <a:extLst/>
+          </a:blip>
+          <a:stretch>
+            <a:fillRect/>
+          </a:stretch>
+        </p:blipFill>
+        <p:spPr>
+          <a:xfrm>
+            <a:off x="6272781" y="8741820"/>
+            <a:ext cx="3603283" cy="512143"/>
+          </a:xfrm>
+          <a:prstGeom prst="rect">
+            <a:avLst/>
+          </a:prstGeom>
+          <a:ln w="12700">
+            <a:miter lim="400000"/>
+          </a:ln>
+        </p:spPr>
+      </p:pic>
+    </p:spTree>
+  </p:cSld>
+  <p:clrMapOvr>
+    <a:masterClrMapping/>
+  </p:clrMapOvr>
+  <p:transition xmlns:p14="http://schemas.microsoft.com/office/powerpoint/2010/main" spd="med" advClick="1"/>
+</p:sld>
+</file>
+
+<file path=ppt/slides/slide8.xml><?xml version="1.0" encoding="utf-8"?>
+<p:sld xmlns:a="http://schemas.openxmlformats.org/drawingml/2006/main" xmlns:r="http://schemas.openxmlformats.org/officeDocument/2006/relationships" xmlns:p="http://schemas.openxmlformats.org/presentationml/2006/main" xmlns:m="http://schemas.openxmlformats.org/officeDocument/2006/math" xmlns:a14="http://schemas.microsoft.com/office/drawing/2010/main" showMasterSp="1" showMasterPhAnim="1">
+  <p:cSld>
+    <p:spTree>
+      <p:nvGrpSpPr>
+        <p:cNvPr id="1" name=""/>
+        <p:cNvGrpSpPr/>
+        <p:nvPr/>
+      </p:nvGrpSpPr>
+      <p:grpSpPr>
+        <a:xfrm>
+          <a:off x="0" y="0"/>
+          <a:ext cx="0" cy="0"/>
+          <a:chOff x="0" y="0"/>
+          <a:chExt cx="0" cy="0"/>
+        </a:xfrm>
+      </p:grpSpPr>
+      <p:sp>
+        <p:nvSpPr>
+          <p:cNvPr id="204" name="Partie ii : après accessibilité (avec correction) index.html / page2.html"/>
+          <p:cNvSpPr txBox="1"/>
+          <p:nvPr>
+            <p:ph type="body" sz="quarter" idx="1"/>
+          </p:nvPr>
+        </p:nvSpPr>
+        <p:spPr>
+          <a:prstGeom prst="rect">
+            <a:avLst/>
+          </a:prstGeom>
+        </p:spPr>
+        <p:txBody>
+          <a:bodyPr/>
+          <a:lstStyle/>
+          <a:p>
+            <a:pPr/>
+            <a:r>
+              <a:t>Partie ii : après accessibilité (avec correction) index.html / page2.html</a:t>
+            </a:r>
+          </a:p>
+        </p:txBody>
+      </p:sp>
+      <p:pic>
+        <p:nvPicPr>
+          <p:cNvPr id="205" name="Capture d’écran 2022-02-26 à 16.38.54.png" descr="Capture d’écran 2022-02-26 à 16.38.54.png"/>
+          <p:cNvPicPr>
+            <a:picLocks noChangeAspect="1"/>
+          </p:cNvPicPr>
+          <p:nvPr>
+            <p:ph type="pic" idx="21"/>
+          </p:nvPr>
+        </p:nvPicPr>
+        <p:blipFill>
+          <a:blip r:embed="rId2">
+            <a:extLst/>
+          </a:blip>
+          <a:srcRect l="25655" t="0" r="25655" b="0"/>
+          <a:stretch>
+            <a:fillRect/>
+          </a:stretch>
+        </p:blipFill>
+        <p:spPr>
+          <a:xfrm>
+            <a:off x="13408265" y="2064708"/>
+            <a:ext cx="9891778" cy="10916692"/>
+          </a:xfrm>
+          <a:prstGeom prst="rect">
+            <a:avLst/>
+          </a:prstGeom>
+        </p:spPr>
+      </p:pic>
+      <p:sp>
+        <p:nvSpPr>
+          <p:cNvPr id="206" name="Texte niveau 1…"/>
+          <p:cNvSpPr txBox="1"/>
+          <p:nvPr>
+            <p:ph type="body" idx="22"/>
+          </p:nvPr>
+        </p:nvSpPr>
+        <p:spPr>
+          <a:xfrm>
+            <a:off x="762000" y="2185358"/>
+            <a:ext cx="11811000" cy="10675541"/>
+          </a:xfrm>
+          <a:prstGeom prst="rect">
+            <a:avLst/>
+          </a:prstGeom>
+          <a:extLst>
+            <a:ext uri="{C572A759-6A51-4108-AA02-DFA0A04FC94B}">
+              <ma14:wrappingTextBoxFlag xmlns:ma14="http://schemas.microsoft.com/office/mac/drawingml/2011/main" val="1"/>
+            </a:ext>
+          </a:extLst>
+        </p:spPr>
+        <p:txBody>
+          <a:bodyPr/>
+          <a:lstStyle/>
+          <a:p>
+            <a:pPr marL="635000" indent="-635000">
+              <a:lnSpc>
+                <a:spcPct val="100000"/>
+              </a:lnSpc>
+              <a:spcBef>
+                <a:spcPts val="3900"/>
+              </a:spcBef>
+              <a:buClr>
+                <a:schemeClr val="accent1"/>
+              </a:buClr>
+              <a:buSzPct val="104999"/>
+              <a:buFont typeface="Avenir Next Regular"/>
+              <a:buChar char="▸"/>
+              <a:defRPr cap="none" sz="4000">
+                <a:solidFill>
+                  <a:srgbClr val="838787"/>
+                </a:solidFill>
+                <a:latin typeface="Avenir Next Medium"/>
+                <a:ea typeface="Avenir Next Medium"/>
+                <a:cs typeface="Avenir Next Medium"/>
+                <a:sym typeface="Avenir Next Medium"/>
+              </a:defRPr>
+            </a:pPr>
+            <a:r>
+              <a:t>Contraste couleurs premier et arrière plan corrigée et passée à un niveau AAA ce qui permet de rendre le texte bien visible : </a:t>
+            </a:r>
+            <a:br/>
+            <a:br/>
+            <a:br/>
+            <a:br/>
+          </a:p>
+          <a:p>
+            <a:pPr marL="635000" indent="-635000">
+              <a:lnSpc>
+                <a:spcPct val="100000"/>
+              </a:lnSpc>
+              <a:spcBef>
+                <a:spcPts val="3900"/>
+              </a:spcBef>
+              <a:buClr>
+                <a:schemeClr val="accent1"/>
+              </a:buClr>
+              <a:buSzPct val="104999"/>
+              <a:buFont typeface="Avenir Next Regular"/>
+              <a:buChar char="▸"/>
+              <a:defRPr cap="none" sz="4000">
+                <a:solidFill>
+                  <a:srgbClr val="838787"/>
+                </a:solidFill>
+                <a:latin typeface="Avenir Next Medium"/>
+                <a:ea typeface="Avenir Next Medium"/>
+                <a:cs typeface="Avenir Next Medium"/>
+                <a:sym typeface="Avenir Next Medium"/>
+              </a:defRPr>
+            </a:pPr>
+            <a:r>
+              <a:t>Placeholder ajouté aux inputs de notre formulaire afin d’aider l’utilisateur à rentrer de bonnes informations : </a:t>
+            </a:r>
+          </a:p>
+        </p:txBody>
+      </p:sp>
+      <p:pic>
+        <p:nvPicPr>
+          <p:cNvPr id="207" name="Capture d’écran 2022-02-26 à 16.47.06.png" descr="Capture d’écran 2022-02-26 à 16.47.06.png"/>
+          <p:cNvPicPr>
+            <a:picLocks noChangeAspect="1"/>
+          </p:cNvPicPr>
+          <p:nvPr/>
+        </p:nvPicPr>
+        <p:blipFill>
+          <a:blip r:embed="rId3">
+            <a:extLst/>
+          </a:blip>
+          <a:stretch>
+            <a:fillRect/>
+          </a:stretch>
+        </p:blipFill>
+        <p:spPr>
+          <a:xfrm>
+            <a:off x="1347406" y="5565987"/>
+            <a:ext cx="2420085" cy="972558"/>
+          </a:xfrm>
+          <a:prstGeom prst="rect">
+            <a:avLst/>
+          </a:prstGeom>
+          <a:ln w="12700">
+            <a:miter lim="400000"/>
+          </a:ln>
+        </p:spPr>
+      </p:pic>
+      <p:pic>
+        <p:nvPicPr>
+          <p:cNvPr id="208" name="Capture d’écran 2022-02-26 à 16.47.41.png" descr="Capture d’écran 2022-02-26 à 16.47.41.png"/>
+          <p:cNvPicPr>
+            <a:picLocks noChangeAspect="1"/>
+          </p:cNvPicPr>
+          <p:nvPr/>
+        </p:nvPicPr>
+        <p:blipFill>
+          <a:blip r:embed="rId4">
+            <a:extLst/>
+          </a:blip>
+          <a:stretch>
+            <a:fillRect/>
+          </a:stretch>
+        </p:blipFill>
+        <p:spPr>
+          <a:xfrm>
+            <a:off x="1416126" y="4483251"/>
+            <a:ext cx="7259609" cy="724056"/>
+          </a:xfrm>
+          <a:prstGeom prst="rect">
+            <a:avLst/>
+          </a:prstGeom>
+          <a:ln w="12700">
+            <a:miter lim="400000"/>
+          </a:ln>
+        </p:spPr>
+      </p:pic>
+      <p:pic>
+        <p:nvPicPr>
+          <p:cNvPr id="209" name="Capture d’écran 2022-02-26 à 16.48.38.png" descr="Capture d’écran 2022-02-26 à 16.48.38.png"/>
+          <p:cNvPicPr>
+            <a:picLocks noChangeAspect="1"/>
+          </p:cNvPicPr>
+          <p:nvPr/>
+        </p:nvPicPr>
+        <p:blipFill>
+          <a:blip r:embed="rId5">
+            <a:extLst/>
+          </a:blip>
+          <a:stretch>
+            <a:fillRect/>
+          </a:stretch>
+        </p:blipFill>
+        <p:spPr>
+          <a:xfrm>
+            <a:off x="10592549" y="3567966"/>
+            <a:ext cx="1293902" cy="2554626"/>
+          </a:xfrm>
+          <a:prstGeom prst="rect">
+            <a:avLst/>
+          </a:prstGeom>
+          <a:ln w="12700">
+            <a:miter lim="400000"/>
+          </a:ln>
+        </p:spPr>
+      </p:pic>
+      <p:pic>
+        <p:nvPicPr>
+          <p:cNvPr id="210" name="Capture d’écran 2022-02-26 à 16.49.52.png" descr="Capture d’écran 2022-02-26 à 16.49.52.png"/>
+          <p:cNvPicPr>
+            <a:picLocks noChangeAspect="1"/>
+          </p:cNvPicPr>
+          <p:nvPr/>
+        </p:nvPicPr>
+        <p:blipFill>
+          <a:blip r:embed="rId6">
+            <a:extLst/>
+          </a:blip>
+          <a:stretch>
+            <a:fillRect/>
+          </a:stretch>
+        </p:blipFill>
+        <p:spPr>
+          <a:xfrm>
+            <a:off x="5930344" y="10087030"/>
+            <a:ext cx="4455831" cy="2435602"/>
+          </a:xfrm>
+          <a:prstGeom prst="rect">
+            <a:avLst/>
+          </a:prstGeom>
+          <a:ln w="12700">
+            <a:miter lim="400000"/>
+          </a:ln>
+        </p:spPr>
+      </p:pic>
+      <p:pic>
+        <p:nvPicPr>
+          <p:cNvPr id="211" name="Capture d’écran 2022-02-26 à 16.51.42.png" descr="Capture d’écran 2022-02-26 à 16.51.42.png"/>
+          <p:cNvPicPr>
+            <a:picLocks noChangeAspect="1"/>
+          </p:cNvPicPr>
+          <p:nvPr/>
+        </p:nvPicPr>
+        <p:blipFill>
+          <a:blip r:embed="rId7">
+            <a:extLst/>
+          </a:blip>
+          <a:stretch>
+            <a:fillRect/>
+          </a:stretch>
+        </p:blipFill>
+        <p:spPr>
+          <a:xfrm>
+            <a:off x="1187727" y="10306626"/>
+            <a:ext cx="3607123" cy="537232"/>
+          </a:xfrm>
+          <a:prstGeom prst="rect">
+            <a:avLst/>
+          </a:prstGeom>
+          <a:ln w="12700">
+            <a:miter lim="400000"/>
+          </a:ln>
+        </p:spPr>
+      </p:pic>
+    </p:spTree>
+  </p:cSld>
+  <p:clrMapOvr>
+    <a:masterClrMapping/>
+  </p:clrMapOvr>
+  <p:transition xmlns:p14="http://schemas.microsoft.com/office/powerpoint/2010/main" spd="med" advClick="1"/>
+</p:sld>
+</file>
+
+<file path=ppt/slides/slide9.xml><?xml version="1.0" encoding="utf-8"?>
+<p:sld xmlns:a="http://schemas.openxmlformats.org/drawingml/2006/main" xmlns:r="http://schemas.openxmlformats.org/officeDocument/2006/relationships" xmlns:p="http://schemas.openxmlformats.org/presentationml/2006/main" xmlns:m="http://schemas.openxmlformats.org/officeDocument/2006/math" xmlns:a14="http://schemas.microsoft.com/office/drawing/2010/main" showMasterSp="1" showMasterPhAnim="1">
+  <p:cSld>
+    <p:spTree>
+      <p:nvGrpSpPr>
+        <p:cNvPr id="1" name=""/>
+        <p:cNvGrpSpPr/>
+        <p:nvPr/>
+      </p:nvGrpSpPr>
+      <p:grpSpPr>
+        <a:xfrm>
+          <a:off x="0" y="0"/>
+          <a:ext cx="0" cy="0"/>
+          <a:chOff x="0" y="0"/>
+          <a:chExt cx="0" cy="0"/>
+        </a:xfrm>
+      </p:grpSpPr>
+      <p:sp>
+        <p:nvSpPr>
+          <p:cNvPr id="213" name="Partie ii : après accessibilité (avec correction) index.html / page2.html"/>
+          <p:cNvSpPr txBox="1"/>
+          <p:nvPr>
+            <p:ph type="body" sz="quarter" idx="1"/>
+          </p:nvPr>
+        </p:nvSpPr>
+        <p:spPr>
+          <a:prstGeom prst="rect">
+            <a:avLst/>
+          </a:prstGeom>
+        </p:spPr>
+        <p:txBody>
+          <a:bodyPr/>
+          <a:lstStyle/>
+          <a:p>
+            <a:pPr/>
+            <a:r>
+              <a:t>Partie ii : après accessibilité (avec correction) index.html / page2.html</a:t>
+            </a:r>
+          </a:p>
+        </p:txBody>
+      </p:sp>
+      <p:sp>
+        <p:nvSpPr>
+          <p:cNvPr id="214" name="Texte niveau 1…"/>
+          <p:cNvSpPr txBox="1"/>
+          <p:nvPr>
+            <p:ph type="body" idx="21"/>
+          </p:nvPr>
+        </p:nvSpPr>
+        <p:spPr>
+          <a:xfrm>
+            <a:off x="762000" y="1897739"/>
+            <a:ext cx="22860000" cy="10548261"/>
+          </a:xfrm>
+          <a:prstGeom prst="rect">
+            <a:avLst/>
+          </a:prstGeom>
+          <a:extLst>
+            <a:ext uri="{C572A759-6A51-4108-AA02-DFA0A04FC94B}">
+              <ma14:wrappingTextBoxFlag xmlns:ma14="http://schemas.microsoft.com/office/mac/drawingml/2011/main" val="1"/>
+            </a:ext>
+          </a:extLst>
+        </p:spPr>
+        <p:txBody>
+          <a:bodyPr/>
+          <a:lstStyle/>
+          <a:p>
+            <a:pPr marL="635000" indent="-635000">
+              <a:lnSpc>
+                <a:spcPct val="100000"/>
+              </a:lnSpc>
+              <a:spcBef>
+                <a:spcPts val="3900"/>
+              </a:spcBef>
+              <a:buClr>
+                <a:schemeClr val="accent1"/>
+              </a:buClr>
+              <a:buSzPct val="104999"/>
+              <a:buFont typeface="Avenir Next Regular"/>
+              <a:buChar char="▸"/>
+              <a:defRPr cap="none" sz="4000">
+                <a:solidFill>
+                  <a:srgbClr val="838787"/>
+                </a:solidFill>
+                <a:latin typeface="Avenir Next Medium"/>
+                <a:ea typeface="Avenir Next Medium"/>
+                <a:cs typeface="Avenir Next Medium"/>
+                <a:sym typeface="Avenir Next Medium"/>
+              </a:defRPr>
+            </a:pPr>
+            <a:r>
+              <a:t>Attribut ALT apporté aux images / TITLE pour les liens afin d’avoir une info bulle si l’image ne charge pas / être lu par un outil de technologie d’assistance : </a:t>
+            </a:r>
+            <a:br/>
+            <a:br/>
+            <a:br/>
+            <a:br/>
+            <a:br/>
+            <a:br/>
+            <a:br/>
+            <a:br/>
+          </a:p>
+        </p:txBody>
+      </p:sp>
+      <p:pic>
+        <p:nvPicPr>
+          <p:cNvPr id="215" name="Capture d’écran 2022-02-26 à 17.05.19.png" descr="Capture d’écran 2022-02-26 à 17.05.19.png"/>
+          <p:cNvPicPr>
+            <a:picLocks noChangeAspect="1"/>
+          </p:cNvPicPr>
+          <p:nvPr/>
+        </p:nvPicPr>
+        <p:blipFill>
+          <a:blip r:embed="rId2">
+            <a:extLst/>
+          </a:blip>
+          <a:stretch>
+            <a:fillRect/>
+          </a:stretch>
+        </p:blipFill>
+        <p:spPr>
+          <a:xfrm>
+            <a:off x="1038918" y="5117257"/>
+            <a:ext cx="9562336" cy="4486294"/>
+          </a:xfrm>
+          <a:prstGeom prst="rect">
+            <a:avLst/>
+          </a:prstGeom>
+          <a:ln w="12700">
+            <a:miter lim="400000"/>
+          </a:ln>
+        </p:spPr>
+      </p:pic>
+      <p:pic>
+        <p:nvPicPr>
+          <p:cNvPr id="216" name="Capture d’écran 2022-02-26 à 17.07.15.png" descr="Capture d’écran 2022-02-26 à 17.07.15.png"/>
+          <p:cNvPicPr>
+            <a:picLocks noChangeAspect="1"/>
+          </p:cNvPicPr>
+          <p:nvPr/>
+        </p:nvPicPr>
+        <p:blipFill>
+          <a:blip r:embed="rId3">
+            <a:extLst/>
+          </a:blip>
+          <a:stretch>
+            <a:fillRect/>
+          </a:stretch>
+        </p:blipFill>
+        <p:spPr>
+          <a:xfrm>
+            <a:off x="12975611" y="4960358"/>
+            <a:ext cx="9445339" cy="4800091"/>
+          </a:xfrm>
+          <a:prstGeom prst="rect">
+            <a:avLst/>
+          </a:prstGeom>
+          <a:ln w="12700">
+            <a:miter lim="400000"/>
+          </a:ln>
+        </p:spPr>
+      </p:pic>
     </p:spTree>
   </p:cSld>
   <p:clrMapOvr>
@@ -5365,13 +7189,13 @@
         <a:srgbClr val="222222"/>
       </a:dk1>
       <a:lt1>
-        <a:srgbClr val="838787"/>
+        <a:srgbClr val="222222"/>
       </a:lt1>
       <a:dk2>
-        <a:srgbClr val="222222"/>
+        <a:srgbClr val="A7A7A7"/>
       </a:dk2>
       <a:lt2>
-        <a:srgbClr val="A6AAA9"/>
+        <a:srgbClr val="535353"/>
       </a:lt2>
       <a:accent1>
         <a:srgbClr val="34A5DA"/>
@@ -5400,14 +7224,14 @@
     </a:clrScheme>
     <a:fontScheme name="New_Template7">
       <a:majorFont>
-        <a:latin typeface="DIN Condensed Bold"/>
-        <a:ea typeface="DIN Condensed Bold"/>
-        <a:cs typeface="DIN Condensed Bold"/>
+        <a:latin typeface="Helvetica"/>
+        <a:ea typeface="Helvetica"/>
+        <a:cs typeface="Helvetica"/>
       </a:majorFont>
       <a:minorFont>
-        <a:latin typeface="DIN Condensed Bold"/>
-        <a:ea typeface="DIN Condensed Bold"/>
-        <a:cs typeface="DIN Condensed Bold"/>
+        <a:latin typeface="Helvetica Neue"/>
+        <a:ea typeface="Helvetica Neue"/>
+        <a:cs typeface="Helvetica Neue"/>
       </a:minorFont>
     </a:fontScheme>
     <a:fmtScheme name="New_Template7">
@@ -5548,11 +7372,14 @@
     <a:spDef>
       <a:spPr>
         <a:solidFill>
-          <a:schemeClr val="accent1"/>
+          <a:srgbClr val="838787"/>
         </a:solidFill>
-        <a:ln w="12700" cap="flat">
-          <a:noFill/>
-          <a:miter lim="400000"/>
+        <a:ln w="25400" cap="flat">
+          <a:solidFill>
+            <a:schemeClr val="accent1"/>
+          </a:solidFill>
+          <a:prstDash val="solid"/>
+          <a:round/>
         </a:ln>
         <a:effectLst/>
         <a:sp3d/>
@@ -5561,12 +7388,12 @@
         <a:spAutoFit/>
       </a:bodyPr>
       <a:lstStyle>
-        <a:defPPr marL="0" marR="0" indent="0" algn="ctr" defTabSz="825500" rtl="0" fontAlgn="auto" latinLnBrk="0" hangingPunct="0">
+        <a:defPPr marL="0" marR="0" indent="0" algn="l" defTabSz="825500" rtl="0" fontAlgn="auto" latinLnBrk="0" hangingPunct="0">
           <a:lnSpc>
-            <a:spcPct val="80000"/>
+            <a:spcPct val="100000"/>
           </a:lnSpc>
           <a:spcBef>
-            <a:spcPts val="0"/>
+            <a:spcPts val="3400"/>
           </a:spcBef>
           <a:spcAft>
             <a:spcPts val="0"/>
@@ -5576,18 +7403,18 @@
           <a:buFontTx/>
           <a:buNone/>
           <a:tabLst/>
-          <a:defRPr b="0" baseline="0" cap="all" i="0" spc="0" strike="noStrike" sz="4000" u="none" kumimoji="0" normalizeH="0">
+          <a:defRPr b="0" baseline="0" cap="none" i="0" spc="0" strike="noStrike" sz="3000" u="none" kumimoji="0" normalizeH="0">
             <a:ln>
               <a:noFill/>
             </a:ln>
             <a:solidFill>
-              <a:srgbClr val="FFFFFF"/>
+              <a:srgbClr val="222222"/>
             </a:solidFill>
             <a:effectLst/>
             <a:uFillTx/>
-            <a:latin typeface="+mn-lt"/>
-            <a:ea typeface="+mn-ea"/>
-            <a:cs typeface="+mn-cs"/>
+            <a:latin typeface="DIN Condensed Bold"/>
+            <a:ea typeface="DIN Condensed Bold"/>
+            <a:cs typeface="DIN Condensed Bold"/>
             <a:sym typeface="DIN Condensed Bold"/>
           </a:defRPr>
         </a:defPPr>
@@ -5841,7 +7668,7 @@
             <a:schemeClr val="accent1"/>
           </a:solidFill>
           <a:prstDash val="solid"/>
-          <a:miter lim="400000"/>
+          <a:round/>
         </a:ln>
         <a:effectLst/>
         <a:sp3d/>
@@ -6152,14 +7979,14 @@
               <a:noFill/>
             </a:ln>
             <a:solidFill>
-              <a:srgbClr val="838787"/>
+              <a:srgbClr val="222222"/>
             </a:solidFill>
             <a:effectLst/>
             <a:uFillTx/>
-            <a:latin typeface="Avenir Next Medium"/>
-            <a:ea typeface="Avenir Next Medium"/>
-            <a:cs typeface="Avenir Next Medium"/>
-            <a:sym typeface="Avenir Next Medium"/>
+            <a:latin typeface="DIN Condensed Bold"/>
+            <a:ea typeface="DIN Condensed Bold"/>
+            <a:cs typeface="DIN Condensed Bold"/>
+            <a:sym typeface="DIN Condensed Bold"/>
           </a:defRPr>
         </a:defPPr>
         <a:lvl1pPr marL="0" marR="0" indent="0" algn="l" defTabSz="914400" rtl="0" fontAlgn="auto" latinLnBrk="1" hangingPunct="0">
@@ -6419,10 +8246,10 @@
         <a:srgbClr val="FFFFFF"/>
       </a:lt1>
       <a:dk2>
-        <a:srgbClr val="222222"/>
+        <a:srgbClr val="A7A7A7"/>
       </a:dk2>
       <a:lt2>
-        <a:srgbClr val="A6AAA9"/>
+        <a:srgbClr val="535353"/>
       </a:lt2>
       <a:accent1>
         <a:srgbClr val="34A5DA"/>
@@ -6451,14 +8278,14 @@
     </a:clrScheme>
     <a:fontScheme name="New_Template7">
       <a:majorFont>
-        <a:latin typeface="DIN Condensed Bold"/>
-        <a:ea typeface="DIN Condensed Bold"/>
-        <a:cs typeface="DIN Condensed Bold"/>
+        <a:latin typeface="Helvetica"/>
+        <a:ea typeface="Helvetica"/>
+        <a:cs typeface="Helvetica"/>
       </a:majorFont>
       <a:minorFont>
-        <a:latin typeface="DIN Condensed Bold"/>
-        <a:ea typeface="DIN Condensed Bold"/>
-        <a:cs typeface="DIN Condensed Bold"/>
+        <a:latin typeface="Helvetica Neue"/>
+        <a:ea typeface="Helvetica Neue"/>
+        <a:cs typeface="Helvetica Neue"/>
       </a:minorFont>
     </a:fontScheme>
     <a:fmtScheme name="New_Template7">
@@ -6599,11 +8426,14 @@
     <a:spDef>
       <a:spPr>
         <a:solidFill>
-          <a:schemeClr val="accent1"/>
+          <a:srgbClr val="838787"/>
         </a:solidFill>
-        <a:ln w="12700" cap="flat">
-          <a:noFill/>
-          <a:miter lim="400000"/>
+        <a:ln w="25400" cap="flat">
+          <a:solidFill>
+            <a:schemeClr val="accent1"/>
+          </a:solidFill>
+          <a:prstDash val="solid"/>
+          <a:round/>
         </a:ln>
         <a:effectLst/>
         <a:sp3d/>
@@ -6612,12 +8442,12 @@
         <a:spAutoFit/>
       </a:bodyPr>
       <a:lstStyle>
-        <a:defPPr marL="0" marR="0" indent="0" algn="ctr" defTabSz="825500" rtl="0" fontAlgn="auto" latinLnBrk="0" hangingPunct="0">
+        <a:defPPr marL="0" marR="0" indent="0" algn="l" defTabSz="825500" rtl="0" fontAlgn="auto" latinLnBrk="0" hangingPunct="0">
           <a:lnSpc>
-            <a:spcPct val="80000"/>
+            <a:spcPct val="100000"/>
           </a:lnSpc>
           <a:spcBef>
-            <a:spcPts val="0"/>
+            <a:spcPts val="3400"/>
           </a:spcBef>
           <a:spcAft>
             <a:spcPts val="0"/>
@@ -6627,18 +8457,18 @@
           <a:buFontTx/>
           <a:buNone/>
           <a:tabLst/>
-          <a:defRPr b="0" baseline="0" cap="all" i="0" spc="0" strike="noStrike" sz="4000" u="none" kumimoji="0" normalizeH="0">
+          <a:defRPr b="0" baseline="0" cap="none" i="0" spc="0" strike="noStrike" sz="3000" u="none" kumimoji="0" normalizeH="0">
             <a:ln>
               <a:noFill/>
             </a:ln>
             <a:solidFill>
-              <a:srgbClr val="FFFFFF"/>
+              <a:srgbClr val="222222"/>
             </a:solidFill>
             <a:effectLst/>
             <a:uFillTx/>
-            <a:latin typeface="+mn-lt"/>
-            <a:ea typeface="+mn-ea"/>
-            <a:cs typeface="+mn-cs"/>
+            <a:latin typeface="DIN Condensed Bold"/>
+            <a:ea typeface="DIN Condensed Bold"/>
+            <a:cs typeface="DIN Condensed Bold"/>
             <a:sym typeface="DIN Condensed Bold"/>
           </a:defRPr>
         </a:defPPr>
@@ -6892,7 +8722,7 @@
             <a:schemeClr val="accent1"/>
           </a:solidFill>
           <a:prstDash val="solid"/>
-          <a:miter lim="400000"/>
+          <a:round/>
         </a:ln>
         <a:effectLst/>
         <a:sp3d/>
@@ -7203,14 +9033,14 @@
               <a:noFill/>
             </a:ln>
             <a:solidFill>
-              <a:srgbClr val="838787"/>
+              <a:srgbClr val="222222"/>
             </a:solidFill>
             <a:effectLst/>
             <a:uFillTx/>
-            <a:latin typeface="Avenir Next Medium"/>
-            <a:ea typeface="Avenir Next Medium"/>
-            <a:cs typeface="Avenir Next Medium"/>
-            <a:sym typeface="Avenir Next Medium"/>
+            <a:latin typeface="DIN Condensed Bold"/>
+            <a:ea typeface="DIN Condensed Bold"/>
+            <a:cs typeface="DIN Condensed Bold"/>
+            <a:sym typeface="DIN Condensed Bold"/>
           </a:defRPr>
         </a:defPPr>
         <a:lvl1pPr marL="0" marR="0" indent="0" algn="l" defTabSz="914400" rtl="0" fontAlgn="auto" latinLnBrk="1" hangingPunct="0">
